--- a/tutorial-09-perf_tuning.pptx
+++ b/tutorial-09-perf_tuning.pptx
@@ -209,7 +209,7 @@
           <a:p>
             <a:fld id="{775CE290-E0F5-444C-B849-A8F17CD4104C}" type="datetimeFigureOut">
               <a:rPr lang="en-US" smtClean="0"/>
-              <a:t>9/8/14</a:t>
+              <a:t>9/9/14</a:t>
             </a:fld>
             <a:endParaRPr lang="en-US"/>
           </a:p>
@@ -375,7 +375,7 @@
           <a:p>
             <a:fld id="{AD53A24C-4135-094C-957B-35852E7EDFA4}" type="datetimeFigureOut">
               <a:rPr lang="en-US" smtClean="0"/>
-              <a:t>9/8/14</a:t>
+              <a:t>9/9/14</a:t>
             </a:fld>
             <a:endParaRPr lang="en-US"/>
           </a:p>
@@ -836,7 +836,7 @@
           <a:p>
             <a:fld id="{B594EA25-E4F4-3746-A0BA-A11E27330E0F}" type="datetime2">
               <a:rPr lang="en-US" smtClean="0"/>
-              <a:t>Monday, September 8, 14</a:t>
+              <a:t>Tuesday, September 9, 14</a:t>
             </a:fld>
             <a:endParaRPr lang="en-US"/>
           </a:p>
@@ -1139,7 +1139,7 @@
                 <a:latin typeface="Times New Roman"/>
                 <a:cs typeface="Times New Roman"/>
               </a:rPr>
-              <a:t>September 8, 2014</a:t>
+              <a:t>September 9, 2014</a:t>
             </a:fld>
             <a:endParaRPr lang="en-US" dirty="0">
               <a:latin typeface="Times New Roman"/>
@@ -1426,7 +1426,7 @@
           <a:p>
             <a:fld id="{EA699BF9-66CB-F244-8E74-7B1BE1C77046}" type="datetime2">
               <a:rPr lang="en-US" smtClean="0"/>
-              <a:t>Monday, September 8, 14</a:t>
+              <a:t>Tuesday, September 9, 14</a:t>
             </a:fld>
             <a:endParaRPr lang="en-US"/>
           </a:p>
@@ -1737,7 +1737,7 @@
           <a:p>
             <a:fld id="{D300BE84-9843-8B4F-B3C8-647B06AC46C9}" type="datetime2">
               <a:rPr lang="en-US" smtClean="0"/>
-              <a:t>Monday, September 8, 14</a:t>
+              <a:t>Tuesday, September 9, 14</a:t>
             </a:fld>
             <a:endParaRPr lang="en-US"/>
           </a:p>
@@ -1908,7 +1908,7 @@
           <a:p>
             <a:fld id="{C460AE39-2092-A945-8296-F25085B9A0F1}" type="datetime2">
               <a:rPr lang="en-US" smtClean="0"/>
-              <a:t>Monday, September 8, 14</a:t>
+              <a:t>Tuesday, September 9, 14</a:t>
             </a:fld>
             <a:endParaRPr lang="en-US"/>
           </a:p>
@@ -2089,7 +2089,7 @@
           <a:p>
             <a:fld id="{63BC7E9D-3218-5E49-A867-E087AB2F4618}" type="datetime2">
               <a:rPr lang="en-US" smtClean="0"/>
-              <a:t>Monday, September 8, 14</a:t>
+              <a:t>Tuesday, September 9, 14</a:t>
             </a:fld>
             <a:endParaRPr lang="en-US"/>
           </a:p>
@@ -2260,7 +2260,7 @@
           <a:p>
             <a:fld id="{34621E95-60A9-FF44-9869-513D9D7A859F}" type="datetime2">
               <a:rPr lang="en-US" smtClean="0"/>
-              <a:t>Monday, September 8, 14</a:t>
+              <a:t>Tuesday, September 9, 14</a:t>
             </a:fld>
             <a:endParaRPr lang="en-US"/>
           </a:p>
@@ -2379,7 +2379,7 @@
           <a:p>
             <a:fld id="{BD5AFB16-13FE-DF4A-8CB7-09756A57B2EA}" type="datetime2">
               <a:rPr lang="en-US" smtClean="0"/>
-              <a:t>Monday, September 8, 14</a:t>
+              <a:t>Tuesday, September 9, 14</a:t>
             </a:fld>
             <a:endParaRPr lang="en-US" dirty="0"/>
           </a:p>
@@ -2866,7 +2866,7 @@
           <a:p>
             <a:fld id="{1BDEC705-8EA9-6C46-8E3B-2CAC7E2C0F7D}" type="datetime2">
               <a:rPr lang="en-US" smtClean="0"/>
-              <a:t>Monday, September 8, 14</a:t>
+              <a:t>Tuesday, September 9, 14</a:t>
             </a:fld>
             <a:endParaRPr lang="en-US"/>
           </a:p>
@@ -3197,7 +3197,7 @@
           <a:p>
             <a:fld id="{BF613BD3-C5FD-9543-B738-679BF38D8C83}" type="datetime2">
               <a:rPr lang="en-US" smtClean="0"/>
-              <a:t>Monday, September 8, 14</a:t>
+              <a:t>Tuesday, September 9, 14</a:t>
             </a:fld>
             <a:endParaRPr lang="en-US" dirty="0"/>
           </a:p>
@@ -3676,7 +3676,7 @@
           <a:p>
             <a:fld id="{4B5E4F0C-9A9C-5448-99FD-D30288B385C9}" type="datetime2">
               <a:rPr lang="en-US" smtClean="0"/>
-              <a:t>Monday, September 8, 14</a:t>
+              <a:t>Tuesday, September 9, 14</a:t>
             </a:fld>
             <a:endParaRPr lang="en-US"/>
           </a:p>
@@ -3972,7 +3972,7 @@
           <a:p>
             <a:fld id="{30545249-FD76-6844-B252-CAB05FC2DAA8}" type="datetime2">
               <a:rPr lang="en-US" smtClean="0"/>
-              <a:t>Monday, September 8, 14</a:t>
+              <a:t>Tuesday, September 9, 14</a:t>
             </a:fld>
             <a:endParaRPr lang="en-US" dirty="0"/>
           </a:p>
@@ -4216,7 +4216,7 @@
           <a:p>
             <a:fld id="{CC859171-EEDD-0B48-A5C0-E7218AE20EA7}" type="datetime2">
               <a:rPr lang="en-US" smtClean="0"/>
-              <a:t>Monday, September 8, 14</a:t>
+              <a:t>Tuesday, September 9, 14</a:t>
             </a:fld>
             <a:endParaRPr lang="en-US"/>
           </a:p>
@@ -4312,7 +4312,7 @@
           <a:p>
             <a:fld id="{C32F9216-0342-7440-9504-BD6C1382BF27}" type="datetime2">
               <a:rPr lang="en-US" smtClean="0"/>
-              <a:t>Monday, September 8, 14</a:t>
+              <a:t>Tuesday, September 9, 14</a:t>
             </a:fld>
             <a:endParaRPr lang="en-US"/>
           </a:p>
@@ -4583,7 +4583,7 @@
           <a:p>
             <a:fld id="{D36DC8F2-AD63-E841-8C23-5DC3A41041BE}" type="datetime2">
               <a:rPr lang="en-US" smtClean="0"/>
-              <a:t>Monday, September 8, 14</a:t>
+              <a:t>Tuesday, September 9, 14</a:t>
             </a:fld>
             <a:endParaRPr lang="en-US" dirty="0"/>
           </a:p>
@@ -5302,7 +5302,7 @@
           <a:p>
             <a:fld id="{7DCE861A-EA6B-EA43-8AA5-DB216DBB40BC}" type="datetime2">
               <a:rPr lang="en-US" smtClean="0"/>
-              <a:t>Monday, September 8, 14</a:t>
+              <a:t>Tuesday, September 9, 14</a:t>
             </a:fld>
             <a:endParaRPr lang="en-US"/>
           </a:p>
@@ -5520,17 +5520,44 @@
             </a:r>
             <a:r>
               <a:rPr lang="en-US" dirty="0"/>
-              <a:t>program with -</a:t>
-            </a:r>
-            <a:r>
-              <a:rPr lang="en-US" dirty="0" err="1"/>
+              <a:t>program with </a:t>
+            </a:r>
+            <a:r>
+              <a:rPr lang="en-US" dirty="0">
+                <a:latin typeface="Consolas"/>
+                <a:cs typeface="Consolas"/>
+              </a:rPr>
+              <a:t>-</a:t>
+            </a:r>
+            <a:r>
+              <a:rPr lang="en-US" dirty="0" err="1">
+                <a:latin typeface="Consolas"/>
+                <a:cs typeface="Consolas"/>
+              </a:rPr>
               <a:t>tracemode</a:t>
             </a:r>
             <a:r>
+              <a:rPr lang="en-US" dirty="0">
+                <a:latin typeface="Consolas"/>
+                <a:cs typeface="Consolas"/>
+              </a:rPr>
+              <a:t> projections </a:t>
+            </a:r>
+            <a:r>
               <a:rPr lang="en-US" dirty="0"/>
-              <a:t> projections or summary </a:t>
-            </a:r>
-            <a:endParaRPr lang="en-US" dirty="0" smtClean="0"/>
+              <a:t>or </a:t>
+            </a:r>
+            <a:r>
+              <a:rPr lang="en-US" dirty="0">
+                <a:latin typeface="Consolas"/>
+                <a:cs typeface="Consolas"/>
+              </a:rPr>
+              <a:t>summary </a:t>
+            </a:r>
+            <a:endParaRPr lang="en-US" dirty="0" smtClean="0">
+              <a:latin typeface="Consolas"/>
+              <a:cs typeface="Consolas"/>
+            </a:endParaRPr>
           </a:p>
           <a:p>
             <a:pPr lvl="1"/>
@@ -5579,7 +5606,15 @@
             </a:r>
             <a:r>
               <a:rPr lang="en-US" dirty="0"/>
-              <a:t>rich set of tool features : time profile, time lines, usage profile</a:t>
+              <a:t>rich set of tool </a:t>
+            </a:r>
+            <a:r>
+              <a:rPr lang="en-US" dirty="0" smtClean="0"/>
+              <a:t>features: </a:t>
+            </a:r>
+            <a:r>
+              <a:rPr lang="en-US" dirty="0"/>
+              <a:t>time profile, time lines, usage profile</a:t>
             </a:r>
             <a:r>
               <a:rPr lang="en-US" dirty="0" smtClean="0"/>
@@ -5641,7 +5676,7 @@
           <a:p>
             <a:fld id="{34621E95-60A9-FF44-9869-513D9D7A859F}" type="datetime2">
               <a:rPr lang="en-US" smtClean="0"/>
-              <a:t>Monday, September 8, 14</a:t>
+              <a:t>Tuesday, September 9, 14</a:t>
             </a:fld>
             <a:endParaRPr lang="en-US"/>
           </a:p>
@@ -5837,8 +5872,12 @@
               <a:t> </a:t>
             </a:r>
             <a:r>
+              <a:rPr lang="en-US" dirty="0" smtClean="0"/>
+              <a:t>analysis: </a:t>
+            </a:r>
+            <a:r>
               <a:rPr lang="en-US" dirty="0"/>
-              <a:t>analysis : identifies outliers</a:t>
+              <a:t>identifies outliers</a:t>
             </a:r>
           </a:p>
           <a:p>
@@ -5848,8 +5887,12 @@
               <a:t>Noise </a:t>
             </a:r>
             <a:r>
+              <a:rPr lang="en-US" dirty="0" smtClean="0"/>
+              <a:t>miner: </a:t>
+            </a:r>
+            <a:r>
               <a:rPr lang="en-US" dirty="0"/>
-              <a:t>miner : highlights probable interference</a:t>
+              <a:t>highlights probable interference</a:t>
             </a:r>
           </a:p>
         </p:txBody>
@@ -5871,7 +5914,7 @@
           <a:p>
             <a:fld id="{34621E95-60A9-FF44-9869-513D9D7A859F}" type="datetime2">
               <a:rPr lang="en-US" smtClean="0"/>
-              <a:t>Monday, September 8, 14</a:t>
+              <a:t>Tuesday, September 9, 14</a:t>
             </a:fld>
             <a:endParaRPr lang="en-US"/>
           </a:p>
@@ -6006,8 +6049,12 @@
               <a:t>Time </a:t>
             </a:r>
             <a:r>
+              <a:rPr lang="en-US" dirty="0" smtClean="0"/>
+              <a:t>profile: </a:t>
+            </a:r>
+            <a:r>
               <a:rPr lang="en-US" dirty="0"/>
-              <a:t>profile : lower CPU usage </a:t>
+              <a:t>lower CPU usage </a:t>
             </a:r>
             <a:endParaRPr lang="en-US" dirty="0" smtClean="0"/>
           </a:p>
@@ -6053,11 +6100,11 @@
             <a:pPr lvl="1"/>
             <a:r>
               <a:rPr lang="en-US" dirty="0" smtClean="0"/>
-              <a:t>Histogram </a:t>
+              <a:t>Histogram: </a:t>
             </a:r>
             <a:r>
               <a:rPr lang="en-US" dirty="0"/>
-              <a:t>: grain size issues</a:t>
+              <a:t>grain size issues</a:t>
             </a:r>
           </a:p>
         </p:txBody>
@@ -6079,7 +6126,7 @@
           <a:p>
             <a:fld id="{34621E95-60A9-FF44-9869-513D9D7A859F}" type="datetime2">
               <a:rPr lang="en-US" smtClean="0"/>
-              <a:t>Monday, September 8, 14</a:t>
+              <a:t>Tuesday, September 9, 14</a:t>
             </a:fld>
             <a:endParaRPr lang="en-US"/>
           </a:p>
@@ -6271,7 +6318,7 @@
           <a:p>
             <a:fld id="{34621E95-60A9-FF44-9869-513D9D7A859F}" type="datetime2">
               <a:rPr lang="en-US" smtClean="0"/>
-              <a:t>Monday, September 8, 14</a:t>
+              <a:t>Tuesday, September 9, 14</a:t>
             </a:fld>
             <a:endParaRPr lang="en-US"/>
           </a:p>
@@ -6421,7 +6468,7 @@
           <a:p>
             <a:fld id="{34621E95-60A9-FF44-9869-513D9D7A859F}" type="datetime2">
               <a:rPr lang="en-US" smtClean="0"/>
-              <a:t>Monday, September 8, 14</a:t>
+              <a:t>Tuesday, September 9, 14</a:t>
             </a:fld>
             <a:endParaRPr lang="en-US"/>
           </a:p>
@@ -6575,7 +6622,7 @@
           <a:p>
             <a:fld id="{34621E95-60A9-FF44-9869-513D9D7A859F}" type="datetime2">
               <a:rPr lang="en-US" smtClean="0"/>
-              <a:t>Monday, September 8, 14</a:t>
+              <a:t>Tuesday, September 9, 14</a:t>
             </a:fld>
             <a:endParaRPr lang="en-US"/>
           </a:p>
@@ -6725,7 +6772,7 @@
           <a:p>
             <a:fld id="{34621E95-60A9-FF44-9869-513D9D7A859F}" type="datetime2">
               <a:rPr lang="en-US" smtClean="0"/>
-              <a:t>Monday, September 8, 14</a:t>
+              <a:t>Tuesday, September 9, 14</a:t>
             </a:fld>
             <a:endParaRPr lang="en-US"/>
           </a:p>
@@ -6875,7 +6922,7 @@
           <a:p>
             <a:fld id="{34621E95-60A9-FF44-9869-513D9D7A859F}" type="datetime2">
               <a:rPr lang="en-US" smtClean="0"/>
-              <a:t>Monday, September 8, 14</a:t>
+              <a:t>Tuesday, September 9, 14</a:t>
             </a:fld>
             <a:endParaRPr lang="en-US"/>
           </a:p>

--- a/tutorial-09-perf_tuning.pptx
+++ b/tutorial-09-perf_tuning.pptx
@@ -2,7 +2,7 @@
 <file path=ppt/presentation.xml><?xml version="1.0" encoding="utf-8"?>
 <p:presentation xmlns:a="http://schemas.openxmlformats.org/drawingml/2006/main" xmlns:r="http://schemas.openxmlformats.org/officeDocument/2006/relationships" xmlns:p="http://schemas.openxmlformats.org/presentationml/2006/main" showSpecialPlsOnTitleSld="0" saveSubsetFonts="1">
   <p:sldMasterIdLst>
-    <p:sldMasterId id="2147483960" r:id="rId1"/>
+    <p:sldMasterId id="2147483974" r:id="rId1"/>
   </p:sldMasterIdLst>
   <p:notesMasterIdLst>
     <p:notesMasterId r:id="rId11"/>
@@ -209,7 +209,7 @@
           <a:p>
             <a:fld id="{775CE290-E0F5-444C-B849-A8F17CD4104C}" type="datetimeFigureOut">
               <a:rPr lang="en-US" smtClean="0"/>
-              <a:t>9/9/14</a:t>
+              <a:t>9/10/14</a:t>
             </a:fld>
             <a:endParaRPr lang="en-US"/>
           </a:p>
@@ -375,7 +375,7 @@
           <a:p>
             <a:fld id="{AD53A24C-4135-094C-957B-35852E7EDFA4}" type="datetimeFigureOut">
               <a:rPr lang="en-US" smtClean="0"/>
-              <a:t>9/9/14</a:t>
+              <a:t>9/10/14</a:t>
             </a:fld>
             <a:endParaRPr lang="en-US"/>
           </a:p>
@@ -645,7 +645,7 @@
 </file>
 
 <file path=ppt/slideLayouts/slideLayout1.xml><?xml version="1.0" encoding="utf-8"?>
-<p:sldLayout xmlns:a="http://schemas.openxmlformats.org/drawingml/2006/main" xmlns:r="http://schemas.openxmlformats.org/officeDocument/2006/relationships" xmlns:p="http://schemas.openxmlformats.org/presentationml/2006/main" preserve="1" userDrawn="1">
+<p:sldLayout xmlns:a="http://schemas.openxmlformats.org/drawingml/2006/main" xmlns:r="http://schemas.openxmlformats.org/officeDocument/2006/relationships" xmlns:p="http://schemas.openxmlformats.org/presentationml/2006/main" preserve="1">
   <p:cSld name="Title Slide">
     <p:spTree>
       <p:nvGrpSpPr>
@@ -692,7 +692,7 @@
           </a:lstStyle>
           <a:p>
             <a:r>
-              <a:rPr lang="en-US" dirty="0" smtClean="0"/>
+              <a:rPr lang="en-US" smtClean="0"/>
               <a:t>Click to edit Master title style</a:t>
             </a:r>
             <a:endParaRPr lang="en-US" dirty="0"/>
@@ -812,7 +812,7 @@
           </a:lstStyle>
           <a:p>
             <a:r>
-              <a:rPr lang="en-US" dirty="0" smtClean="0"/>
+              <a:rPr lang="en-US" smtClean="0"/>
               <a:t>Click to edit Master subtitle style</a:t>
             </a:r>
             <a:endParaRPr lang="en-US" dirty="0"/>
@@ -836,7 +836,7 @@
           <a:p>
             <a:fld id="{B594EA25-E4F4-3746-A0BA-A11E27330E0F}" type="datetime2">
               <a:rPr lang="en-US" smtClean="0"/>
-              <a:t>Tuesday, September 9, 14</a:t>
+              <a:t>Wednesday, September 10, 14</a:t>
             </a:fld>
             <a:endParaRPr lang="en-US"/>
           </a:p>
@@ -931,7 +931,7 @@
           <p:cNvSpPr txBox="1">
             <a:spLocks/>
           </p:cNvSpPr>
-          <p:nvPr userDrawn="1"/>
+          <p:nvPr/>
         </p:nvSpPr>
         <p:spPr>
           <a:xfrm>
@@ -1139,7 +1139,7 @@
                 <a:latin typeface="Times New Roman"/>
                 <a:cs typeface="Times New Roman"/>
               </a:rPr>
-              <a:t>September 9, 2014</a:t>
+              <a:t>September 10, 2014</a:t>
             </a:fld>
             <a:endParaRPr lang="en-US" dirty="0">
               <a:latin typeface="Times New Roman"/>
@@ -1193,10 +1193,232 @@
           <a:p>
             <a:pPr lvl="0"/>
             <a:r>
-              <a:rPr lang="en-US" dirty="0" smtClean="0"/>
+              <a:rPr lang="en-US" smtClean="0"/>
               <a:t>Click to edit Master text styles</a:t>
             </a:r>
-            <a:endParaRPr lang="en-US" dirty="0"/>
+          </a:p>
+        </p:txBody>
+      </p:sp>
+      <p:sp>
+        <p:nvSpPr>
+          <p:cNvPr id="11" name="Subtitle 2"/>
+          <p:cNvSpPr txBox="1">
+            <a:spLocks/>
+          </p:cNvSpPr>
+          <p:nvPr userDrawn="1"/>
+        </p:nvSpPr>
+        <p:spPr>
+          <a:xfrm>
+            <a:off x="1404926" y="4774277"/>
+            <a:ext cx="6400800" cy="700402"/>
+          </a:xfrm>
+          <a:prstGeom prst="rect">
+            <a:avLst/>
+          </a:prstGeom>
+        </p:spPr>
+        <p:txBody>
+          <a:bodyPr vert="horz" lIns="91440" tIns="45720" rIns="91440" bIns="45720" rtlCol="0">
+            <a:normAutofit/>
+          </a:bodyPr>
+          <a:lstStyle>
+            <a:lvl1pPr marL="0" indent="0" algn="ctr" defTabSz="914400" rtl="0" eaLnBrk="1" latinLnBrk="0" hangingPunct="1">
+              <a:spcBef>
+                <a:spcPct val="20000"/>
+              </a:spcBef>
+              <a:buClr>
+                <a:schemeClr val="accent1"/>
+              </a:buClr>
+              <a:buSzPct val="85000"/>
+              <a:buFont typeface="Arial" pitchFamily="34" charset="0"/>
+              <a:buNone/>
+              <a:defRPr sz="2400" kern="1200">
+                <a:solidFill>
+                  <a:schemeClr val="tx1">
+                    <a:lumMod val="75000"/>
+                    <a:lumOff val="25000"/>
+                  </a:schemeClr>
+                </a:solidFill>
+                <a:latin typeface="+mn-lt"/>
+                <a:ea typeface="+mn-ea"/>
+                <a:cs typeface="+mn-cs"/>
+              </a:defRPr>
+            </a:lvl1pPr>
+            <a:lvl2pPr marL="457200" indent="0" algn="ctr" defTabSz="914400" rtl="0" eaLnBrk="1" latinLnBrk="0" hangingPunct="1">
+              <a:spcBef>
+                <a:spcPct val="20000"/>
+              </a:spcBef>
+              <a:buClr>
+                <a:schemeClr val="accent1"/>
+              </a:buClr>
+              <a:buSzPct val="85000"/>
+              <a:buFont typeface="Arial" pitchFamily="34" charset="0"/>
+              <a:buNone/>
+              <a:defRPr sz="2000" kern="1200">
+                <a:solidFill>
+                  <a:schemeClr val="tx1">
+                    <a:tint val="75000"/>
+                  </a:schemeClr>
+                </a:solidFill>
+                <a:latin typeface="+mn-lt"/>
+                <a:ea typeface="+mn-ea"/>
+                <a:cs typeface="+mn-cs"/>
+              </a:defRPr>
+            </a:lvl2pPr>
+            <a:lvl3pPr marL="914400" indent="0" algn="ctr" defTabSz="914400" rtl="0" eaLnBrk="1" latinLnBrk="0" hangingPunct="1">
+              <a:spcBef>
+                <a:spcPct val="20000"/>
+              </a:spcBef>
+              <a:buClr>
+                <a:schemeClr val="accent1"/>
+              </a:buClr>
+              <a:buSzPct val="90000"/>
+              <a:buFont typeface="Arial" pitchFamily="34" charset="0"/>
+              <a:buNone/>
+              <a:defRPr sz="1800" kern="1200">
+                <a:solidFill>
+                  <a:schemeClr val="tx1">
+                    <a:tint val="75000"/>
+                  </a:schemeClr>
+                </a:solidFill>
+                <a:latin typeface="+mn-lt"/>
+                <a:ea typeface="+mn-ea"/>
+                <a:cs typeface="+mn-cs"/>
+              </a:defRPr>
+            </a:lvl3pPr>
+            <a:lvl4pPr marL="1371600" indent="0" algn="ctr" defTabSz="914400" rtl="0" eaLnBrk="1" latinLnBrk="0" hangingPunct="1">
+              <a:spcBef>
+                <a:spcPct val="20000"/>
+              </a:spcBef>
+              <a:buClr>
+                <a:schemeClr val="accent1"/>
+              </a:buClr>
+              <a:buFont typeface="Arial" pitchFamily="34" charset="0"/>
+              <a:buNone/>
+              <a:defRPr sz="1600" kern="1200">
+                <a:solidFill>
+                  <a:schemeClr val="tx1">
+                    <a:tint val="75000"/>
+                  </a:schemeClr>
+                </a:solidFill>
+                <a:latin typeface="+mn-lt"/>
+                <a:ea typeface="+mn-ea"/>
+                <a:cs typeface="+mn-cs"/>
+              </a:defRPr>
+            </a:lvl4pPr>
+            <a:lvl5pPr marL="1828800" indent="0" algn="ctr" defTabSz="914400" rtl="0" eaLnBrk="1" latinLnBrk="0" hangingPunct="1">
+              <a:spcBef>
+                <a:spcPct val="20000"/>
+              </a:spcBef>
+              <a:buClr>
+                <a:schemeClr val="accent1"/>
+              </a:buClr>
+              <a:buSzPct val="100000"/>
+              <a:buFont typeface="Arial" pitchFamily="34" charset="0"/>
+              <a:buNone/>
+              <a:defRPr sz="1400" kern="1200" baseline="0">
+                <a:solidFill>
+                  <a:schemeClr val="tx1">
+                    <a:tint val="75000"/>
+                  </a:schemeClr>
+                </a:solidFill>
+                <a:latin typeface="+mn-lt"/>
+                <a:ea typeface="+mn-ea"/>
+                <a:cs typeface="+mn-cs"/>
+              </a:defRPr>
+            </a:lvl5pPr>
+            <a:lvl6pPr marL="2286000" indent="0" algn="ctr" defTabSz="914400" rtl="0" eaLnBrk="1" latinLnBrk="0" hangingPunct="1">
+              <a:spcBef>
+                <a:spcPct val="20000"/>
+              </a:spcBef>
+              <a:buClr>
+                <a:schemeClr val="accent1"/>
+              </a:buClr>
+              <a:buFont typeface="Arial" pitchFamily="34" charset="0"/>
+              <a:buNone/>
+              <a:defRPr sz="1300" kern="1200">
+                <a:solidFill>
+                  <a:schemeClr val="tx1">
+                    <a:tint val="75000"/>
+                  </a:schemeClr>
+                </a:solidFill>
+                <a:latin typeface="+mn-lt"/>
+                <a:ea typeface="+mn-ea"/>
+                <a:cs typeface="+mn-cs"/>
+              </a:defRPr>
+            </a:lvl6pPr>
+            <a:lvl7pPr marL="2743200" indent="0" algn="ctr" defTabSz="914400" rtl="0" eaLnBrk="1" latinLnBrk="0" hangingPunct="1">
+              <a:spcBef>
+                <a:spcPct val="20000"/>
+              </a:spcBef>
+              <a:buClr>
+                <a:schemeClr val="accent1"/>
+              </a:buClr>
+              <a:buFont typeface="Arial" pitchFamily="34" charset="0"/>
+              <a:buNone/>
+              <a:defRPr sz="1300" kern="1200">
+                <a:solidFill>
+                  <a:schemeClr val="tx1">
+                    <a:tint val="75000"/>
+                  </a:schemeClr>
+                </a:solidFill>
+                <a:latin typeface="+mn-lt"/>
+                <a:ea typeface="+mn-ea"/>
+                <a:cs typeface="+mn-cs"/>
+              </a:defRPr>
+            </a:lvl7pPr>
+            <a:lvl8pPr marL="3200400" indent="0" algn="ctr" defTabSz="914400" rtl="0" eaLnBrk="1" latinLnBrk="0" hangingPunct="1">
+              <a:spcBef>
+                <a:spcPct val="20000"/>
+              </a:spcBef>
+              <a:buClr>
+                <a:schemeClr val="accent1"/>
+              </a:buClr>
+              <a:buFont typeface="Arial" pitchFamily="34" charset="0"/>
+              <a:buNone/>
+              <a:defRPr sz="1300" kern="1200">
+                <a:solidFill>
+                  <a:schemeClr val="tx1">
+                    <a:tint val="75000"/>
+                  </a:schemeClr>
+                </a:solidFill>
+                <a:latin typeface="+mn-lt"/>
+                <a:ea typeface="+mn-ea"/>
+                <a:cs typeface="+mn-cs"/>
+              </a:defRPr>
+            </a:lvl8pPr>
+            <a:lvl9pPr marL="3657600" indent="0" algn="ctr" defTabSz="914400" rtl="0" eaLnBrk="1" latinLnBrk="0" hangingPunct="1">
+              <a:spcBef>
+                <a:spcPct val="20000"/>
+              </a:spcBef>
+              <a:buClr>
+                <a:schemeClr val="accent1"/>
+              </a:buClr>
+              <a:buFont typeface="Arial" pitchFamily="34" charset="0"/>
+              <a:buNone/>
+              <a:defRPr sz="1300" kern="1200">
+                <a:solidFill>
+                  <a:schemeClr val="tx1">
+                    <a:tint val="75000"/>
+                  </a:schemeClr>
+                </a:solidFill>
+                <a:latin typeface="+mn-lt"/>
+                <a:ea typeface="+mn-ea"/>
+                <a:cs typeface="+mn-cs"/>
+              </a:defRPr>
+            </a:lvl9pPr>
+          </a:lstStyle>
+          <a:p>
+            <a:fld id="{B07CD00D-ECE2-B341-910C-3E5E7B4740E6}" type="datetime4">
+              <a:rPr lang="en-US" smtClean="0">
+                <a:latin typeface="Times New Roman"/>
+                <a:cs typeface="Times New Roman"/>
+              </a:rPr>
+              <a:t>September 10, 2014</a:t>
+            </a:fld>
+            <a:endParaRPr lang="en-US" dirty="0">
+              <a:latin typeface="Times New Roman"/>
+              <a:cs typeface="Times New Roman"/>
+            </a:endParaRPr>
           </a:p>
         </p:txBody>
       </p:sp>
@@ -1237,8 +1459,8 @@
         </p:nvSpPr>
         <p:spPr>
           <a:xfrm>
-            <a:off x="457200" y="792080"/>
-            <a:ext cx="2139696" cy="1261872"/>
+            <a:off x="261865" y="161144"/>
+            <a:ext cx="2335031" cy="1261872"/>
           </a:xfrm>
         </p:spPr>
         <p:txBody>
@@ -1271,8 +1493,8 @@
         </p:nvSpPr>
         <p:spPr>
           <a:xfrm>
-            <a:off x="2971800" y="792080"/>
-            <a:ext cx="5715000" cy="5577840"/>
+            <a:off x="2971799" y="161144"/>
+            <a:ext cx="5905425" cy="6208776"/>
           </a:xfrm>
         </p:spPr>
         <p:txBody>
@@ -1356,8 +1578,8 @@
         </p:nvSpPr>
         <p:spPr>
           <a:xfrm>
-            <a:off x="457201" y="2130552"/>
-            <a:ext cx="2139696" cy="4243615"/>
+            <a:off x="261865" y="1625600"/>
+            <a:ext cx="2335032" cy="4748567"/>
           </a:xfrm>
         </p:spPr>
         <p:txBody>
@@ -1426,7 +1648,7 @@
           <a:p>
             <a:fld id="{EA699BF9-66CB-F244-8E74-7B1BE1C77046}" type="datetime2">
               <a:rPr lang="en-US" smtClean="0"/>
-              <a:t>Tuesday, September 9, 14</a:t>
+              <a:t>Wednesday, September 10, 14</a:t>
             </a:fld>
             <a:endParaRPr lang="en-US"/>
           </a:p>
@@ -1487,9 +1709,9 @@
           <p:nvPr/>
         </p:nvCxnSpPr>
         <p:spPr>
-          <a:xfrm rot="5400000">
-            <a:off x="-13116" y="3580206"/>
-            <a:ext cx="5577840" cy="1588"/>
+          <a:xfrm>
+            <a:off x="2775010" y="161144"/>
+            <a:ext cx="0" cy="6208776"/>
           </a:xfrm>
           <a:prstGeom prst="line">
             <a:avLst/>
@@ -1552,8 +1774,8 @@
         </p:nvSpPr>
         <p:spPr>
           <a:xfrm>
-            <a:off x="457200" y="792480"/>
-            <a:ext cx="2142680" cy="1264920"/>
+            <a:off x="258881" y="160020"/>
+            <a:ext cx="2338015" cy="1264920"/>
           </a:xfrm>
         </p:spPr>
         <p:txBody>
@@ -1586,8 +1808,8 @@
         </p:nvSpPr>
         <p:spPr>
           <a:xfrm>
-            <a:off x="2858610" y="838201"/>
-            <a:ext cx="5904390" cy="5500456"/>
+            <a:off x="2858609" y="160020"/>
+            <a:ext cx="6018615" cy="6178637"/>
           </a:xfrm>
           <a:solidFill>
             <a:schemeClr val="bg2"/>
@@ -1667,8 +1889,8 @@
         </p:nvSpPr>
         <p:spPr>
           <a:xfrm>
-            <a:off x="457200" y="2133600"/>
-            <a:ext cx="2139696" cy="4242816"/>
+            <a:off x="261865" y="1663700"/>
+            <a:ext cx="2335031" cy="4712716"/>
           </a:xfrm>
         </p:spPr>
         <p:txBody>
@@ -1737,7 +1959,7 @@
           <a:p>
             <a:fld id="{D300BE84-9843-8B4F-B3C8-647B06AC46C9}" type="datetime2">
               <a:rPr lang="en-US" smtClean="0"/>
-              <a:t>Tuesday, September 9, 14</a:t>
+              <a:t>Wednesday, September 10, 14</a:t>
             </a:fld>
             <a:endParaRPr lang="en-US"/>
           </a:p>
@@ -1908,7 +2130,7 @@
           <a:p>
             <a:fld id="{C460AE39-2092-A945-8296-F25085B9A0F1}" type="datetime2">
               <a:rPr lang="en-US" smtClean="0"/>
-              <a:t>Tuesday, September 9, 14</a:t>
+              <a:t>Wednesday, September 10, 14</a:t>
             </a:fld>
             <a:endParaRPr lang="en-US"/>
           </a:p>
@@ -1999,7 +2221,7 @@
         </p:nvSpPr>
         <p:spPr>
           <a:xfrm>
-            <a:off x="6629400" y="609600"/>
+            <a:off x="6819825" y="508000"/>
             <a:ext cx="2057400" cy="5867400"/>
           </a:xfrm>
         </p:spPr>
@@ -2027,8 +2249,8 @@
         </p:nvSpPr>
         <p:spPr>
           <a:xfrm>
-            <a:off x="457200" y="609600"/>
-            <a:ext cx="6019800" cy="5867400"/>
+            <a:off x="261865" y="508000"/>
+            <a:ext cx="6405635" cy="5867400"/>
           </a:xfrm>
         </p:spPr>
         <p:txBody>
@@ -2089,7 +2311,7 @@
           <a:p>
             <a:fld id="{63BC7E9D-3218-5E49-A867-E087AB2F4618}" type="datetime2">
               <a:rPr lang="en-US" smtClean="0"/>
-              <a:t>Tuesday, September 9, 14</a:t>
+              <a:t>Wednesday, September 10, 14</a:t>
             </a:fld>
             <a:endParaRPr lang="en-US"/>
           </a:p>
@@ -2144,6 +2366,1343 @@
         </p:txBody>
       </p:sp>
     </p:spTree>
+  </p:cSld>
+  <p:clrMapOvr>
+    <a:masterClrMapping/>
+  </p:clrMapOvr>
+</p:sldLayout>
+</file>
+
+<file path=ppt/slideLayouts/slideLayout14.xml><?xml version="1.0" encoding="utf-8"?>
+<p:sldLayout xmlns:a="http://schemas.openxmlformats.org/drawingml/2006/main" xmlns:r="http://schemas.openxmlformats.org/officeDocument/2006/relationships" xmlns:p="http://schemas.openxmlformats.org/presentationml/2006/main" preserve="1" userDrawn="1">
+  <p:cSld name="1_Title Slide">
+    <p:spTree>
+      <p:nvGrpSpPr>
+        <p:cNvPr id="1" name=""/>
+        <p:cNvGrpSpPr/>
+        <p:nvPr/>
+      </p:nvGrpSpPr>
+      <p:grpSpPr>
+        <a:xfrm>
+          <a:off x="0" y="0"/>
+          <a:ext cx="0" cy="0"/>
+          <a:chOff x="0" y="0"/>
+          <a:chExt cx="0" cy="0"/>
+        </a:xfrm>
+      </p:grpSpPr>
+      <p:sp>
+        <p:nvSpPr>
+          <p:cNvPr id="2" name="Title 1"/>
+          <p:cNvSpPr>
+            <a:spLocks noGrp="1"/>
+          </p:cNvSpPr>
+          <p:nvPr>
+            <p:ph type="ctrTitle"/>
+          </p:nvPr>
+        </p:nvSpPr>
+        <p:spPr>
+          <a:xfrm>
+            <a:off x="107103" y="1734127"/>
+            <a:ext cx="8904929" cy="698493"/>
+          </a:xfrm>
+        </p:spPr>
+        <p:txBody>
+          <a:bodyPr anchor="b">
+            <a:normAutofit/>
+          </a:bodyPr>
+          <a:lstStyle>
+            <a:lvl1pPr algn="ctr">
+              <a:defRPr sz="4400" cap="small" baseline="0">
+                <a:solidFill>
+                  <a:schemeClr val="tx2"/>
+                </a:solidFill>
+              </a:defRPr>
+            </a:lvl1pPr>
+          </a:lstStyle>
+          <a:p>
+            <a:r>
+              <a:rPr lang="en-US" dirty="0" smtClean="0"/>
+              <a:t>Click to edit Master title style</a:t>
+            </a:r>
+            <a:endParaRPr lang="en-US" dirty="0"/>
+          </a:p>
+        </p:txBody>
+      </p:sp>
+      <p:sp>
+        <p:nvSpPr>
+          <p:cNvPr id="3" name="Subtitle 2"/>
+          <p:cNvSpPr>
+            <a:spLocks noGrp="1"/>
+          </p:cNvSpPr>
+          <p:nvPr>
+            <p:ph type="subTitle" idx="1"/>
+          </p:nvPr>
+        </p:nvSpPr>
+        <p:spPr>
+          <a:xfrm>
+            <a:off x="1404926" y="2849782"/>
+            <a:ext cx="6400800" cy="700402"/>
+          </a:xfrm>
+        </p:spPr>
+        <p:txBody>
+          <a:bodyPr/>
+          <a:lstStyle>
+            <a:lvl1pPr marL="0" indent="0" algn="ctr">
+              <a:buNone/>
+              <a:defRPr>
+                <a:solidFill>
+                  <a:schemeClr val="tx1">
+                    <a:lumMod val="75000"/>
+                    <a:lumOff val="25000"/>
+                  </a:schemeClr>
+                </a:solidFill>
+              </a:defRPr>
+            </a:lvl1pPr>
+            <a:lvl2pPr marL="457200" indent="0" algn="ctr">
+              <a:buNone/>
+              <a:defRPr>
+                <a:solidFill>
+                  <a:schemeClr val="tx1">
+                    <a:tint val="75000"/>
+                  </a:schemeClr>
+                </a:solidFill>
+              </a:defRPr>
+            </a:lvl2pPr>
+            <a:lvl3pPr marL="914400" indent="0" algn="ctr">
+              <a:buNone/>
+              <a:defRPr>
+                <a:solidFill>
+                  <a:schemeClr val="tx1">
+                    <a:tint val="75000"/>
+                  </a:schemeClr>
+                </a:solidFill>
+              </a:defRPr>
+            </a:lvl3pPr>
+            <a:lvl4pPr marL="1371600" indent="0" algn="ctr">
+              <a:buNone/>
+              <a:defRPr>
+                <a:solidFill>
+                  <a:schemeClr val="tx1">
+                    <a:tint val="75000"/>
+                  </a:schemeClr>
+                </a:solidFill>
+              </a:defRPr>
+            </a:lvl4pPr>
+            <a:lvl5pPr marL="1828800" indent="0" algn="ctr">
+              <a:buNone/>
+              <a:defRPr>
+                <a:solidFill>
+                  <a:schemeClr val="tx1">
+                    <a:tint val="75000"/>
+                  </a:schemeClr>
+                </a:solidFill>
+              </a:defRPr>
+            </a:lvl5pPr>
+            <a:lvl6pPr marL="2286000" indent="0" algn="ctr">
+              <a:buNone/>
+              <a:defRPr>
+                <a:solidFill>
+                  <a:schemeClr val="tx1">
+                    <a:tint val="75000"/>
+                  </a:schemeClr>
+                </a:solidFill>
+              </a:defRPr>
+            </a:lvl6pPr>
+            <a:lvl7pPr marL="2743200" indent="0" algn="ctr">
+              <a:buNone/>
+              <a:defRPr>
+                <a:solidFill>
+                  <a:schemeClr val="tx1">
+                    <a:tint val="75000"/>
+                  </a:schemeClr>
+                </a:solidFill>
+              </a:defRPr>
+            </a:lvl7pPr>
+            <a:lvl8pPr marL="3200400" indent="0" algn="ctr">
+              <a:buNone/>
+              <a:defRPr>
+                <a:solidFill>
+                  <a:schemeClr val="tx1">
+                    <a:tint val="75000"/>
+                  </a:schemeClr>
+                </a:solidFill>
+              </a:defRPr>
+            </a:lvl8pPr>
+            <a:lvl9pPr marL="3657600" indent="0" algn="ctr">
+              <a:buNone/>
+              <a:defRPr>
+                <a:solidFill>
+                  <a:schemeClr val="tx1">
+                    <a:tint val="75000"/>
+                  </a:schemeClr>
+                </a:solidFill>
+              </a:defRPr>
+            </a:lvl9pPr>
+          </a:lstStyle>
+          <a:p>
+            <a:r>
+              <a:rPr lang="en-US" dirty="0" smtClean="0"/>
+              <a:t>Click to edit Master subtitle style</a:t>
+            </a:r>
+            <a:endParaRPr lang="en-US" dirty="0"/>
+          </a:p>
+        </p:txBody>
+      </p:sp>
+      <p:sp>
+        <p:nvSpPr>
+          <p:cNvPr id="4" name="Date Placeholder 3"/>
+          <p:cNvSpPr>
+            <a:spLocks noGrp="1"/>
+          </p:cNvSpPr>
+          <p:nvPr>
+            <p:ph type="dt" sz="half" idx="10"/>
+          </p:nvPr>
+        </p:nvSpPr>
+        <p:spPr/>
+        <p:txBody>
+          <a:bodyPr/>
+          <a:lstStyle/>
+          <a:p>
+            <a:fld id="{B594EA25-E4F4-3746-A0BA-A11E27330E0F}" type="datetime2">
+              <a:rPr lang="en-US" smtClean="0"/>
+              <a:t>Wednesday, September 10, 14</a:t>
+            </a:fld>
+            <a:endParaRPr lang="en-US"/>
+          </a:p>
+        </p:txBody>
+      </p:sp>
+      <p:sp>
+        <p:nvSpPr>
+          <p:cNvPr id="5" name="Footer Placeholder 4"/>
+          <p:cNvSpPr>
+            <a:spLocks noGrp="1"/>
+          </p:cNvSpPr>
+          <p:nvPr>
+            <p:ph type="ftr" sz="quarter" idx="11"/>
+          </p:nvPr>
+        </p:nvSpPr>
+        <p:spPr/>
+        <p:txBody>
+          <a:bodyPr/>
+          <a:lstStyle/>
+          <a:p>
+            <a:pPr algn="r"/>
+            <a:r>
+              <a:rPr lang="en-US" smtClean="0"/>
+              <a:t>Sanjay Kalé and PPL (UIUC) – Parallel Migratable Objects </a:t>
+            </a:r>
+            <a:endParaRPr lang="en-US" dirty="0"/>
+          </a:p>
+        </p:txBody>
+      </p:sp>
+      <p:sp>
+        <p:nvSpPr>
+          <p:cNvPr id="6" name="Slide Number Placeholder 5"/>
+          <p:cNvSpPr>
+            <a:spLocks noGrp="1"/>
+          </p:cNvSpPr>
+          <p:nvPr>
+            <p:ph type="sldNum" sz="quarter" idx="12"/>
+          </p:nvPr>
+        </p:nvSpPr>
+        <p:spPr/>
+        <p:txBody>
+          <a:bodyPr/>
+          <a:lstStyle/>
+          <a:p>
+            <a:fld id="{0CFEC368-1D7A-4F81-ABF6-AE0E36BAF64C}" type="slidenum">
+              <a:rPr lang="en-US" smtClean="0"/>
+              <a:pPr/>
+              <a:t>‹#›</a:t>
+            </a:fld>
+            <a:endParaRPr lang="en-US"/>
+          </a:p>
+        </p:txBody>
+      </p:sp>
+      <p:cxnSp>
+        <p:nvCxnSpPr>
+          <p:cNvPr id="8" name="Straight Connector 7"/>
+          <p:cNvCxnSpPr/>
+          <p:nvPr/>
+        </p:nvCxnSpPr>
+        <p:spPr>
+          <a:xfrm>
+            <a:off x="685800" y="2444811"/>
+            <a:ext cx="7848600" cy="1588"/>
+          </a:xfrm>
+          <a:prstGeom prst="line">
+            <a:avLst/>
+          </a:prstGeom>
+          <a:ln w="19050">
+            <a:solidFill>
+              <a:schemeClr val="tx2"/>
+            </a:solidFill>
+          </a:ln>
+        </p:spPr>
+        <p:style>
+          <a:lnRef idx="1">
+            <a:schemeClr val="accent1"/>
+          </a:lnRef>
+          <a:fillRef idx="0">
+            <a:schemeClr val="accent1"/>
+          </a:fillRef>
+          <a:effectRef idx="0">
+            <a:schemeClr val="accent1"/>
+          </a:effectRef>
+          <a:fontRef idx="minor">
+            <a:schemeClr val="tx1"/>
+          </a:fontRef>
+        </p:style>
+      </p:cxnSp>
+      <p:sp>
+        <p:nvSpPr>
+          <p:cNvPr id="10" name="Subtitle 2"/>
+          <p:cNvSpPr txBox="1">
+            <a:spLocks/>
+          </p:cNvSpPr>
+          <p:nvPr userDrawn="1"/>
+        </p:nvSpPr>
+        <p:spPr>
+          <a:xfrm>
+            <a:off x="1404926" y="4774277"/>
+            <a:ext cx="6400800" cy="700402"/>
+          </a:xfrm>
+          <a:prstGeom prst="rect">
+            <a:avLst/>
+          </a:prstGeom>
+        </p:spPr>
+        <p:txBody>
+          <a:bodyPr vert="horz" lIns="91440" tIns="45720" rIns="91440" bIns="45720" rtlCol="0">
+            <a:normAutofit/>
+          </a:bodyPr>
+          <a:lstStyle>
+            <a:lvl1pPr marL="0" indent="0" algn="ctr" defTabSz="914400" rtl="0" eaLnBrk="1" latinLnBrk="0" hangingPunct="1">
+              <a:spcBef>
+                <a:spcPct val="20000"/>
+              </a:spcBef>
+              <a:buClr>
+                <a:schemeClr val="accent1"/>
+              </a:buClr>
+              <a:buSzPct val="85000"/>
+              <a:buFont typeface="Arial" pitchFamily="34" charset="0"/>
+              <a:buNone/>
+              <a:defRPr sz="2400" kern="1200">
+                <a:solidFill>
+                  <a:schemeClr val="tx1">
+                    <a:lumMod val="75000"/>
+                    <a:lumOff val="25000"/>
+                  </a:schemeClr>
+                </a:solidFill>
+                <a:latin typeface="+mn-lt"/>
+                <a:ea typeface="+mn-ea"/>
+                <a:cs typeface="+mn-cs"/>
+              </a:defRPr>
+            </a:lvl1pPr>
+            <a:lvl2pPr marL="457200" indent="0" algn="ctr" defTabSz="914400" rtl="0" eaLnBrk="1" latinLnBrk="0" hangingPunct="1">
+              <a:spcBef>
+                <a:spcPct val="20000"/>
+              </a:spcBef>
+              <a:buClr>
+                <a:schemeClr val="accent1"/>
+              </a:buClr>
+              <a:buSzPct val="85000"/>
+              <a:buFont typeface="Arial" pitchFamily="34" charset="0"/>
+              <a:buNone/>
+              <a:defRPr sz="2000" kern="1200">
+                <a:solidFill>
+                  <a:schemeClr val="tx1">
+                    <a:tint val="75000"/>
+                  </a:schemeClr>
+                </a:solidFill>
+                <a:latin typeface="+mn-lt"/>
+                <a:ea typeface="+mn-ea"/>
+                <a:cs typeface="+mn-cs"/>
+              </a:defRPr>
+            </a:lvl2pPr>
+            <a:lvl3pPr marL="914400" indent="0" algn="ctr" defTabSz="914400" rtl="0" eaLnBrk="1" latinLnBrk="0" hangingPunct="1">
+              <a:spcBef>
+                <a:spcPct val="20000"/>
+              </a:spcBef>
+              <a:buClr>
+                <a:schemeClr val="accent1"/>
+              </a:buClr>
+              <a:buSzPct val="90000"/>
+              <a:buFont typeface="Arial" pitchFamily="34" charset="0"/>
+              <a:buNone/>
+              <a:defRPr sz="1800" kern="1200">
+                <a:solidFill>
+                  <a:schemeClr val="tx1">
+                    <a:tint val="75000"/>
+                  </a:schemeClr>
+                </a:solidFill>
+                <a:latin typeface="+mn-lt"/>
+                <a:ea typeface="+mn-ea"/>
+                <a:cs typeface="+mn-cs"/>
+              </a:defRPr>
+            </a:lvl3pPr>
+            <a:lvl4pPr marL="1371600" indent="0" algn="ctr" defTabSz="914400" rtl="0" eaLnBrk="1" latinLnBrk="0" hangingPunct="1">
+              <a:spcBef>
+                <a:spcPct val="20000"/>
+              </a:spcBef>
+              <a:buClr>
+                <a:schemeClr val="accent1"/>
+              </a:buClr>
+              <a:buFont typeface="Arial" pitchFamily="34" charset="0"/>
+              <a:buNone/>
+              <a:defRPr sz="1600" kern="1200">
+                <a:solidFill>
+                  <a:schemeClr val="tx1">
+                    <a:tint val="75000"/>
+                  </a:schemeClr>
+                </a:solidFill>
+                <a:latin typeface="+mn-lt"/>
+                <a:ea typeface="+mn-ea"/>
+                <a:cs typeface="+mn-cs"/>
+              </a:defRPr>
+            </a:lvl4pPr>
+            <a:lvl5pPr marL="1828800" indent="0" algn="ctr" defTabSz="914400" rtl="0" eaLnBrk="1" latinLnBrk="0" hangingPunct="1">
+              <a:spcBef>
+                <a:spcPct val="20000"/>
+              </a:spcBef>
+              <a:buClr>
+                <a:schemeClr val="accent1"/>
+              </a:buClr>
+              <a:buSzPct val="100000"/>
+              <a:buFont typeface="Arial" pitchFamily="34" charset="0"/>
+              <a:buNone/>
+              <a:defRPr sz="1400" kern="1200" baseline="0">
+                <a:solidFill>
+                  <a:schemeClr val="tx1">
+                    <a:tint val="75000"/>
+                  </a:schemeClr>
+                </a:solidFill>
+                <a:latin typeface="+mn-lt"/>
+                <a:ea typeface="+mn-ea"/>
+                <a:cs typeface="+mn-cs"/>
+              </a:defRPr>
+            </a:lvl5pPr>
+            <a:lvl6pPr marL="2286000" indent="0" algn="ctr" defTabSz="914400" rtl="0" eaLnBrk="1" latinLnBrk="0" hangingPunct="1">
+              <a:spcBef>
+                <a:spcPct val="20000"/>
+              </a:spcBef>
+              <a:buClr>
+                <a:schemeClr val="accent1"/>
+              </a:buClr>
+              <a:buFont typeface="Arial" pitchFamily="34" charset="0"/>
+              <a:buNone/>
+              <a:defRPr sz="1300" kern="1200">
+                <a:solidFill>
+                  <a:schemeClr val="tx1">
+                    <a:tint val="75000"/>
+                  </a:schemeClr>
+                </a:solidFill>
+                <a:latin typeface="+mn-lt"/>
+                <a:ea typeface="+mn-ea"/>
+                <a:cs typeface="+mn-cs"/>
+              </a:defRPr>
+            </a:lvl6pPr>
+            <a:lvl7pPr marL="2743200" indent="0" algn="ctr" defTabSz="914400" rtl="0" eaLnBrk="1" latinLnBrk="0" hangingPunct="1">
+              <a:spcBef>
+                <a:spcPct val="20000"/>
+              </a:spcBef>
+              <a:buClr>
+                <a:schemeClr val="accent1"/>
+              </a:buClr>
+              <a:buFont typeface="Arial" pitchFamily="34" charset="0"/>
+              <a:buNone/>
+              <a:defRPr sz="1300" kern="1200">
+                <a:solidFill>
+                  <a:schemeClr val="tx1">
+                    <a:tint val="75000"/>
+                  </a:schemeClr>
+                </a:solidFill>
+                <a:latin typeface="+mn-lt"/>
+                <a:ea typeface="+mn-ea"/>
+                <a:cs typeface="+mn-cs"/>
+              </a:defRPr>
+            </a:lvl7pPr>
+            <a:lvl8pPr marL="3200400" indent="0" algn="ctr" defTabSz="914400" rtl="0" eaLnBrk="1" latinLnBrk="0" hangingPunct="1">
+              <a:spcBef>
+                <a:spcPct val="20000"/>
+              </a:spcBef>
+              <a:buClr>
+                <a:schemeClr val="accent1"/>
+              </a:buClr>
+              <a:buFont typeface="Arial" pitchFamily="34" charset="0"/>
+              <a:buNone/>
+              <a:defRPr sz="1300" kern="1200">
+                <a:solidFill>
+                  <a:schemeClr val="tx1">
+                    <a:tint val="75000"/>
+                  </a:schemeClr>
+                </a:solidFill>
+                <a:latin typeface="+mn-lt"/>
+                <a:ea typeface="+mn-ea"/>
+                <a:cs typeface="+mn-cs"/>
+              </a:defRPr>
+            </a:lvl8pPr>
+            <a:lvl9pPr marL="3657600" indent="0" algn="ctr" defTabSz="914400" rtl="0" eaLnBrk="1" latinLnBrk="0" hangingPunct="1">
+              <a:spcBef>
+                <a:spcPct val="20000"/>
+              </a:spcBef>
+              <a:buClr>
+                <a:schemeClr val="accent1"/>
+              </a:buClr>
+              <a:buFont typeface="Arial" pitchFamily="34" charset="0"/>
+              <a:buNone/>
+              <a:defRPr sz="1300" kern="1200">
+                <a:solidFill>
+                  <a:schemeClr val="tx1">
+                    <a:tint val="75000"/>
+                  </a:schemeClr>
+                </a:solidFill>
+                <a:latin typeface="+mn-lt"/>
+                <a:ea typeface="+mn-ea"/>
+                <a:cs typeface="+mn-cs"/>
+              </a:defRPr>
+            </a:lvl9pPr>
+          </a:lstStyle>
+          <a:p>
+            <a:fld id="{B07CD00D-ECE2-B341-910C-3E5E7B4740E6}" type="datetime4">
+              <a:rPr lang="en-US" smtClean="0">
+                <a:latin typeface="Times New Roman"/>
+                <a:cs typeface="Times New Roman"/>
+              </a:rPr>
+              <a:t>September 10, 2014</a:t>
+            </a:fld>
+            <a:endParaRPr lang="en-US" dirty="0">
+              <a:latin typeface="Times New Roman"/>
+              <a:cs typeface="Times New Roman"/>
+            </a:endParaRPr>
+          </a:p>
+        </p:txBody>
+      </p:sp>
+      <p:sp>
+        <p:nvSpPr>
+          <p:cNvPr id="14" name="Content Placeholder 13"/>
+          <p:cNvSpPr>
+            <a:spLocks noGrp="1"/>
+          </p:cNvSpPr>
+          <p:nvPr>
+            <p:ph sz="quarter" idx="13"/>
+          </p:nvPr>
+        </p:nvSpPr>
+        <p:spPr>
+          <a:xfrm>
+            <a:off x="1404938" y="3700463"/>
+            <a:ext cx="6400800" cy="1073150"/>
+          </a:xfrm>
+        </p:spPr>
+        <p:txBody>
+          <a:bodyPr>
+            <a:normAutofit/>
+          </a:bodyPr>
+          <a:lstStyle>
+            <a:lvl1pPr marL="0" indent="0" algn="ctr">
+              <a:buNone/>
+              <a:defRPr sz="1800"/>
+            </a:lvl1pPr>
+            <a:lvl2pPr marL="274320" indent="0">
+              <a:buNone/>
+              <a:defRPr/>
+            </a:lvl2pPr>
+            <a:lvl3pPr marL="548640" indent="0">
+              <a:buNone/>
+              <a:defRPr/>
+            </a:lvl3pPr>
+            <a:lvl4pPr marL="822960" indent="0">
+              <a:buNone/>
+              <a:defRPr/>
+            </a:lvl4pPr>
+            <a:lvl5pPr marL="1051560" indent="0">
+              <a:buNone/>
+              <a:defRPr/>
+            </a:lvl5pPr>
+          </a:lstStyle>
+          <a:p>
+            <a:pPr lvl="0"/>
+            <a:r>
+              <a:rPr lang="en-US" dirty="0" smtClean="0"/>
+              <a:t>Click to edit Master text styles</a:t>
+            </a:r>
+            <a:endParaRPr lang="en-US" dirty="0"/>
+          </a:p>
+        </p:txBody>
+      </p:sp>
+    </p:spTree>
+  </p:cSld>
+  <p:clrMapOvr>
+    <a:masterClrMapping/>
+  </p:clrMapOvr>
+</p:sldLayout>
+</file>
+
+<file path=ppt/slideLayouts/slideLayout15.xml><?xml version="1.0" encoding="utf-8"?>
+<p:sldLayout xmlns:a="http://schemas.openxmlformats.org/drawingml/2006/main" xmlns:r="http://schemas.openxmlformats.org/officeDocument/2006/relationships" xmlns:p="http://schemas.openxmlformats.org/presentationml/2006/main" preserve="1" userDrawn="1">
+  <p:cSld name="1_Custom Layout">
+    <p:spTree>
+      <p:nvGrpSpPr>
+        <p:cNvPr id="1" name=""/>
+        <p:cNvGrpSpPr/>
+        <p:nvPr/>
+      </p:nvGrpSpPr>
+      <p:grpSpPr>
+        <a:xfrm>
+          <a:off x="0" y="0"/>
+          <a:ext cx="0" cy="0"/>
+          <a:chOff x="0" y="0"/>
+          <a:chExt cx="0" cy="0"/>
+        </a:xfrm>
+      </p:grpSpPr>
+      <p:sp>
+        <p:nvSpPr>
+          <p:cNvPr id="2" name="Title 1"/>
+          <p:cNvSpPr>
+            <a:spLocks noGrp="1"/>
+          </p:cNvSpPr>
+          <p:nvPr>
+            <p:ph type="title"/>
+          </p:nvPr>
+        </p:nvSpPr>
+        <p:spPr/>
+        <p:txBody>
+          <a:bodyPr/>
+          <a:lstStyle/>
+          <a:p>
+            <a:r>
+              <a:rPr lang="en-US" smtClean="0"/>
+              <a:t>Click to edit Master title style</a:t>
+            </a:r>
+            <a:endParaRPr lang="en-US"/>
+          </a:p>
+        </p:txBody>
+      </p:sp>
+      <p:sp>
+        <p:nvSpPr>
+          <p:cNvPr id="3" name="Date Placeholder 2"/>
+          <p:cNvSpPr>
+            <a:spLocks noGrp="1"/>
+          </p:cNvSpPr>
+          <p:nvPr>
+            <p:ph type="dt" sz="half" idx="10"/>
+          </p:nvPr>
+        </p:nvSpPr>
+        <p:spPr/>
+        <p:txBody>
+          <a:bodyPr/>
+          <a:lstStyle/>
+          <a:p>
+            <a:fld id="{BD5AFB16-13FE-DF4A-8CB7-09756A57B2EA}" type="datetime2">
+              <a:rPr lang="en-US" smtClean="0"/>
+              <a:t>Wednesday, September 10, 14</a:t>
+            </a:fld>
+            <a:endParaRPr lang="en-US" dirty="0"/>
+          </a:p>
+        </p:txBody>
+      </p:sp>
+      <p:sp>
+        <p:nvSpPr>
+          <p:cNvPr id="4" name="Footer Placeholder 3"/>
+          <p:cNvSpPr>
+            <a:spLocks noGrp="1"/>
+          </p:cNvSpPr>
+          <p:nvPr>
+            <p:ph type="ftr" sz="quarter" idx="11"/>
+          </p:nvPr>
+        </p:nvSpPr>
+        <p:spPr/>
+        <p:txBody>
+          <a:bodyPr/>
+          <a:lstStyle/>
+          <a:p>
+            <a:pPr algn="r"/>
+            <a:r>
+              <a:rPr lang="en-US" smtClean="0"/>
+              <a:t>Sanjay Kalé and PPL (UIUC) – Parallel Migratable Objects </a:t>
+            </a:r>
+            <a:endParaRPr lang="en-US" dirty="0"/>
+          </a:p>
+        </p:txBody>
+      </p:sp>
+      <p:sp>
+        <p:nvSpPr>
+          <p:cNvPr id="5" name="Slide Number Placeholder 4"/>
+          <p:cNvSpPr>
+            <a:spLocks noGrp="1"/>
+          </p:cNvSpPr>
+          <p:nvPr>
+            <p:ph type="sldNum" sz="quarter" idx="12"/>
+          </p:nvPr>
+        </p:nvSpPr>
+        <p:spPr/>
+        <p:txBody>
+          <a:bodyPr/>
+          <a:lstStyle/>
+          <a:p>
+            <a:fld id="{0CFEC368-1D7A-4F81-ABF6-AE0E36BAF64C}" type="slidenum">
+              <a:rPr lang="en-US" smtClean="0"/>
+              <a:pPr/>
+              <a:t>‹#›</a:t>
+            </a:fld>
+            <a:endParaRPr lang="en-US" dirty="0"/>
+          </a:p>
+        </p:txBody>
+      </p:sp>
+      <p:sp>
+        <p:nvSpPr>
+          <p:cNvPr id="7" name="Content Placeholder 6"/>
+          <p:cNvSpPr>
+            <a:spLocks noGrp="1"/>
+          </p:cNvSpPr>
+          <p:nvPr>
+            <p:ph sz="quarter" idx="13"/>
+          </p:nvPr>
+        </p:nvSpPr>
+        <p:spPr>
+          <a:xfrm>
+            <a:off x="457200" y="909977"/>
+            <a:ext cx="8229600" cy="1118512"/>
+          </a:xfrm>
+        </p:spPr>
+        <p:txBody>
+          <a:bodyPr/>
+          <a:lstStyle/>
+          <a:p>
+            <a:pPr lvl="0"/>
+            <a:r>
+              <a:rPr lang="en-US" dirty="0" smtClean="0"/>
+              <a:t>Click to edit Master text styles</a:t>
+            </a:r>
+          </a:p>
+          <a:p>
+            <a:pPr lvl="1"/>
+            <a:r>
+              <a:rPr lang="en-US" dirty="0" smtClean="0"/>
+              <a:t>Second level</a:t>
+            </a:r>
+          </a:p>
+          <a:p>
+            <a:pPr lvl="2"/>
+            <a:r>
+              <a:rPr lang="en-US" dirty="0" smtClean="0"/>
+              <a:t>Third level</a:t>
+            </a:r>
+          </a:p>
+          <a:p>
+            <a:pPr lvl="3"/>
+            <a:r>
+              <a:rPr lang="en-US" dirty="0" smtClean="0"/>
+              <a:t>Fourth level</a:t>
+            </a:r>
+          </a:p>
+          <a:p>
+            <a:pPr lvl="4"/>
+            <a:r>
+              <a:rPr lang="en-US" dirty="0" smtClean="0"/>
+              <a:t>Fifth level</a:t>
+            </a:r>
+            <a:endParaRPr lang="en-US" dirty="0"/>
+          </a:p>
+        </p:txBody>
+      </p:sp>
+      <p:sp>
+        <p:nvSpPr>
+          <p:cNvPr id="9" name="Content Placeholder 8"/>
+          <p:cNvSpPr>
+            <a:spLocks noGrp="1"/>
+          </p:cNvSpPr>
+          <p:nvPr>
+            <p:ph sz="quarter" idx="14"/>
+          </p:nvPr>
+        </p:nvSpPr>
+        <p:spPr>
+          <a:xfrm>
+            <a:off x="457200" y="2198574"/>
+            <a:ext cx="8229600" cy="1119049"/>
+          </a:xfrm>
+        </p:spPr>
+        <p:txBody>
+          <a:bodyPr/>
+          <a:lstStyle/>
+          <a:p>
+            <a:pPr lvl="0"/>
+            <a:r>
+              <a:rPr lang="en-US" dirty="0" smtClean="0"/>
+              <a:t>Click to edit Master text styles</a:t>
+            </a:r>
+          </a:p>
+          <a:p>
+            <a:pPr lvl="1"/>
+            <a:r>
+              <a:rPr lang="en-US" dirty="0" smtClean="0"/>
+              <a:t>Second level</a:t>
+            </a:r>
+          </a:p>
+          <a:p>
+            <a:pPr lvl="2"/>
+            <a:r>
+              <a:rPr lang="en-US" dirty="0" smtClean="0"/>
+              <a:t>Third level</a:t>
+            </a:r>
+          </a:p>
+          <a:p>
+            <a:pPr lvl="3"/>
+            <a:r>
+              <a:rPr lang="en-US" dirty="0" smtClean="0"/>
+              <a:t>Fourth level</a:t>
+            </a:r>
+          </a:p>
+          <a:p>
+            <a:pPr lvl="4"/>
+            <a:r>
+              <a:rPr lang="en-US" dirty="0" smtClean="0"/>
+              <a:t>Fifth level</a:t>
+            </a:r>
+            <a:endParaRPr lang="en-US" dirty="0"/>
+          </a:p>
+        </p:txBody>
+      </p:sp>
+      <p:sp>
+        <p:nvSpPr>
+          <p:cNvPr id="11" name="Content Placeholder 10"/>
+          <p:cNvSpPr>
+            <a:spLocks noGrp="1"/>
+          </p:cNvSpPr>
+          <p:nvPr>
+            <p:ph sz="quarter" idx="15"/>
+          </p:nvPr>
+        </p:nvSpPr>
+        <p:spPr>
+          <a:xfrm>
+            <a:off x="457200" y="3583427"/>
+            <a:ext cx="8229600" cy="1136650"/>
+          </a:xfrm>
+        </p:spPr>
+        <p:txBody>
+          <a:bodyPr/>
+          <a:lstStyle/>
+          <a:p>
+            <a:pPr lvl="0"/>
+            <a:r>
+              <a:rPr lang="en-US" smtClean="0"/>
+              <a:t>Click to edit Master text styles</a:t>
+            </a:r>
+          </a:p>
+          <a:p>
+            <a:pPr lvl="1"/>
+            <a:r>
+              <a:rPr lang="en-US" smtClean="0"/>
+              <a:t>Second level</a:t>
+            </a:r>
+          </a:p>
+          <a:p>
+            <a:pPr lvl="2"/>
+            <a:r>
+              <a:rPr lang="en-US" smtClean="0"/>
+              <a:t>Third level</a:t>
+            </a:r>
+          </a:p>
+          <a:p>
+            <a:pPr lvl="3"/>
+            <a:r>
+              <a:rPr lang="en-US" smtClean="0"/>
+              <a:t>Fourth level</a:t>
+            </a:r>
+          </a:p>
+          <a:p>
+            <a:pPr lvl="4"/>
+            <a:r>
+              <a:rPr lang="en-US" smtClean="0"/>
+              <a:t>Fifth level</a:t>
+            </a:r>
+            <a:endParaRPr lang="en-US"/>
+          </a:p>
+        </p:txBody>
+      </p:sp>
+      <p:sp>
+        <p:nvSpPr>
+          <p:cNvPr id="13" name="Content Placeholder 12"/>
+          <p:cNvSpPr>
+            <a:spLocks noGrp="1"/>
+          </p:cNvSpPr>
+          <p:nvPr>
+            <p:ph sz="quarter" idx="16"/>
+          </p:nvPr>
+        </p:nvSpPr>
+        <p:spPr>
+          <a:xfrm>
+            <a:off x="457200" y="5043465"/>
+            <a:ext cx="8229600" cy="1136791"/>
+          </a:xfrm>
+        </p:spPr>
+        <p:txBody>
+          <a:bodyPr/>
+          <a:lstStyle/>
+          <a:p>
+            <a:pPr lvl="0"/>
+            <a:r>
+              <a:rPr lang="en-US" smtClean="0"/>
+              <a:t>Click to edit Master text styles</a:t>
+            </a:r>
+          </a:p>
+          <a:p>
+            <a:pPr lvl="1"/>
+            <a:r>
+              <a:rPr lang="en-US" smtClean="0"/>
+              <a:t>Second level</a:t>
+            </a:r>
+          </a:p>
+          <a:p>
+            <a:pPr lvl="2"/>
+            <a:r>
+              <a:rPr lang="en-US" smtClean="0"/>
+              <a:t>Third level</a:t>
+            </a:r>
+          </a:p>
+          <a:p>
+            <a:pPr lvl="3"/>
+            <a:r>
+              <a:rPr lang="en-US" smtClean="0"/>
+              <a:t>Fourth level</a:t>
+            </a:r>
+          </a:p>
+          <a:p>
+            <a:pPr lvl="4"/>
+            <a:r>
+              <a:rPr lang="en-US" smtClean="0"/>
+              <a:t>Fifth level</a:t>
+            </a:r>
+            <a:endParaRPr lang="en-US"/>
+          </a:p>
+        </p:txBody>
+      </p:sp>
+    </p:spTree>
+    <p:extLst>
+      <p:ext uri="{BB962C8B-B14F-4D97-AF65-F5344CB8AC3E}">
+        <p14:creationId xmlns:p14="http://schemas.microsoft.com/office/powerpoint/2010/main" val="596550497"/>
+      </p:ext>
+    </p:extLst>
+  </p:cSld>
+  <p:clrMapOvr>
+    <a:masterClrMapping/>
+  </p:clrMapOvr>
+</p:sldLayout>
+</file>
+
+<file path=ppt/slideLayouts/slideLayout16.xml><?xml version="1.0" encoding="utf-8"?>
+<p:sldLayout xmlns:a="http://schemas.openxmlformats.org/drawingml/2006/main" xmlns:r="http://schemas.openxmlformats.org/officeDocument/2006/relationships" xmlns:p="http://schemas.openxmlformats.org/presentationml/2006/main" preserve="1" userDrawn="1">
+  <p:cSld name="2_Two Content">
+    <p:spTree>
+      <p:nvGrpSpPr>
+        <p:cNvPr id="1" name=""/>
+        <p:cNvGrpSpPr/>
+        <p:nvPr/>
+      </p:nvGrpSpPr>
+      <p:grpSpPr>
+        <a:xfrm>
+          <a:off x="0" y="0"/>
+          <a:ext cx="0" cy="0"/>
+          <a:chOff x="0" y="0"/>
+          <a:chExt cx="0" cy="0"/>
+        </a:xfrm>
+      </p:grpSpPr>
+      <p:sp>
+        <p:nvSpPr>
+          <p:cNvPr id="2" name="Title 1"/>
+          <p:cNvSpPr>
+            <a:spLocks noGrp="1"/>
+          </p:cNvSpPr>
+          <p:nvPr>
+            <p:ph type="title"/>
+          </p:nvPr>
+        </p:nvSpPr>
+        <p:spPr/>
+        <p:txBody>
+          <a:bodyPr/>
+          <a:lstStyle/>
+          <a:p>
+            <a:r>
+              <a:rPr lang="en-US" dirty="0" smtClean="0"/>
+              <a:t>Click to edit Master title style</a:t>
+            </a:r>
+            <a:endParaRPr lang="en-US" dirty="0"/>
+          </a:p>
+        </p:txBody>
+      </p:sp>
+      <p:sp>
+        <p:nvSpPr>
+          <p:cNvPr id="3" name="Content Placeholder 2"/>
+          <p:cNvSpPr>
+            <a:spLocks noGrp="1"/>
+          </p:cNvSpPr>
+          <p:nvPr>
+            <p:ph sz="half" idx="1"/>
+          </p:nvPr>
+        </p:nvSpPr>
+        <p:spPr>
+          <a:xfrm>
+            <a:off x="457200" y="935846"/>
+            <a:ext cx="4038600" cy="3140187"/>
+          </a:xfrm>
+        </p:spPr>
+        <p:txBody>
+          <a:bodyPr/>
+          <a:lstStyle>
+            <a:lvl1pPr>
+              <a:defRPr sz="2800"/>
+            </a:lvl1pPr>
+            <a:lvl2pPr>
+              <a:defRPr sz="2400"/>
+            </a:lvl2pPr>
+            <a:lvl3pPr>
+              <a:defRPr sz="2000"/>
+            </a:lvl3pPr>
+            <a:lvl4pPr>
+              <a:defRPr sz="1800"/>
+            </a:lvl4pPr>
+            <a:lvl5pPr>
+              <a:defRPr sz="1800"/>
+            </a:lvl5pPr>
+            <a:lvl6pPr>
+              <a:defRPr sz="1800"/>
+            </a:lvl6pPr>
+            <a:lvl7pPr>
+              <a:defRPr sz="1800"/>
+            </a:lvl7pPr>
+            <a:lvl8pPr>
+              <a:defRPr sz="1800"/>
+            </a:lvl8pPr>
+            <a:lvl9pPr>
+              <a:defRPr sz="1800"/>
+            </a:lvl9pPr>
+          </a:lstStyle>
+          <a:p>
+            <a:pPr lvl="0"/>
+            <a:r>
+              <a:rPr lang="en-US" dirty="0" smtClean="0"/>
+              <a:t>Click to edit Master text styles</a:t>
+            </a:r>
+          </a:p>
+          <a:p>
+            <a:pPr lvl="1"/>
+            <a:r>
+              <a:rPr lang="en-US" dirty="0" smtClean="0"/>
+              <a:t>Second level</a:t>
+            </a:r>
+          </a:p>
+          <a:p>
+            <a:pPr lvl="2"/>
+            <a:r>
+              <a:rPr lang="en-US" dirty="0" smtClean="0"/>
+              <a:t>Third level</a:t>
+            </a:r>
+          </a:p>
+          <a:p>
+            <a:pPr lvl="3"/>
+            <a:r>
+              <a:rPr lang="en-US" dirty="0" smtClean="0"/>
+              <a:t>Fourth level</a:t>
+            </a:r>
+          </a:p>
+          <a:p>
+            <a:pPr lvl="4"/>
+            <a:r>
+              <a:rPr lang="en-US" dirty="0" smtClean="0"/>
+              <a:t>Fifth level</a:t>
+            </a:r>
+            <a:endParaRPr lang="en-US" dirty="0"/>
+          </a:p>
+        </p:txBody>
+      </p:sp>
+      <p:sp>
+        <p:nvSpPr>
+          <p:cNvPr id="4" name="Content Placeholder 3"/>
+          <p:cNvSpPr>
+            <a:spLocks noGrp="1"/>
+          </p:cNvSpPr>
+          <p:nvPr>
+            <p:ph sz="half" idx="2"/>
+          </p:nvPr>
+        </p:nvSpPr>
+        <p:spPr>
+          <a:xfrm>
+            <a:off x="4648200" y="935846"/>
+            <a:ext cx="4038600" cy="3140187"/>
+          </a:xfrm>
+        </p:spPr>
+        <p:txBody>
+          <a:bodyPr/>
+          <a:lstStyle>
+            <a:lvl1pPr>
+              <a:defRPr sz="2800"/>
+            </a:lvl1pPr>
+            <a:lvl2pPr>
+              <a:defRPr sz="2400"/>
+            </a:lvl2pPr>
+            <a:lvl3pPr>
+              <a:defRPr sz="2000"/>
+            </a:lvl3pPr>
+            <a:lvl4pPr>
+              <a:defRPr sz="1800"/>
+            </a:lvl4pPr>
+            <a:lvl5pPr>
+              <a:defRPr sz="1800"/>
+            </a:lvl5pPr>
+            <a:lvl6pPr>
+              <a:defRPr sz="1800"/>
+            </a:lvl6pPr>
+            <a:lvl7pPr>
+              <a:defRPr sz="1800"/>
+            </a:lvl7pPr>
+            <a:lvl8pPr>
+              <a:defRPr sz="1800"/>
+            </a:lvl8pPr>
+            <a:lvl9pPr>
+              <a:defRPr sz="1800"/>
+            </a:lvl9pPr>
+          </a:lstStyle>
+          <a:p>
+            <a:pPr lvl="0"/>
+            <a:r>
+              <a:rPr lang="en-US" dirty="0" smtClean="0"/>
+              <a:t>Click to edit Master text styles</a:t>
+            </a:r>
+          </a:p>
+          <a:p>
+            <a:pPr lvl="1"/>
+            <a:r>
+              <a:rPr lang="en-US" dirty="0" smtClean="0"/>
+              <a:t>Second level</a:t>
+            </a:r>
+          </a:p>
+          <a:p>
+            <a:pPr lvl="2"/>
+            <a:r>
+              <a:rPr lang="en-US" dirty="0" smtClean="0"/>
+              <a:t>Third level</a:t>
+            </a:r>
+          </a:p>
+          <a:p>
+            <a:pPr lvl="3"/>
+            <a:r>
+              <a:rPr lang="en-US" dirty="0" smtClean="0"/>
+              <a:t>Fourth level</a:t>
+            </a:r>
+          </a:p>
+          <a:p>
+            <a:pPr lvl="4"/>
+            <a:r>
+              <a:rPr lang="en-US" dirty="0" smtClean="0"/>
+              <a:t>Fifth level</a:t>
+            </a:r>
+            <a:endParaRPr lang="en-US" dirty="0"/>
+          </a:p>
+        </p:txBody>
+      </p:sp>
+      <p:sp>
+        <p:nvSpPr>
+          <p:cNvPr id="5" name="Date Placeholder 4"/>
+          <p:cNvSpPr>
+            <a:spLocks noGrp="1"/>
+          </p:cNvSpPr>
+          <p:nvPr>
+            <p:ph type="dt" sz="half" idx="10"/>
+          </p:nvPr>
+        </p:nvSpPr>
+        <p:spPr/>
+        <p:txBody>
+          <a:bodyPr/>
+          <a:lstStyle>
+            <a:lvl1pPr>
+              <a:defRPr>
+                <a:latin typeface="Times New Roman"/>
+                <a:cs typeface="Times New Roman"/>
+              </a:defRPr>
+            </a:lvl1pPr>
+          </a:lstStyle>
+          <a:p>
+            <a:fld id="{30545249-FD76-6844-B252-CAB05FC2DAA8}" type="datetime2">
+              <a:rPr lang="en-US" smtClean="0"/>
+              <a:t>Wednesday, September 10, 14</a:t>
+            </a:fld>
+            <a:endParaRPr lang="en-US" dirty="0"/>
+          </a:p>
+        </p:txBody>
+      </p:sp>
+      <p:sp>
+        <p:nvSpPr>
+          <p:cNvPr id="6" name="Footer Placeholder 5"/>
+          <p:cNvSpPr>
+            <a:spLocks noGrp="1"/>
+          </p:cNvSpPr>
+          <p:nvPr>
+            <p:ph type="ftr" sz="quarter" idx="11"/>
+          </p:nvPr>
+        </p:nvSpPr>
+        <p:spPr/>
+        <p:txBody>
+          <a:bodyPr/>
+          <a:lstStyle>
+            <a:lvl1pPr>
+              <a:defRPr>
+                <a:latin typeface="Times New Roman"/>
+                <a:cs typeface="Times New Roman"/>
+              </a:defRPr>
+            </a:lvl1pPr>
+          </a:lstStyle>
+          <a:p>
+            <a:pPr algn="r"/>
+            <a:r>
+              <a:rPr lang="en-US" smtClean="0"/>
+              <a:t>Sanjay Kalé and PPL (UIUC) – Parallel Migratable Objects </a:t>
+            </a:r>
+            <a:endParaRPr lang="en-US" dirty="0"/>
+          </a:p>
+        </p:txBody>
+      </p:sp>
+      <p:sp>
+        <p:nvSpPr>
+          <p:cNvPr id="7" name="Slide Number Placeholder 6"/>
+          <p:cNvSpPr>
+            <a:spLocks noGrp="1"/>
+          </p:cNvSpPr>
+          <p:nvPr>
+            <p:ph type="sldNum" sz="quarter" idx="12"/>
+          </p:nvPr>
+        </p:nvSpPr>
+        <p:spPr/>
+        <p:txBody>
+          <a:bodyPr/>
+          <a:lstStyle/>
+          <a:p>
+            <a:fld id="{0CFEC368-1D7A-4F81-ABF6-AE0E36BAF64C}" type="slidenum">
+              <a:rPr lang="en-US" smtClean="0"/>
+              <a:pPr/>
+              <a:t>‹#›</a:t>
+            </a:fld>
+            <a:endParaRPr lang="en-US" dirty="0"/>
+          </a:p>
+        </p:txBody>
+      </p:sp>
+      <p:sp>
+        <p:nvSpPr>
+          <p:cNvPr id="9" name="Content Placeholder 8"/>
+          <p:cNvSpPr>
+            <a:spLocks noGrp="1"/>
+          </p:cNvSpPr>
+          <p:nvPr>
+            <p:ph sz="quarter" idx="13"/>
+          </p:nvPr>
+        </p:nvSpPr>
+        <p:spPr>
+          <a:xfrm>
+            <a:off x="457200" y="4829213"/>
+            <a:ext cx="8229600" cy="1550950"/>
+          </a:xfrm>
+          <a:solidFill>
+            <a:schemeClr val="tx2">
+              <a:lumMod val="20000"/>
+              <a:lumOff val="80000"/>
+            </a:schemeClr>
+          </a:solidFill>
+          <a:ln>
+            <a:solidFill>
+              <a:schemeClr val="tx2"/>
+            </a:solidFill>
+          </a:ln>
+        </p:spPr>
+        <p:txBody>
+          <a:bodyPr/>
+          <a:lstStyle/>
+          <a:p>
+            <a:pPr lvl="0"/>
+            <a:r>
+              <a:rPr lang="en-US" dirty="0" smtClean="0"/>
+              <a:t>Click to edit Master text styles</a:t>
+            </a:r>
+          </a:p>
+          <a:p>
+            <a:pPr lvl="1"/>
+            <a:r>
+              <a:rPr lang="en-US" dirty="0" smtClean="0"/>
+              <a:t>Second level</a:t>
+            </a:r>
+          </a:p>
+          <a:p>
+            <a:pPr lvl="2"/>
+            <a:r>
+              <a:rPr lang="en-US" dirty="0" smtClean="0"/>
+              <a:t>Third level</a:t>
+            </a:r>
+          </a:p>
+          <a:p>
+            <a:pPr lvl="3"/>
+            <a:r>
+              <a:rPr lang="en-US" dirty="0" smtClean="0"/>
+              <a:t>Fourth level</a:t>
+            </a:r>
+          </a:p>
+          <a:p>
+            <a:pPr lvl="4"/>
+            <a:r>
+              <a:rPr lang="en-US" dirty="0" smtClean="0"/>
+              <a:t>Fifth level</a:t>
+            </a:r>
+            <a:endParaRPr lang="en-US" dirty="0"/>
+          </a:p>
+        </p:txBody>
+      </p:sp>
+      <p:sp>
+        <p:nvSpPr>
+          <p:cNvPr id="11" name="Text Placeholder 10"/>
+          <p:cNvSpPr>
+            <a:spLocks noGrp="1"/>
+          </p:cNvSpPr>
+          <p:nvPr>
+            <p:ph type="body" sz="quarter" idx="14"/>
+          </p:nvPr>
+        </p:nvSpPr>
+        <p:spPr>
+          <a:xfrm>
+            <a:off x="457200" y="4238625"/>
+            <a:ext cx="8229600" cy="590550"/>
+          </a:xfrm>
+          <a:solidFill>
+            <a:schemeClr val="tx2">
+              <a:lumMod val="40000"/>
+              <a:lumOff val="60000"/>
+            </a:schemeClr>
+          </a:solidFill>
+          <a:ln>
+            <a:solidFill>
+              <a:schemeClr val="tx2"/>
+            </a:solidFill>
+          </a:ln>
+        </p:spPr>
+        <p:txBody>
+          <a:bodyPr/>
+          <a:lstStyle>
+            <a:lvl1pPr marL="0" indent="0">
+              <a:buNone/>
+              <a:defRPr b="1"/>
+            </a:lvl1pPr>
+          </a:lstStyle>
+          <a:p>
+            <a:pPr lvl="0"/>
+            <a:r>
+              <a:rPr lang="en-US" dirty="0" smtClean="0"/>
+              <a:t>Click to edit Master text styles</a:t>
+            </a:r>
+            <a:endParaRPr lang="en-US" dirty="0"/>
+          </a:p>
+        </p:txBody>
+      </p:sp>
+    </p:spTree>
+    <p:extLst>
+      <p:ext uri="{BB962C8B-B14F-4D97-AF65-F5344CB8AC3E}">
+        <p14:creationId xmlns:p14="http://schemas.microsoft.com/office/powerpoint/2010/main" val="707568992"/>
+      </p:ext>
+    </p:extLst>
   </p:cSld>
   <p:clrMapOvr>
     <a:masterClrMapping/>
@@ -2208,35 +3767,35 @@
           <a:p>
             <a:pPr lvl="0"/>
             <a:r>
-              <a:rPr lang="en-US" dirty="0" smtClean="0"/>
+              <a:rPr lang="en-US" smtClean="0"/>
               <a:t>Click to edit Master text styles</a:t>
             </a:r>
           </a:p>
           <a:p>
             <a:pPr lvl="1"/>
             <a:r>
-              <a:rPr lang="en-US" dirty="0" smtClean="0"/>
+              <a:rPr lang="en-US" smtClean="0"/>
               <a:t>Second level</a:t>
             </a:r>
           </a:p>
           <a:p>
             <a:pPr lvl="2"/>
             <a:r>
-              <a:rPr lang="en-US" dirty="0" smtClean="0"/>
+              <a:rPr lang="en-US" smtClean="0"/>
               <a:t>Third level</a:t>
             </a:r>
           </a:p>
           <a:p>
             <a:pPr lvl="3"/>
             <a:r>
-              <a:rPr lang="en-US" dirty="0" smtClean="0"/>
+              <a:rPr lang="en-US" smtClean="0"/>
               <a:t>Fourth level</a:t>
             </a:r>
           </a:p>
           <a:p>
             <a:pPr lvl="4"/>
             <a:r>
-              <a:rPr lang="en-US" dirty="0" smtClean="0"/>
+              <a:rPr lang="en-US" smtClean="0"/>
               <a:t>Fifth level</a:t>
             </a:r>
             <a:endParaRPr lang="en-US" dirty="0"/>
@@ -2260,7 +3819,7 @@
           <a:p>
             <a:fld id="{34621E95-60A9-FF44-9869-513D9D7A859F}" type="datetime2">
               <a:rPr lang="en-US" smtClean="0"/>
-              <a:t>Tuesday, September 9, 14</a:t>
+              <a:t>Wednesday, September 10, 14</a:t>
             </a:fld>
             <a:endParaRPr lang="en-US"/>
           </a:p>
@@ -2323,7 +3882,7 @@
 </file>
 
 <file path=ppt/slideLayouts/slideLayout3.xml><?xml version="1.0" encoding="utf-8"?>
-<p:sldLayout xmlns:a="http://schemas.openxmlformats.org/drawingml/2006/main" xmlns:r="http://schemas.openxmlformats.org/officeDocument/2006/relationships" xmlns:p="http://schemas.openxmlformats.org/presentationml/2006/main" preserve="1" userDrawn="1">
+<p:sldLayout xmlns:a="http://schemas.openxmlformats.org/drawingml/2006/main" xmlns:r="http://schemas.openxmlformats.org/officeDocument/2006/relationships" xmlns:p="http://schemas.openxmlformats.org/presentationml/2006/main" preserve="1">
   <p:cSld name="Custom Layout">
     <p:spTree>
       <p:nvGrpSpPr>
@@ -2379,7 +3938,7 @@
           <a:p>
             <a:fld id="{BD5AFB16-13FE-DF4A-8CB7-09756A57B2EA}" type="datetime2">
               <a:rPr lang="en-US" smtClean="0"/>
-              <a:t>Tuesday, September 9, 14</a:t>
+              <a:t>Wednesday, September 10, 14</a:t>
             </a:fld>
             <a:endParaRPr lang="en-US" dirty="0"/>
           </a:p>
@@ -2445,8 +4004,8 @@
         </p:nvSpPr>
         <p:spPr>
           <a:xfrm>
-            <a:off x="457200" y="909977"/>
-            <a:ext cx="8229600" cy="1118512"/>
+            <a:off x="261865" y="909977"/>
+            <a:ext cx="8615360" cy="1118512"/>
           </a:xfrm>
         </p:spPr>
         <p:txBody>
@@ -2455,35 +4014,35 @@
           <a:p>
             <a:pPr lvl="0"/>
             <a:r>
-              <a:rPr lang="en-US" dirty="0" smtClean="0"/>
+              <a:rPr lang="en-US" smtClean="0"/>
               <a:t>Click to edit Master text styles</a:t>
             </a:r>
           </a:p>
           <a:p>
             <a:pPr lvl="1"/>
             <a:r>
-              <a:rPr lang="en-US" dirty="0" smtClean="0"/>
+              <a:rPr lang="en-US" smtClean="0"/>
               <a:t>Second level</a:t>
             </a:r>
           </a:p>
           <a:p>
             <a:pPr lvl="2"/>
             <a:r>
-              <a:rPr lang="en-US" dirty="0" smtClean="0"/>
+              <a:rPr lang="en-US" smtClean="0"/>
               <a:t>Third level</a:t>
             </a:r>
           </a:p>
           <a:p>
             <a:pPr lvl="3"/>
             <a:r>
-              <a:rPr lang="en-US" dirty="0" smtClean="0"/>
+              <a:rPr lang="en-US" smtClean="0"/>
               <a:t>Fourth level</a:t>
             </a:r>
           </a:p>
           <a:p>
             <a:pPr lvl="4"/>
             <a:r>
-              <a:rPr lang="en-US" dirty="0" smtClean="0"/>
+              <a:rPr lang="en-US" smtClean="0"/>
               <a:t>Fifth level</a:t>
             </a:r>
             <a:endParaRPr lang="en-US" dirty="0"/>
@@ -2502,8 +4061,8 @@
         </p:nvSpPr>
         <p:spPr>
           <a:xfrm>
-            <a:off x="457200" y="2198574"/>
-            <a:ext cx="8229600" cy="1119049"/>
+            <a:off x="261865" y="2198574"/>
+            <a:ext cx="8615360" cy="1119049"/>
           </a:xfrm>
         </p:spPr>
         <p:txBody>
@@ -2512,35 +4071,35 @@
           <a:p>
             <a:pPr lvl="0"/>
             <a:r>
-              <a:rPr lang="en-US" dirty="0" smtClean="0"/>
+              <a:rPr lang="en-US" smtClean="0"/>
               <a:t>Click to edit Master text styles</a:t>
             </a:r>
           </a:p>
           <a:p>
             <a:pPr lvl="1"/>
             <a:r>
-              <a:rPr lang="en-US" dirty="0" smtClean="0"/>
+              <a:rPr lang="en-US" smtClean="0"/>
               <a:t>Second level</a:t>
             </a:r>
           </a:p>
           <a:p>
             <a:pPr lvl="2"/>
             <a:r>
-              <a:rPr lang="en-US" dirty="0" smtClean="0"/>
+              <a:rPr lang="en-US" smtClean="0"/>
               <a:t>Third level</a:t>
             </a:r>
           </a:p>
           <a:p>
             <a:pPr lvl="3"/>
             <a:r>
-              <a:rPr lang="en-US" dirty="0" smtClean="0"/>
+              <a:rPr lang="en-US" smtClean="0"/>
               <a:t>Fourth level</a:t>
             </a:r>
           </a:p>
           <a:p>
             <a:pPr lvl="4"/>
             <a:r>
-              <a:rPr lang="en-US" dirty="0" smtClean="0"/>
+              <a:rPr lang="en-US" smtClean="0"/>
               <a:t>Fifth level</a:t>
             </a:r>
             <a:endParaRPr lang="en-US" dirty="0"/>
@@ -2559,8 +4118,8 @@
         </p:nvSpPr>
         <p:spPr>
           <a:xfrm>
-            <a:off x="457200" y="3583427"/>
-            <a:ext cx="8229600" cy="1136650"/>
+            <a:off x="261865" y="3583427"/>
+            <a:ext cx="8615360" cy="1136650"/>
           </a:xfrm>
         </p:spPr>
         <p:txBody>
@@ -2600,7 +4159,7 @@
               <a:rPr lang="en-US" smtClean="0"/>
               <a:t>Fifth level</a:t>
             </a:r>
-            <a:endParaRPr lang="en-US"/>
+            <a:endParaRPr lang="en-US" dirty="0"/>
           </a:p>
         </p:txBody>
       </p:sp>
@@ -2616,8 +4175,8 @@
         </p:nvSpPr>
         <p:spPr>
           <a:xfrm>
-            <a:off x="457200" y="5043465"/>
-            <a:ext cx="8229600" cy="1136791"/>
+            <a:off x="261865" y="5043465"/>
+            <a:ext cx="8615360" cy="1136791"/>
           </a:xfrm>
         </p:spPr>
         <p:txBody>
@@ -2657,7 +4216,7 @@
               <a:rPr lang="en-US" smtClean="0"/>
               <a:t>Fifth level</a:t>
             </a:r>
-            <a:endParaRPr lang="en-US"/>
+            <a:endParaRPr lang="en-US" dirty="0"/>
           </a:p>
         </p:txBody>
       </p:sp>
@@ -2866,7 +4425,7 @@
           <a:p>
             <a:fld id="{1BDEC705-8EA9-6C46-8E3B-2CAC7E2C0F7D}" type="datetime2">
               <a:rPr lang="en-US" smtClean="0"/>
-              <a:t>Tuesday, September 9, 14</a:t>
+              <a:t>Wednesday, September 10, 14</a:t>
             </a:fld>
             <a:endParaRPr lang="en-US"/>
           </a:p>
@@ -2996,7 +4555,7 @@
           <a:lstStyle/>
           <a:p>
             <a:r>
-              <a:rPr lang="en-US" dirty="0" smtClean="0"/>
+              <a:rPr lang="en-US" smtClean="0"/>
               <a:t>Click to edit Master title style</a:t>
             </a:r>
             <a:endParaRPr lang="en-US" dirty="0"/>
@@ -3015,8 +4574,8 @@
         </p:nvSpPr>
         <p:spPr>
           <a:xfrm>
-            <a:off x="457200" y="935846"/>
-            <a:ext cx="4038600" cy="5455810"/>
+            <a:off x="261866" y="935846"/>
+            <a:ext cx="4114800" cy="5455810"/>
           </a:xfrm>
         </p:spPr>
         <p:txBody>
@@ -3053,35 +4612,35 @@
           <a:p>
             <a:pPr lvl="0"/>
             <a:r>
-              <a:rPr lang="en-US" dirty="0" smtClean="0"/>
+              <a:rPr lang="en-US" smtClean="0"/>
               <a:t>Click to edit Master text styles</a:t>
             </a:r>
           </a:p>
           <a:p>
             <a:pPr lvl="1"/>
             <a:r>
-              <a:rPr lang="en-US" dirty="0" smtClean="0"/>
+              <a:rPr lang="en-US" smtClean="0"/>
               <a:t>Second level</a:t>
             </a:r>
           </a:p>
           <a:p>
             <a:pPr lvl="2"/>
             <a:r>
-              <a:rPr lang="en-US" dirty="0" smtClean="0"/>
+              <a:rPr lang="en-US" smtClean="0"/>
               <a:t>Third level</a:t>
             </a:r>
           </a:p>
           <a:p>
             <a:pPr lvl="3"/>
             <a:r>
-              <a:rPr lang="en-US" dirty="0" smtClean="0"/>
+              <a:rPr lang="en-US" smtClean="0"/>
               <a:t>Fourth level</a:t>
             </a:r>
           </a:p>
           <a:p>
             <a:pPr lvl="4"/>
             <a:r>
-              <a:rPr lang="en-US" dirty="0" smtClean="0"/>
+              <a:rPr lang="en-US" smtClean="0"/>
               <a:t>Fifth level</a:t>
             </a:r>
             <a:endParaRPr lang="en-US" dirty="0"/>
@@ -3100,8 +4659,8 @@
         </p:nvSpPr>
         <p:spPr>
           <a:xfrm>
-            <a:off x="4648200" y="935846"/>
-            <a:ext cx="4038600" cy="5455810"/>
+            <a:off x="4737099" y="935846"/>
+            <a:ext cx="4140125" cy="5455810"/>
           </a:xfrm>
         </p:spPr>
         <p:txBody>
@@ -3138,35 +4697,35 @@
           <a:p>
             <a:pPr lvl="0"/>
             <a:r>
-              <a:rPr lang="en-US" dirty="0" smtClean="0"/>
+              <a:rPr lang="en-US" smtClean="0"/>
               <a:t>Click to edit Master text styles</a:t>
             </a:r>
           </a:p>
           <a:p>
             <a:pPr lvl="1"/>
             <a:r>
-              <a:rPr lang="en-US" dirty="0" smtClean="0"/>
+              <a:rPr lang="en-US" smtClean="0"/>
               <a:t>Second level</a:t>
             </a:r>
           </a:p>
           <a:p>
             <a:pPr lvl="2"/>
             <a:r>
-              <a:rPr lang="en-US" dirty="0" smtClean="0"/>
+              <a:rPr lang="en-US" smtClean="0"/>
               <a:t>Third level</a:t>
             </a:r>
           </a:p>
           <a:p>
             <a:pPr lvl="3"/>
             <a:r>
-              <a:rPr lang="en-US" dirty="0" smtClean="0"/>
+              <a:rPr lang="en-US" smtClean="0"/>
               <a:t>Fourth level</a:t>
             </a:r>
           </a:p>
           <a:p>
             <a:pPr lvl="4"/>
             <a:r>
-              <a:rPr lang="en-US" dirty="0" smtClean="0"/>
+              <a:rPr lang="en-US" smtClean="0"/>
               <a:t>Fifth level</a:t>
             </a:r>
             <a:endParaRPr lang="en-US" dirty="0"/>
@@ -3197,7 +4756,7 @@
           <a:p>
             <a:fld id="{BF613BD3-C5FD-9543-B738-679BF38D8C83}" type="datetime2">
               <a:rPr lang="en-US" smtClean="0"/>
-              <a:t>Tuesday, September 9, 14</a:t>
+              <a:t>Wednesday, September 10, 14</a:t>
             </a:fld>
             <a:endParaRPr lang="en-US" dirty="0"/>
           </a:p>
@@ -3322,8 +4881,8 @@
         </p:nvSpPr>
         <p:spPr>
           <a:xfrm>
-            <a:off x="457200" y="1676400"/>
-            <a:ext cx="3931920" cy="639762"/>
+            <a:off x="261865" y="914400"/>
+            <a:ext cx="4114800" cy="639762"/>
           </a:xfrm>
           <a:noFill/>
           <a:ln>
@@ -3410,8 +4969,8 @@
         </p:nvSpPr>
         <p:spPr>
           <a:xfrm>
-            <a:off x="457200" y="2438400"/>
-            <a:ext cx="3931920" cy="3951288"/>
+            <a:off x="261865" y="1714500"/>
+            <a:ext cx="4114800" cy="4675188"/>
           </a:xfrm>
         </p:spPr>
         <p:txBody>
@@ -3495,8 +5054,8 @@
         </p:nvSpPr>
         <p:spPr>
           <a:xfrm>
-            <a:off x="4754880" y="1676400"/>
-            <a:ext cx="3931920" cy="639762"/>
+            <a:off x="4737100" y="914400"/>
+            <a:ext cx="4140125" cy="639762"/>
           </a:xfrm>
           <a:noFill/>
           <a:ln>
@@ -3586,8 +5145,8 @@
         </p:nvSpPr>
         <p:spPr>
           <a:xfrm>
-            <a:off x="4754880" y="2438400"/>
-            <a:ext cx="3931920" cy="3951288"/>
+            <a:off x="4737100" y="1714500"/>
+            <a:ext cx="4140125" cy="4675188"/>
           </a:xfrm>
         </p:spPr>
         <p:txBody>
@@ -3676,7 +5235,7 @@
           <a:p>
             <a:fld id="{4B5E4F0C-9A9C-5448-99FD-D30288B385C9}" type="datetime2">
               <a:rPr lang="en-US" smtClean="0"/>
-              <a:t>Tuesday, September 9, 14</a:t>
+              <a:t>Wednesday, September 10, 14</a:t>
             </a:fld>
             <a:endParaRPr lang="en-US"/>
           </a:p>
@@ -3739,7 +5298,7 @@
 </file>
 
 <file path=ppt/slideLayouts/slideLayout7.xml><?xml version="1.0" encoding="utf-8"?>
-<p:sldLayout xmlns:a="http://schemas.openxmlformats.org/drawingml/2006/main" xmlns:r="http://schemas.openxmlformats.org/officeDocument/2006/relationships" xmlns:p="http://schemas.openxmlformats.org/presentationml/2006/main" preserve="1" userDrawn="1">
+<p:sldLayout xmlns:a="http://schemas.openxmlformats.org/drawingml/2006/main" xmlns:r="http://schemas.openxmlformats.org/officeDocument/2006/relationships" xmlns:p="http://schemas.openxmlformats.org/presentationml/2006/main" preserve="1">
   <p:cSld name="1_Two Content">
     <p:spTree>
       <p:nvGrpSpPr>
@@ -3771,7 +5330,7 @@
           <a:lstStyle/>
           <a:p>
             <a:r>
-              <a:rPr lang="en-US" dirty="0" smtClean="0"/>
+              <a:rPr lang="en-US" smtClean="0"/>
               <a:t>Click to edit Master title style</a:t>
             </a:r>
             <a:endParaRPr lang="en-US" dirty="0"/>
@@ -3790,8 +5349,8 @@
         </p:nvSpPr>
         <p:spPr>
           <a:xfrm>
-            <a:off x="457200" y="935846"/>
-            <a:ext cx="4038600" cy="3140187"/>
+            <a:off x="261866" y="935846"/>
+            <a:ext cx="4114800" cy="3140187"/>
           </a:xfrm>
         </p:spPr>
         <p:txBody>
@@ -3828,35 +5387,35 @@
           <a:p>
             <a:pPr lvl="0"/>
             <a:r>
-              <a:rPr lang="en-US" dirty="0" smtClean="0"/>
+              <a:rPr lang="en-US" smtClean="0"/>
               <a:t>Click to edit Master text styles</a:t>
             </a:r>
           </a:p>
           <a:p>
             <a:pPr lvl="1"/>
             <a:r>
-              <a:rPr lang="en-US" dirty="0" smtClean="0"/>
+              <a:rPr lang="en-US" smtClean="0"/>
               <a:t>Second level</a:t>
             </a:r>
           </a:p>
           <a:p>
             <a:pPr lvl="2"/>
             <a:r>
-              <a:rPr lang="en-US" dirty="0" smtClean="0"/>
+              <a:rPr lang="en-US" smtClean="0"/>
               <a:t>Third level</a:t>
             </a:r>
           </a:p>
           <a:p>
             <a:pPr lvl="3"/>
             <a:r>
-              <a:rPr lang="en-US" dirty="0" smtClean="0"/>
+              <a:rPr lang="en-US" smtClean="0"/>
               <a:t>Fourth level</a:t>
             </a:r>
           </a:p>
           <a:p>
             <a:pPr lvl="4"/>
             <a:r>
-              <a:rPr lang="en-US" dirty="0" smtClean="0"/>
+              <a:rPr lang="en-US" smtClean="0"/>
               <a:t>Fifth level</a:t>
             </a:r>
             <a:endParaRPr lang="en-US" dirty="0"/>
@@ -3875,8 +5434,8 @@
         </p:nvSpPr>
         <p:spPr>
           <a:xfrm>
-            <a:off x="4648200" y="935846"/>
-            <a:ext cx="4038600" cy="3140187"/>
+            <a:off x="4737100" y="935846"/>
+            <a:ext cx="4140124" cy="3140187"/>
           </a:xfrm>
         </p:spPr>
         <p:txBody>
@@ -3913,35 +5472,35 @@
           <a:p>
             <a:pPr lvl="0"/>
             <a:r>
-              <a:rPr lang="en-US" dirty="0" smtClean="0"/>
+              <a:rPr lang="en-US" smtClean="0"/>
               <a:t>Click to edit Master text styles</a:t>
             </a:r>
           </a:p>
           <a:p>
             <a:pPr lvl="1"/>
             <a:r>
-              <a:rPr lang="en-US" dirty="0" smtClean="0"/>
+              <a:rPr lang="en-US" smtClean="0"/>
               <a:t>Second level</a:t>
             </a:r>
           </a:p>
           <a:p>
             <a:pPr lvl="2"/>
             <a:r>
-              <a:rPr lang="en-US" dirty="0" smtClean="0"/>
+              <a:rPr lang="en-US" smtClean="0"/>
               <a:t>Third level</a:t>
             </a:r>
           </a:p>
           <a:p>
             <a:pPr lvl="3"/>
             <a:r>
-              <a:rPr lang="en-US" dirty="0" smtClean="0"/>
+              <a:rPr lang="en-US" smtClean="0"/>
               <a:t>Fourth level</a:t>
             </a:r>
           </a:p>
           <a:p>
             <a:pPr lvl="4"/>
             <a:r>
-              <a:rPr lang="en-US" dirty="0" smtClean="0"/>
+              <a:rPr lang="en-US" smtClean="0"/>
               <a:t>Fifth level</a:t>
             </a:r>
             <a:endParaRPr lang="en-US" dirty="0"/>
@@ -3972,7 +5531,7 @@
           <a:p>
             <a:fld id="{30545249-FD76-6844-B252-CAB05FC2DAA8}" type="datetime2">
               <a:rPr lang="en-US" smtClean="0"/>
-              <a:t>Tuesday, September 9, 14</a:t>
+              <a:t>Wednesday, September 10, 14</a:t>
             </a:fld>
             <a:endParaRPr lang="en-US" dirty="0"/>
           </a:p>
@@ -4045,8 +5604,8 @@
         </p:nvSpPr>
         <p:spPr>
           <a:xfrm>
-            <a:off x="457200" y="4829213"/>
-            <a:ext cx="8229600" cy="1550950"/>
+            <a:off x="261865" y="4829213"/>
+            <a:ext cx="8615360" cy="1550950"/>
           </a:xfrm>
           <a:solidFill>
             <a:schemeClr val="tx2">
@@ -4066,35 +5625,35 @@
           <a:p>
             <a:pPr lvl="0"/>
             <a:r>
-              <a:rPr lang="en-US" dirty="0" smtClean="0"/>
+              <a:rPr lang="en-US" smtClean="0"/>
               <a:t>Click to edit Master text styles</a:t>
             </a:r>
           </a:p>
           <a:p>
             <a:pPr lvl="1"/>
             <a:r>
-              <a:rPr lang="en-US" dirty="0" smtClean="0"/>
+              <a:rPr lang="en-US" smtClean="0"/>
               <a:t>Second level</a:t>
             </a:r>
           </a:p>
           <a:p>
             <a:pPr lvl="2"/>
             <a:r>
-              <a:rPr lang="en-US" dirty="0" smtClean="0"/>
+              <a:rPr lang="en-US" smtClean="0"/>
               <a:t>Third level</a:t>
             </a:r>
           </a:p>
           <a:p>
             <a:pPr lvl="3"/>
             <a:r>
-              <a:rPr lang="en-US" dirty="0" smtClean="0"/>
+              <a:rPr lang="en-US" smtClean="0"/>
               <a:t>Fourth level</a:t>
             </a:r>
           </a:p>
           <a:p>
             <a:pPr lvl="4"/>
             <a:r>
-              <a:rPr lang="en-US" dirty="0" smtClean="0"/>
+              <a:rPr lang="en-US" smtClean="0"/>
               <a:t>Fifth level</a:t>
             </a:r>
             <a:endParaRPr lang="en-US" dirty="0"/>
@@ -4113,8 +5672,8 @@
         </p:nvSpPr>
         <p:spPr>
           <a:xfrm>
-            <a:off x="457200" y="4238625"/>
-            <a:ext cx="8229600" cy="590550"/>
+            <a:off x="261865" y="4238625"/>
+            <a:ext cx="8615359" cy="590550"/>
           </a:xfrm>
           <a:solidFill>
             <a:schemeClr val="tx2">
@@ -4139,10 +5698,9 @@
           <a:p>
             <a:pPr lvl="0"/>
             <a:r>
-              <a:rPr lang="en-US" dirty="0" smtClean="0"/>
+              <a:rPr lang="en-US" smtClean="0"/>
               <a:t>Click to edit Master text styles</a:t>
             </a:r>
-            <a:endParaRPr lang="en-US" dirty="0"/>
           </a:p>
         </p:txBody>
       </p:sp>
@@ -4216,7 +5774,7 @@
           <a:p>
             <a:fld id="{CC859171-EEDD-0B48-A5C0-E7218AE20EA7}" type="datetime2">
               <a:rPr lang="en-US" smtClean="0"/>
-              <a:t>Tuesday, September 9, 14</a:t>
+              <a:t>Wednesday, September 10, 14</a:t>
             </a:fld>
             <a:endParaRPr lang="en-US"/>
           </a:p>
@@ -4312,7 +5870,7 @@
           <a:p>
             <a:fld id="{C32F9216-0342-7440-9504-BD6C1382BF27}" type="datetime2">
               <a:rPr lang="en-US" smtClean="0"/>
-              <a:t>Tuesday, September 9, 14</a:t>
+              <a:t>Wednesday, September 10, 14</a:t>
             </a:fld>
             <a:endParaRPr lang="en-US"/>
           </a:p>
@@ -4404,7 +5962,7 @@
         </p:nvSpPr>
         <p:spPr>
           <a:xfrm>
-            <a:off x="0" y="6506351"/>
+            <a:off x="0" y="6469775"/>
             <a:ext cx="9144000" cy="365760"/>
           </a:xfrm>
           <a:prstGeom prst="rect">
@@ -4449,18 +6007,62 @@
       </p:sp>
       <p:sp>
         <p:nvSpPr>
-          <p:cNvPr id="2" name="Title Placeholder 1"/>
-          <p:cNvSpPr>
-            <a:spLocks noGrp="1"/>
-          </p:cNvSpPr>
-          <p:nvPr>
-            <p:ph type="title"/>
+          <p:cNvPr id="5" name="Footer Placeholder 4"/>
+          <p:cNvSpPr>
+            <a:spLocks noGrp="1"/>
+          </p:cNvSpPr>
+          <p:nvPr>
+            <p:ph type="ftr" sz="quarter" idx="3"/>
           </p:nvPr>
         </p:nvSpPr>
         <p:spPr>
           <a:xfrm>
-            <a:off x="0" y="0"/>
-            <a:ext cx="9144000" cy="678666"/>
+            <a:off x="261865" y="6501045"/>
+            <a:ext cx="4114800" cy="329184"/>
+          </a:xfrm>
+          <a:prstGeom prst="rect">
+            <a:avLst/>
+          </a:prstGeom>
+          <a:solidFill>
+            <a:srgbClr val="A53926"/>
+          </a:solidFill>
+        </p:spPr>
+        <p:txBody>
+          <a:bodyPr vert="horz" lIns="91440" tIns="45720" rIns="91440" bIns="45720" rtlCol="0" anchor="ctr"/>
+          <a:lstStyle>
+            <a:lvl1pPr algn="ctr">
+              <a:defRPr sz="1200" b="1">
+                <a:solidFill>
+                  <a:srgbClr val="FFFFFF"/>
+                </a:solidFill>
+                <a:latin typeface="Times New Roman"/>
+                <a:cs typeface="Times New Roman"/>
+              </a:defRPr>
+            </a:lvl1pPr>
+          </a:lstStyle>
+          <a:p>
+            <a:r>
+              <a:rPr lang="en-US" smtClean="0"/>
+              <a:t>Sanjay Kalé and PPL (UIUC) – Parallel Migratable Objects </a:t>
+            </a:r>
+            <a:endParaRPr lang="en-US" dirty="0"/>
+          </a:p>
+        </p:txBody>
+      </p:sp>
+      <p:sp>
+        <p:nvSpPr>
+          <p:cNvPr id="2" name="Title Placeholder 1"/>
+          <p:cNvSpPr>
+            <a:spLocks noGrp="1"/>
+          </p:cNvSpPr>
+          <p:nvPr>
+            <p:ph type="title"/>
+          </p:nvPr>
+        </p:nvSpPr>
+        <p:spPr>
+          <a:xfrm>
+            <a:off x="0" y="-1"/>
+            <a:ext cx="9144000" cy="741859"/>
           </a:xfrm>
           <a:prstGeom prst="rect">
             <a:avLst/>
@@ -4479,7 +6081,7 @@
           <a:lstStyle/>
           <a:p>
             <a:r>
-              <a:rPr lang="en-US" dirty="0" smtClean="0"/>
+              <a:rPr lang="en-US" smtClean="0"/>
               <a:t>Click to edit Master title style</a:t>
             </a:r>
             <a:endParaRPr lang="en-US" dirty="0"/>
@@ -4498,50 +6100,50 @@
         </p:nvSpPr>
         <p:spPr>
           <a:xfrm>
-            <a:off x="457200" y="1143000"/>
-            <a:ext cx="8229600" cy="5235222"/>
+            <a:off x="261865" y="942770"/>
+            <a:ext cx="8615360" cy="5435452"/>
           </a:xfrm>
           <a:prstGeom prst="rect">
             <a:avLst/>
           </a:prstGeom>
         </p:spPr>
         <p:txBody>
-          <a:bodyPr vert="horz" lIns="91440" tIns="45720" rIns="91440" bIns="45720" rtlCol="0">
+          <a:bodyPr vert="horz" lIns="91440" tIns="45720" rIns="91440" bIns="45720" rtlCol="0" anchor="ctr">
             <a:normAutofit/>
           </a:bodyPr>
           <a:lstStyle/>
           <a:p>
             <a:pPr lvl="0"/>
             <a:r>
-              <a:rPr lang="en-US" dirty="0" smtClean="0"/>
+              <a:rPr lang="en-US" smtClean="0"/>
               <a:t>Click to edit Master text styles</a:t>
             </a:r>
           </a:p>
           <a:p>
             <a:pPr lvl="1"/>
             <a:r>
-              <a:rPr lang="en-US" dirty="0" smtClean="0"/>
+              <a:rPr lang="en-US" smtClean="0"/>
               <a:t>Second level</a:t>
             </a:r>
           </a:p>
           <a:p>
             <a:pPr lvl="2"/>
             <a:r>
-              <a:rPr lang="en-US" dirty="0" smtClean="0"/>
+              <a:rPr lang="en-US" smtClean="0"/>
               <a:t>Third level</a:t>
             </a:r>
           </a:p>
           <a:p>
             <a:pPr lvl="3"/>
             <a:r>
-              <a:rPr lang="en-US" dirty="0" smtClean="0"/>
+              <a:rPr lang="en-US" smtClean="0"/>
               <a:t>Fourth level</a:t>
             </a:r>
           </a:p>
           <a:p>
             <a:pPr lvl="4"/>
             <a:r>
-              <a:rPr lang="en-US" dirty="0" smtClean="0"/>
+              <a:rPr lang="en-US" smtClean="0"/>
               <a:t>Fifth level</a:t>
             </a:r>
             <a:endParaRPr lang="en-US" dirty="0"/>
@@ -4560,8 +6162,8 @@
         </p:nvSpPr>
         <p:spPr>
           <a:xfrm>
-            <a:off x="457200" y="6506351"/>
-            <a:ext cx="2895600" cy="329184"/>
+            <a:off x="4737100" y="6501045"/>
+            <a:ext cx="2726982" cy="329184"/>
           </a:xfrm>
           <a:prstGeom prst="rect">
             <a:avLst/>
@@ -4583,7 +6185,7 @@
           <a:p>
             <a:fld id="{D36DC8F2-AD63-E841-8C23-5DC3A41041BE}" type="datetime2">
               <a:rPr lang="en-US" smtClean="0"/>
-              <a:t>Tuesday, September 9, 14</a:t>
+              <a:t>Wednesday, September 10, 14</a:t>
             </a:fld>
             <a:endParaRPr lang="en-US" dirty="0"/>
           </a:p>
@@ -4591,62 +6193,18 @@
       </p:sp>
       <p:sp>
         <p:nvSpPr>
-          <p:cNvPr id="5" name="Footer Placeholder 4"/>
-          <p:cNvSpPr>
-            <a:spLocks noGrp="1"/>
-          </p:cNvSpPr>
-          <p:nvPr>
-            <p:ph type="ftr" sz="quarter" idx="3"/>
+          <p:cNvPr id="6" name="Slide Number Placeholder 5"/>
+          <p:cNvSpPr>
+            <a:spLocks noGrp="1"/>
+          </p:cNvSpPr>
+          <p:nvPr>
+            <p:ph type="sldNum" sz="quarter" idx="4"/>
           </p:nvPr>
         </p:nvSpPr>
         <p:spPr>
           <a:xfrm>
-            <a:off x="3429000" y="6501045"/>
-            <a:ext cx="4114800" cy="329184"/>
-          </a:xfrm>
-          <a:prstGeom prst="rect">
-            <a:avLst/>
-          </a:prstGeom>
-          <a:solidFill>
-            <a:srgbClr val="A53926"/>
-          </a:solidFill>
-        </p:spPr>
-        <p:txBody>
-          <a:bodyPr vert="horz" lIns="91440" tIns="45720" rIns="91440" bIns="45720" rtlCol="0" anchor="ctr"/>
-          <a:lstStyle>
-            <a:lvl1pPr algn="ctr">
-              <a:defRPr sz="1200" b="1">
-                <a:solidFill>
-                  <a:srgbClr val="FFFFFF"/>
-                </a:solidFill>
-                <a:latin typeface="Times New Roman"/>
-                <a:cs typeface="Times New Roman"/>
-              </a:defRPr>
-            </a:lvl1pPr>
-          </a:lstStyle>
-          <a:p>
-            <a:r>
-              <a:rPr lang="en-US" smtClean="0"/>
-              <a:t>Sanjay Kalé and PPL (UIUC) – Parallel Migratable Objects </a:t>
-            </a:r>
-            <a:endParaRPr lang="en-US" dirty="0"/>
-          </a:p>
-        </p:txBody>
-      </p:sp>
-      <p:sp>
-        <p:nvSpPr>
-          <p:cNvPr id="6" name="Slide Number Placeholder 5"/>
-          <p:cNvSpPr>
-            <a:spLocks noGrp="1"/>
-          </p:cNvSpPr>
-          <p:nvPr>
-            <p:ph type="sldNum" sz="quarter" idx="4"/>
-          </p:nvPr>
-        </p:nvSpPr>
-        <p:spPr>
-          <a:xfrm>
-            <a:off x="7620000" y="6506351"/>
-            <a:ext cx="1066800" cy="329184"/>
+            <a:off x="7646459" y="6506351"/>
+            <a:ext cx="1230766" cy="329184"/>
           </a:xfrm>
           <a:prstGeom prst="rect">
             <a:avLst/>
@@ -4679,19 +6237,22 @@
   </p:cSld>
   <p:clrMap bg1="lt1" tx1="dk1" bg2="lt2" tx2="dk2" accent1="accent1" accent2="accent2" accent3="accent3" accent4="accent4" accent5="accent5" accent6="accent6" hlink="hlink" folHlink="folHlink"/>
   <p:sldLayoutIdLst>
-    <p:sldLayoutId id="2147483961" r:id="rId1"/>
-    <p:sldLayoutId id="2147483962" r:id="rId2"/>
-    <p:sldLayoutId id="2147483973" r:id="rId3"/>
-    <p:sldLayoutId id="2147483963" r:id="rId4"/>
-    <p:sldLayoutId id="2147483964" r:id="rId5"/>
-    <p:sldLayoutId id="2147483965" r:id="rId6"/>
-    <p:sldLayoutId id="2147483972" r:id="rId7"/>
-    <p:sldLayoutId id="2147483966" r:id="rId8"/>
-    <p:sldLayoutId id="2147483967" r:id="rId9"/>
-    <p:sldLayoutId id="2147483968" r:id="rId10"/>
-    <p:sldLayoutId id="2147483969" r:id="rId11"/>
-    <p:sldLayoutId id="2147483970" r:id="rId12"/>
-    <p:sldLayoutId id="2147483971" r:id="rId13"/>
+    <p:sldLayoutId id="2147483975" r:id="rId1"/>
+    <p:sldLayoutId id="2147483976" r:id="rId2"/>
+    <p:sldLayoutId id="2147483977" r:id="rId3"/>
+    <p:sldLayoutId id="2147483978" r:id="rId4"/>
+    <p:sldLayoutId id="2147483979" r:id="rId5"/>
+    <p:sldLayoutId id="2147483980" r:id="rId6"/>
+    <p:sldLayoutId id="2147483981" r:id="rId7"/>
+    <p:sldLayoutId id="2147483982" r:id="rId8"/>
+    <p:sldLayoutId id="2147483983" r:id="rId9"/>
+    <p:sldLayoutId id="2147483984" r:id="rId10"/>
+    <p:sldLayoutId id="2147483985" r:id="rId11"/>
+    <p:sldLayoutId id="2147483986" r:id="rId12"/>
+    <p:sldLayoutId id="2147483987" r:id="rId13"/>
+    <p:sldLayoutId id="2147483961" r:id="rId14"/>
+    <p:sldLayoutId id="2147483973" r:id="rId15"/>
+    <p:sldLayoutId id="2147483972" r:id="rId16"/>
   </p:sldLayoutIdLst>
   <p:hf hdr="0"/>
   <p:txStyles>
@@ -5008,7 +6569,7 @@
         <p:spPr/>
         <p:txBody>
           <a:bodyPr>
-            <a:normAutofit fontScale="90000"/>
+            <a:normAutofit/>
           </a:bodyPr>
           <a:lstStyle/>
           <a:p>
@@ -5302,7 +6863,7 @@
           <a:p>
             <a:fld id="{7DCE861A-EA6B-EA43-8AA5-DB216DBB40BC}" type="datetime2">
               <a:rPr lang="en-US" smtClean="0"/>
-              <a:t>Tuesday, September 9, 14</a:t>
+              <a:t>Wednesday, September 10, 14</a:t>
             </a:fld>
             <a:endParaRPr lang="en-US"/>
           </a:p>
@@ -5481,7 +7042,7 @@
         <p:spPr/>
         <p:txBody>
           <a:bodyPr>
-            <a:normAutofit fontScale="90000"/>
+            <a:normAutofit/>
           </a:bodyPr>
           <a:lstStyle/>
           <a:p>
@@ -5676,7 +7237,7 @@
           <a:p>
             <a:fld id="{34621E95-60A9-FF44-9869-513D9D7A859F}" type="datetime2">
               <a:rPr lang="en-US" smtClean="0"/>
-              <a:t>Tuesday, September 9, 14</a:t>
+              <a:t>Wednesday, September 10, 14</a:t>
             </a:fld>
             <a:endParaRPr lang="en-US"/>
           </a:p>
@@ -5773,7 +7334,7 @@
         <p:spPr/>
         <p:txBody>
           <a:bodyPr>
-            <a:normAutofit fontScale="90000"/>
+            <a:normAutofit/>
           </a:bodyPr>
           <a:lstStyle/>
           <a:p>
@@ -5869,11 +7430,7 @@
             </a:r>
             <a:r>
               <a:rPr lang="en-US" dirty="0" smtClean="0"/>
-              <a:t> </a:t>
-            </a:r>
-            <a:r>
-              <a:rPr lang="en-US" dirty="0" smtClean="0"/>
-              <a:t>analysis: </a:t>
+              <a:t> analysis: </a:t>
             </a:r>
             <a:r>
               <a:rPr lang="en-US" dirty="0"/>
@@ -5884,11 +7441,7 @@
             <a:pPr lvl="1"/>
             <a:r>
               <a:rPr lang="en-US" dirty="0" smtClean="0"/>
-              <a:t>Noise </a:t>
-            </a:r>
-            <a:r>
-              <a:rPr lang="en-US" dirty="0" smtClean="0"/>
-              <a:t>miner: </a:t>
+              <a:t>Noise miner: </a:t>
             </a:r>
             <a:r>
               <a:rPr lang="en-US" dirty="0"/>
@@ -5914,7 +7467,7 @@
           <a:p>
             <a:fld id="{34621E95-60A9-FF44-9869-513D9D7A859F}" type="datetime2">
               <a:rPr lang="en-US" smtClean="0"/>
-              <a:t>Tuesday, September 9, 14</a:t>
+              <a:t>Wednesday, September 10, 14</a:t>
             </a:fld>
             <a:endParaRPr lang="en-US"/>
           </a:p>
@@ -6011,7 +7564,7 @@
         <p:spPr/>
         <p:txBody>
           <a:bodyPr>
-            <a:normAutofit fontScale="90000"/>
+            <a:normAutofit/>
           </a:bodyPr>
           <a:lstStyle/>
           <a:p>
@@ -6046,11 +7599,7 @@
             <a:pPr lvl="1"/>
             <a:r>
               <a:rPr lang="en-US" dirty="0" smtClean="0"/>
-              <a:t>Time </a:t>
-            </a:r>
-            <a:r>
-              <a:rPr lang="en-US" dirty="0" smtClean="0"/>
-              <a:t>profile: </a:t>
+              <a:t>Time profile: </a:t>
             </a:r>
             <a:r>
               <a:rPr lang="en-US" dirty="0"/>
@@ -6126,7 +7675,7 @@
           <a:p>
             <a:fld id="{34621E95-60A9-FF44-9869-513D9D7A859F}" type="datetime2">
               <a:rPr lang="en-US" smtClean="0"/>
-              <a:t>Tuesday, September 9, 14</a:t>
+              <a:t>Wednesday, September 10, 14</a:t>
             </a:fld>
             <a:endParaRPr lang="en-US"/>
           </a:p>
@@ -6223,7 +7772,7 @@
         <p:spPr/>
         <p:txBody>
           <a:bodyPr>
-            <a:normAutofit fontScale="90000"/>
+            <a:normAutofit/>
           </a:bodyPr>
           <a:lstStyle/>
           <a:p>
@@ -6318,7 +7867,7 @@
           <a:p>
             <a:fld id="{34621E95-60A9-FF44-9869-513D9D7A859F}" type="datetime2">
               <a:rPr lang="en-US" smtClean="0"/>
-              <a:t>Tuesday, September 9, 14</a:t>
+              <a:t>Wednesday, September 10, 14</a:t>
             </a:fld>
             <a:endParaRPr lang="en-US"/>
           </a:p>
@@ -6415,7 +7964,7 @@
         <p:spPr/>
         <p:txBody>
           <a:bodyPr>
-            <a:normAutofit fontScale="90000"/>
+            <a:normAutofit/>
           </a:bodyPr>
           <a:lstStyle/>
           <a:p>
@@ -6444,7 +7993,7 @@
               </a:ext>
             </a:extLst>
           </a:blip>
-          <a:srcRect t="-22096" b="-22096"/>
+          <a:srcRect t="-21502" b="-21502"/>
           <a:stretch>
             <a:fillRect/>
           </a:stretch>
@@ -6468,7 +8017,7 @@
           <a:p>
             <a:fld id="{34621E95-60A9-FF44-9869-513D9D7A859F}" type="datetime2">
               <a:rPr lang="en-US" smtClean="0"/>
-              <a:t>Tuesday, September 9, 14</a:t>
+              <a:t>Wednesday, September 10, 14</a:t>
             </a:fld>
             <a:endParaRPr lang="en-US"/>
           </a:p>
@@ -6565,7 +8114,7 @@
         <p:spPr/>
         <p:txBody>
           <a:bodyPr>
-            <a:normAutofit fontScale="90000"/>
+            <a:normAutofit/>
           </a:bodyPr>
           <a:lstStyle/>
           <a:p>
@@ -6598,7 +8147,7 @@
               </a:ext>
             </a:extLst>
           </a:blip>
-          <a:srcRect t="-22096" b="-22096"/>
+          <a:srcRect t="-21502" b="-21502"/>
           <a:stretch>
             <a:fillRect/>
           </a:stretch>
@@ -6622,7 +8171,7 @@
           <a:p>
             <a:fld id="{34621E95-60A9-FF44-9869-513D9D7A859F}" type="datetime2">
               <a:rPr lang="en-US" smtClean="0"/>
-              <a:t>Tuesday, September 9, 14</a:t>
+              <a:t>Wednesday, September 10, 14</a:t>
             </a:fld>
             <a:endParaRPr lang="en-US"/>
           </a:p>
@@ -6719,7 +8268,7 @@
         <p:spPr/>
         <p:txBody>
           <a:bodyPr>
-            <a:normAutofit fontScale="90000"/>
+            <a:normAutofit/>
           </a:bodyPr>
           <a:lstStyle/>
           <a:p>
@@ -6748,7 +8297,7 @@
               </a:ext>
             </a:extLst>
           </a:blip>
-          <a:srcRect t="-30210" b="-30210"/>
+          <a:srcRect t="-29549" b="-29549"/>
           <a:stretch>
             <a:fillRect/>
           </a:stretch>
@@ -6772,7 +8321,7 @@
           <a:p>
             <a:fld id="{34621E95-60A9-FF44-9869-513D9D7A859F}" type="datetime2">
               <a:rPr lang="en-US" smtClean="0"/>
-              <a:t>Tuesday, September 9, 14</a:t>
+              <a:t>Wednesday, September 10, 14</a:t>
             </a:fld>
             <a:endParaRPr lang="en-US"/>
           </a:p>
@@ -6869,7 +8418,7 @@
         <p:spPr/>
         <p:txBody>
           <a:bodyPr>
-            <a:normAutofit fontScale="90000"/>
+            <a:normAutofit/>
           </a:bodyPr>
           <a:lstStyle/>
           <a:p>
@@ -6898,7 +8447,7 @@
               </a:ext>
             </a:extLst>
           </a:blip>
-          <a:srcRect t="-22422" b="-22422"/>
+          <a:srcRect t="-21825" b="-21825"/>
           <a:stretch>
             <a:fillRect/>
           </a:stretch>
@@ -6922,7 +8471,7 @@
           <a:p>
             <a:fld id="{34621E95-60A9-FF44-9869-513D9D7A859F}" type="datetime2">
               <a:rPr lang="en-US" smtClean="0"/>
-              <a:t>Tuesday, September 9, 14</a:t>
+              <a:t>Wednesday, September 10, 14</a:t>
             </a:fld>
             <a:endParaRPr lang="en-US"/>
           </a:p>
@@ -6997,7 +8546,7 @@
 </file>
 
 <file path=ppt/theme/theme1.xml><?xml version="1.0" encoding="utf-8"?>
-<a:theme xmlns:a="http://schemas.openxmlformats.org/drawingml/2006/main" name="Clarity">
+<a:theme xmlns:a="http://schemas.openxmlformats.org/drawingml/2006/main" name="charm-pptx_theme">
   <a:themeElements>
     <a:clrScheme name="Clarity">
       <a:dk1>

--- a/tutorial-09-perf_tuning.pptx
+++ b/tutorial-09-perf_tuning.pptx
@@ -6951,18 +6951,17 @@
                             </p:stCondLst>
                             <p:childTnLst>
                               <p:par>
-                                <p:cTn id="5" presetID="1" presetClass="entr" presetSubtype="0" fill="hold" nodeType="withEffect">
+                                <p:cTn id="5" presetID="15" presetClass="emph" presetSubtype="0" nodeType="withEffect">
                                   <p:stCondLst>
                                     <p:cond delay="0"/>
                                   </p:stCondLst>
+                                  <p:iterate type="lt">
+                                    <p:tmAbs val="25"/>
+                                  </p:iterate>
                                   <p:childTnLst>
                                     <p:set>
-                                      <p:cBhvr>
-                                        <p:cTn id="6" dur="1" fill="hold">
-                                          <p:stCondLst>
-                                            <p:cond delay="0"/>
-                                          </p:stCondLst>
-                                        </p:cTn>
+                                      <p:cBhvr override="childStyle">
+                                        <p:cTn id="6" dur="indefinite"/>
                                         <p:tgtEl>
                                           <p:spTgt spid="3">
                                             <p:txEl>
@@ -6971,11 +6970,11 @@
                                           </p:spTgt>
                                         </p:tgtEl>
                                         <p:attrNameLst>
-                                          <p:attrName>style.visibility</p:attrName>
+                                          <p:attrName>style.fontWeight</p:attrName>
                                         </p:attrNameLst>
                                       </p:cBhvr>
                                       <p:to>
-                                        <p:strVal val="visible"/>
+                                        <p:strVal val="bold"/>
                                       </p:to>
                                     </p:set>
                                   </p:childTnLst>

--- a/tutorial-09-perf_tuning.pptx
+++ b/tutorial-09-perf_tuning.pptx
@@ -6031,7 +6031,7 @@
           <a:bodyPr vert="horz" lIns="91440" tIns="45720" rIns="91440" bIns="45720" rtlCol="0" anchor="ctr"/>
           <a:lstStyle>
             <a:lvl1pPr algn="ctr">
-              <a:defRPr sz="1200" b="1">
+              <a:defRPr sz="1200" b="0">
                 <a:solidFill>
                   <a:srgbClr val="FFFFFF"/>
                 </a:solidFill>
@@ -7300,6 +7300,13 @@
   <p:clrMapOvr>
     <a:masterClrMapping/>
   </p:clrMapOvr>
+  <p:timing>
+    <p:tnLst>
+      <p:par>
+        <p:cTn xmlns:p14="http://schemas.microsoft.com/office/powerpoint/2010/main" id="1" dur="indefinite" restart="never" nodeType="tmRoot"/>
+      </p:par>
+    </p:tnLst>
+  </p:timing>
 </p:sld>
 </file>
 
@@ -7530,6 +7537,13 @@
   <p:clrMapOvr>
     <a:masterClrMapping/>
   </p:clrMapOvr>
+  <p:timing>
+    <p:tnLst>
+      <p:par>
+        <p:cTn xmlns:p14="http://schemas.microsoft.com/office/powerpoint/2010/main" id="1" dur="indefinite" restart="never" nodeType="tmRoot"/>
+      </p:par>
+    </p:tnLst>
+  </p:timing>
 </p:sld>
 </file>
 
@@ -7738,6 +7752,13 @@
   <p:clrMapOvr>
     <a:masterClrMapping/>
   </p:clrMapOvr>
+  <p:timing>
+    <p:tnLst>
+      <p:par>
+        <p:cTn xmlns:p14="http://schemas.microsoft.com/office/powerpoint/2010/main" id="1" dur="indefinite" restart="never" nodeType="tmRoot"/>
+      </p:par>
+    </p:tnLst>
+  </p:timing>
 </p:sld>
 </file>
 
@@ -7930,6 +7951,13 @@
   <p:clrMapOvr>
     <a:masterClrMapping/>
   </p:clrMapOvr>
+  <p:timing>
+    <p:tnLst>
+      <p:par>
+        <p:cTn xmlns:p14="http://schemas.microsoft.com/office/powerpoint/2010/main" id="1" dur="indefinite" restart="never" nodeType="tmRoot"/>
+      </p:par>
+    </p:tnLst>
+  </p:timing>
 </p:sld>
 </file>
 
@@ -8080,6 +8108,13 @@
   <p:clrMapOvr>
     <a:masterClrMapping/>
   </p:clrMapOvr>
+  <p:timing>
+    <p:tnLst>
+      <p:par>
+        <p:cTn xmlns:p14="http://schemas.microsoft.com/office/powerpoint/2010/main" id="1" dur="indefinite" restart="never" nodeType="tmRoot"/>
+      </p:par>
+    </p:tnLst>
+  </p:timing>
 </p:sld>
 </file>
 
@@ -8234,6 +8269,13 @@
   <p:clrMapOvr>
     <a:masterClrMapping/>
   </p:clrMapOvr>
+  <p:timing>
+    <p:tnLst>
+      <p:par>
+        <p:cTn xmlns:p14="http://schemas.microsoft.com/office/powerpoint/2010/main" id="1" dur="indefinite" restart="never" nodeType="tmRoot"/>
+      </p:par>
+    </p:tnLst>
+  </p:timing>
 </p:sld>
 </file>
 
@@ -8384,6 +8426,13 @@
   <p:clrMapOvr>
     <a:masterClrMapping/>
   </p:clrMapOvr>
+  <p:timing>
+    <p:tnLst>
+      <p:par>
+        <p:cTn xmlns:p14="http://schemas.microsoft.com/office/powerpoint/2010/main" id="1" dur="indefinite" restart="never" nodeType="tmRoot"/>
+      </p:par>
+    </p:tnLst>
+  </p:timing>
 </p:sld>
 </file>
 

--- a/tutorial-09-perf_tuning.pptx
+++ b/tutorial-09-perf_tuning.pptx
@@ -6615,7 +6615,7 @@
             </a:r>
           </a:p>
           <a:p>
-            <a:pPr marL="681038" lvl="1" indent="-276225">
+            <a:pPr marL="955358" lvl="2" indent="-276225">
               <a:buClr>
                 <a:srgbClr val="0000FF"/>
               </a:buClr>
@@ -6624,12 +6624,12 @@
               <a:buChar char="•"/>
             </a:pPr>
             <a:r>
-              <a:rPr lang="en-US" dirty="0" smtClean="0"/>
+              <a:rPr lang="en-US" dirty="0"/>
               <a:t>Object Design</a:t>
             </a:r>
           </a:p>
           <a:p>
-            <a:pPr marL="681038" lvl="1" indent="-276225">
+            <a:pPr marL="955358" lvl="2" indent="-276225">
               <a:buClr>
                 <a:srgbClr val="0000FF"/>
               </a:buClr>
@@ -6638,7 +6638,7 @@
               <a:buChar char="•"/>
             </a:pPr>
             <a:r>
-              <a:rPr lang="en-US" dirty="0" smtClean="0"/>
+              <a:rPr lang="en-US" dirty="0"/>
               <a:t>Execution Model</a:t>
             </a:r>
           </a:p>
@@ -6653,7 +6653,11 @@
             </a:pPr>
             <a:r>
               <a:rPr lang="en-US" dirty="0" smtClean="0"/>
-              <a:t>Hello World</a:t>
+              <a:t>Hello </a:t>
+            </a:r>
+            <a:r>
+              <a:rPr lang="en-US" dirty="0" smtClean="0"/>
+              <a:t>World</a:t>
             </a:r>
           </a:p>
           <a:p>
@@ -6685,7 +6689,7 @@
             </a:r>
           </a:p>
           <a:p>
-            <a:pPr marL="681038" lvl="1" indent="-331788">
+            <a:pPr marL="954088" lvl="2" indent="-266700">
               <a:buClr>
                 <a:srgbClr val="0000FF"/>
               </a:buClr>
@@ -6694,7 +6698,7 @@
               <a:buChar char="•"/>
             </a:pPr>
             <a:r>
-              <a:rPr lang="en-US" dirty="0" smtClean="0"/>
+              <a:rPr lang="en-US" dirty="0"/>
               <a:t>Object Collections</a:t>
             </a:r>
           </a:p>
@@ -6729,7 +6733,7 @@
             <a:endParaRPr lang="en-US" dirty="0" smtClean="0"/>
           </a:p>
           <a:p>
-            <a:pPr marL="681038" lvl="1" indent="-385763">
+            <a:pPr marL="954088" lvl="2" indent="-266700">
               <a:buClr>
                 <a:srgbClr val="0000FF"/>
               </a:buClr>
@@ -6738,11 +6742,11 @@
               <a:buChar char="•"/>
             </a:pPr>
             <a:r>
-              <a:rPr lang="en-US" dirty="0" err="1" smtClean="0"/>
+              <a:rPr lang="en-US" dirty="0" err="1"/>
               <a:t>Checkpointing</a:t>
             </a:r>
             <a:r>
-              <a:rPr lang="en-US" dirty="0" smtClean="0"/>
+              <a:rPr lang="en-US" dirty="0"/>
               <a:t> and Resilience</a:t>
             </a:r>
           </a:p>
@@ -6757,7 +6761,11 @@
             </a:pPr>
             <a:r>
               <a:rPr lang="en-US" dirty="0" smtClean="0"/>
-              <a:t>Structured Dagger</a:t>
+              <a:t>Structured </a:t>
+            </a:r>
+            <a:r>
+              <a:rPr lang="en-US" dirty="0" smtClean="0"/>
+              <a:t>Dagger</a:t>
             </a:r>
           </a:p>
           <a:p>
@@ -7303,9 +7311,322 @@
   <p:timing>
     <p:tnLst>
       <p:par>
-        <p:cTn xmlns:p14="http://schemas.microsoft.com/office/powerpoint/2010/main" id="1" dur="indefinite" restart="never" nodeType="tmRoot"/>
+        <p:cTn xmlns:p14="http://schemas.microsoft.com/office/powerpoint/2010/main" id="1" dur="indefinite" restart="never" nodeType="tmRoot">
+          <p:childTnLst>
+            <p:seq concurrent="1" nextAc="seek">
+              <p:cTn id="2" dur="indefinite" nodeType="mainSeq">
+                <p:childTnLst>
+                  <p:par>
+                    <p:cTn id="3" fill="hold">
+                      <p:stCondLst>
+                        <p:cond delay="indefinite"/>
+                        <p:cond evt="onBegin" delay="0">
+                          <p:tn val="2"/>
+                        </p:cond>
+                      </p:stCondLst>
+                      <p:childTnLst>
+                        <p:par>
+                          <p:cTn id="4" fill="hold">
+                            <p:stCondLst>
+                              <p:cond delay="0"/>
+                            </p:stCondLst>
+                            <p:childTnLst>
+                              <p:par>
+                                <p:cTn id="5" presetID="1" presetClass="entr" presetSubtype="0" fill="hold" grpId="0" nodeType="withEffect">
+                                  <p:stCondLst>
+                                    <p:cond delay="0"/>
+                                  </p:stCondLst>
+                                  <p:childTnLst>
+                                    <p:set>
+                                      <p:cBhvr>
+                                        <p:cTn id="6" dur="1" fill="hold">
+                                          <p:stCondLst>
+                                            <p:cond delay="0"/>
+                                          </p:stCondLst>
+                                        </p:cTn>
+                                        <p:tgtEl>
+                                          <p:spTgt spid="3">
+                                            <p:txEl>
+                                              <p:pRg st="0" end="0"/>
+                                            </p:txEl>
+                                          </p:spTgt>
+                                        </p:tgtEl>
+                                        <p:attrNameLst>
+                                          <p:attrName>style.visibility</p:attrName>
+                                        </p:attrNameLst>
+                                      </p:cBhvr>
+                                      <p:to>
+                                        <p:strVal val="visible"/>
+                                      </p:to>
+                                    </p:set>
+                                  </p:childTnLst>
+                                </p:cTn>
+                              </p:par>
+                              <p:par>
+                                <p:cTn id="7" presetID="1" presetClass="entr" presetSubtype="0" fill="hold" grpId="0" nodeType="withEffect">
+                                  <p:stCondLst>
+                                    <p:cond delay="0"/>
+                                  </p:stCondLst>
+                                  <p:childTnLst>
+                                    <p:set>
+                                      <p:cBhvr>
+                                        <p:cTn id="8" dur="1" fill="hold">
+                                          <p:stCondLst>
+                                            <p:cond delay="0"/>
+                                          </p:stCondLst>
+                                        </p:cTn>
+                                        <p:tgtEl>
+                                          <p:spTgt spid="3">
+                                            <p:txEl>
+                                              <p:pRg st="1" end="1"/>
+                                            </p:txEl>
+                                          </p:spTgt>
+                                        </p:tgtEl>
+                                        <p:attrNameLst>
+                                          <p:attrName>style.visibility</p:attrName>
+                                        </p:attrNameLst>
+                                      </p:cBhvr>
+                                      <p:to>
+                                        <p:strVal val="visible"/>
+                                      </p:to>
+                                    </p:set>
+                                  </p:childTnLst>
+                                </p:cTn>
+                              </p:par>
+                              <p:par>
+                                <p:cTn id="9" presetID="1" presetClass="entr" presetSubtype="0" fill="hold" grpId="0" nodeType="withEffect">
+                                  <p:stCondLst>
+                                    <p:cond delay="0"/>
+                                  </p:stCondLst>
+                                  <p:childTnLst>
+                                    <p:set>
+                                      <p:cBhvr>
+                                        <p:cTn id="10" dur="1" fill="hold">
+                                          <p:stCondLst>
+                                            <p:cond delay="0"/>
+                                          </p:stCondLst>
+                                        </p:cTn>
+                                        <p:tgtEl>
+                                          <p:spTgt spid="3">
+                                            <p:txEl>
+                                              <p:pRg st="2" end="2"/>
+                                            </p:txEl>
+                                          </p:spTgt>
+                                        </p:tgtEl>
+                                        <p:attrNameLst>
+                                          <p:attrName>style.visibility</p:attrName>
+                                        </p:attrNameLst>
+                                      </p:cBhvr>
+                                      <p:to>
+                                        <p:strVal val="visible"/>
+                                      </p:to>
+                                    </p:set>
+                                  </p:childTnLst>
+                                </p:cTn>
+                              </p:par>
+                              <p:par>
+                                <p:cTn id="11" presetID="1" presetClass="entr" presetSubtype="0" fill="hold" grpId="0" nodeType="withEffect">
+                                  <p:stCondLst>
+                                    <p:cond delay="0"/>
+                                  </p:stCondLst>
+                                  <p:childTnLst>
+                                    <p:set>
+                                      <p:cBhvr>
+                                        <p:cTn id="12" dur="1" fill="hold">
+                                          <p:stCondLst>
+                                            <p:cond delay="0"/>
+                                          </p:stCondLst>
+                                        </p:cTn>
+                                        <p:tgtEl>
+                                          <p:spTgt spid="3">
+                                            <p:txEl>
+                                              <p:pRg st="3" end="3"/>
+                                            </p:txEl>
+                                          </p:spTgt>
+                                        </p:tgtEl>
+                                        <p:attrNameLst>
+                                          <p:attrName>style.visibility</p:attrName>
+                                        </p:attrNameLst>
+                                      </p:cBhvr>
+                                      <p:to>
+                                        <p:strVal val="visible"/>
+                                      </p:to>
+                                    </p:set>
+                                  </p:childTnLst>
+                                </p:cTn>
+                              </p:par>
+                            </p:childTnLst>
+                          </p:cTn>
+                        </p:par>
+                      </p:childTnLst>
+                    </p:cTn>
+                  </p:par>
+                  <p:par>
+                    <p:cTn id="13" fill="hold">
+                      <p:stCondLst>
+                        <p:cond delay="indefinite"/>
+                      </p:stCondLst>
+                      <p:childTnLst>
+                        <p:par>
+                          <p:cTn id="14" fill="hold">
+                            <p:stCondLst>
+                              <p:cond delay="0"/>
+                            </p:stCondLst>
+                            <p:childTnLst>
+                              <p:par>
+                                <p:cTn id="15" presetID="1" presetClass="entr" presetSubtype="0" fill="hold" grpId="0" nodeType="clickEffect">
+                                  <p:stCondLst>
+                                    <p:cond delay="0"/>
+                                  </p:stCondLst>
+                                  <p:childTnLst>
+                                    <p:set>
+                                      <p:cBhvr>
+                                        <p:cTn id="16" dur="1" fill="hold">
+                                          <p:stCondLst>
+                                            <p:cond delay="0"/>
+                                          </p:stCondLst>
+                                        </p:cTn>
+                                        <p:tgtEl>
+                                          <p:spTgt spid="3">
+                                            <p:txEl>
+                                              <p:pRg st="4" end="4"/>
+                                            </p:txEl>
+                                          </p:spTgt>
+                                        </p:tgtEl>
+                                        <p:attrNameLst>
+                                          <p:attrName>style.visibility</p:attrName>
+                                        </p:attrNameLst>
+                                      </p:cBhvr>
+                                      <p:to>
+                                        <p:strVal val="visible"/>
+                                      </p:to>
+                                    </p:set>
+                                  </p:childTnLst>
+                                </p:cTn>
+                              </p:par>
+                              <p:par>
+                                <p:cTn id="17" presetID="1" presetClass="entr" presetSubtype="0" fill="hold" grpId="0" nodeType="withEffect">
+                                  <p:stCondLst>
+                                    <p:cond delay="0"/>
+                                  </p:stCondLst>
+                                  <p:childTnLst>
+                                    <p:set>
+                                      <p:cBhvr>
+                                        <p:cTn id="18" dur="1" fill="hold">
+                                          <p:stCondLst>
+                                            <p:cond delay="0"/>
+                                          </p:stCondLst>
+                                        </p:cTn>
+                                        <p:tgtEl>
+                                          <p:spTgt spid="3">
+                                            <p:txEl>
+                                              <p:pRg st="5" end="5"/>
+                                            </p:txEl>
+                                          </p:spTgt>
+                                        </p:tgtEl>
+                                        <p:attrNameLst>
+                                          <p:attrName>style.visibility</p:attrName>
+                                        </p:attrNameLst>
+                                      </p:cBhvr>
+                                      <p:to>
+                                        <p:strVal val="visible"/>
+                                      </p:to>
+                                    </p:set>
+                                  </p:childTnLst>
+                                </p:cTn>
+                              </p:par>
+                              <p:par>
+                                <p:cTn id="19" presetID="1" presetClass="entr" presetSubtype="0" fill="hold" grpId="0" nodeType="withEffect">
+                                  <p:stCondLst>
+                                    <p:cond delay="0"/>
+                                  </p:stCondLst>
+                                  <p:childTnLst>
+                                    <p:set>
+                                      <p:cBhvr>
+                                        <p:cTn id="20" dur="1" fill="hold">
+                                          <p:stCondLst>
+                                            <p:cond delay="0"/>
+                                          </p:stCondLst>
+                                        </p:cTn>
+                                        <p:tgtEl>
+                                          <p:spTgt spid="3">
+                                            <p:txEl>
+                                              <p:pRg st="6" end="6"/>
+                                            </p:txEl>
+                                          </p:spTgt>
+                                        </p:tgtEl>
+                                        <p:attrNameLst>
+                                          <p:attrName>style.visibility</p:attrName>
+                                        </p:attrNameLst>
+                                      </p:cBhvr>
+                                      <p:to>
+                                        <p:strVal val="visible"/>
+                                      </p:to>
+                                    </p:set>
+                                  </p:childTnLst>
+                                </p:cTn>
+                              </p:par>
+                              <p:par>
+                                <p:cTn id="21" presetID="1" presetClass="entr" presetSubtype="0" fill="hold" grpId="0" nodeType="withEffect">
+                                  <p:stCondLst>
+                                    <p:cond delay="0"/>
+                                  </p:stCondLst>
+                                  <p:childTnLst>
+                                    <p:set>
+                                      <p:cBhvr>
+                                        <p:cTn id="22" dur="1" fill="hold">
+                                          <p:stCondLst>
+                                            <p:cond delay="0"/>
+                                          </p:stCondLst>
+                                        </p:cTn>
+                                        <p:tgtEl>
+                                          <p:spTgt spid="3">
+                                            <p:txEl>
+                                              <p:pRg st="7" end="7"/>
+                                            </p:txEl>
+                                          </p:spTgt>
+                                        </p:tgtEl>
+                                        <p:attrNameLst>
+                                          <p:attrName>style.visibility</p:attrName>
+                                        </p:attrNameLst>
+                                      </p:cBhvr>
+                                      <p:to>
+                                        <p:strVal val="visible"/>
+                                      </p:to>
+                                    </p:set>
+                                  </p:childTnLst>
+                                </p:cTn>
+                              </p:par>
+                            </p:childTnLst>
+                          </p:cTn>
+                        </p:par>
+                      </p:childTnLst>
+                    </p:cTn>
+                  </p:par>
+                </p:childTnLst>
+              </p:cTn>
+              <p:prevCondLst>
+                <p:cond evt="onPrev" delay="0">
+                  <p:tgtEl>
+                    <p:sldTgt/>
+                  </p:tgtEl>
+                </p:cond>
+              </p:prevCondLst>
+              <p:nextCondLst>
+                <p:cond evt="onNext" delay="0">
+                  <p:tgtEl>
+                    <p:sldTgt/>
+                  </p:tgtEl>
+                </p:cond>
+              </p:nextCondLst>
+            </p:seq>
+          </p:childTnLst>
+        </p:cTn>
       </p:par>
     </p:tnLst>
+    <p:bldLst>
+      <p:bldP spid="3" grpId="0" build="p"/>
+    </p:bldLst>
   </p:timing>
 </p:sld>
 </file>
@@ -7540,9 +7861,402 @@
   <p:timing>
     <p:tnLst>
       <p:par>
-        <p:cTn xmlns:p14="http://schemas.microsoft.com/office/powerpoint/2010/main" id="1" dur="indefinite" restart="never" nodeType="tmRoot"/>
+        <p:cTn xmlns:p14="http://schemas.microsoft.com/office/powerpoint/2010/main" id="1" dur="indefinite" restart="never" nodeType="tmRoot">
+          <p:childTnLst>
+            <p:seq concurrent="1" nextAc="seek">
+              <p:cTn id="2" dur="indefinite" nodeType="mainSeq">
+                <p:childTnLst>
+                  <p:par>
+                    <p:cTn id="3" fill="hold">
+                      <p:stCondLst>
+                        <p:cond delay="indefinite"/>
+                        <p:cond evt="onBegin" delay="0">
+                          <p:tn val="2"/>
+                        </p:cond>
+                      </p:stCondLst>
+                      <p:childTnLst>
+                        <p:par>
+                          <p:cTn id="4" fill="hold">
+                            <p:stCondLst>
+                              <p:cond delay="0"/>
+                            </p:stCondLst>
+                            <p:childTnLst>
+                              <p:par>
+                                <p:cTn id="5" presetID="1" presetClass="entr" presetSubtype="0" fill="hold" grpId="0" nodeType="withEffect">
+                                  <p:stCondLst>
+                                    <p:cond delay="0"/>
+                                  </p:stCondLst>
+                                  <p:childTnLst>
+                                    <p:set>
+                                      <p:cBhvr>
+                                        <p:cTn id="6" dur="1" fill="hold">
+                                          <p:stCondLst>
+                                            <p:cond delay="0"/>
+                                          </p:stCondLst>
+                                        </p:cTn>
+                                        <p:tgtEl>
+                                          <p:spTgt spid="3">
+                                            <p:txEl>
+                                              <p:pRg st="0" end="0"/>
+                                            </p:txEl>
+                                          </p:spTgt>
+                                        </p:tgtEl>
+                                        <p:attrNameLst>
+                                          <p:attrName>style.visibility</p:attrName>
+                                        </p:attrNameLst>
+                                      </p:cBhvr>
+                                      <p:to>
+                                        <p:strVal val="visible"/>
+                                      </p:to>
+                                    </p:set>
+                                  </p:childTnLst>
+                                </p:cTn>
+                              </p:par>
+                              <p:par>
+                                <p:cTn id="7" presetID="1" presetClass="entr" presetSubtype="0" fill="hold" grpId="0" nodeType="withEffect">
+                                  <p:stCondLst>
+                                    <p:cond delay="0"/>
+                                  </p:stCondLst>
+                                  <p:childTnLst>
+                                    <p:set>
+                                      <p:cBhvr>
+                                        <p:cTn id="8" dur="1" fill="hold">
+                                          <p:stCondLst>
+                                            <p:cond delay="0"/>
+                                          </p:stCondLst>
+                                        </p:cTn>
+                                        <p:tgtEl>
+                                          <p:spTgt spid="3">
+                                            <p:txEl>
+                                              <p:pRg st="1" end="1"/>
+                                            </p:txEl>
+                                          </p:spTgt>
+                                        </p:tgtEl>
+                                        <p:attrNameLst>
+                                          <p:attrName>style.visibility</p:attrName>
+                                        </p:attrNameLst>
+                                      </p:cBhvr>
+                                      <p:to>
+                                        <p:strVal val="visible"/>
+                                      </p:to>
+                                    </p:set>
+                                  </p:childTnLst>
+                                </p:cTn>
+                              </p:par>
+                              <p:par>
+                                <p:cTn id="9" presetID="1" presetClass="entr" presetSubtype="0" fill="hold" grpId="0" nodeType="withEffect">
+                                  <p:stCondLst>
+                                    <p:cond delay="0"/>
+                                  </p:stCondLst>
+                                  <p:childTnLst>
+                                    <p:set>
+                                      <p:cBhvr>
+                                        <p:cTn id="10" dur="1" fill="hold">
+                                          <p:stCondLst>
+                                            <p:cond delay="0"/>
+                                          </p:stCondLst>
+                                        </p:cTn>
+                                        <p:tgtEl>
+                                          <p:spTgt spid="3">
+                                            <p:txEl>
+                                              <p:pRg st="2" end="2"/>
+                                            </p:txEl>
+                                          </p:spTgt>
+                                        </p:tgtEl>
+                                        <p:attrNameLst>
+                                          <p:attrName>style.visibility</p:attrName>
+                                        </p:attrNameLst>
+                                      </p:cBhvr>
+                                      <p:to>
+                                        <p:strVal val="visible"/>
+                                      </p:to>
+                                    </p:set>
+                                  </p:childTnLst>
+                                </p:cTn>
+                              </p:par>
+                              <p:par>
+                                <p:cTn id="11" presetID="1" presetClass="entr" presetSubtype="0" fill="hold" grpId="0" nodeType="withEffect">
+                                  <p:stCondLst>
+                                    <p:cond delay="0"/>
+                                  </p:stCondLst>
+                                  <p:childTnLst>
+                                    <p:set>
+                                      <p:cBhvr>
+                                        <p:cTn id="12" dur="1" fill="hold">
+                                          <p:stCondLst>
+                                            <p:cond delay="0"/>
+                                          </p:stCondLst>
+                                        </p:cTn>
+                                        <p:tgtEl>
+                                          <p:spTgt spid="3">
+                                            <p:txEl>
+                                              <p:pRg st="3" end="3"/>
+                                            </p:txEl>
+                                          </p:spTgt>
+                                        </p:tgtEl>
+                                        <p:attrNameLst>
+                                          <p:attrName>style.visibility</p:attrName>
+                                        </p:attrNameLst>
+                                      </p:cBhvr>
+                                      <p:to>
+                                        <p:strVal val="visible"/>
+                                      </p:to>
+                                    </p:set>
+                                  </p:childTnLst>
+                                </p:cTn>
+                              </p:par>
+                            </p:childTnLst>
+                          </p:cTn>
+                        </p:par>
+                      </p:childTnLst>
+                    </p:cTn>
+                  </p:par>
+                  <p:par>
+                    <p:cTn id="13" fill="hold">
+                      <p:stCondLst>
+                        <p:cond delay="indefinite"/>
+                      </p:stCondLst>
+                      <p:childTnLst>
+                        <p:par>
+                          <p:cTn id="14" fill="hold">
+                            <p:stCondLst>
+                              <p:cond delay="0"/>
+                            </p:stCondLst>
+                            <p:childTnLst>
+                              <p:par>
+                                <p:cTn id="15" presetID="1" presetClass="entr" presetSubtype="0" fill="hold" grpId="0" nodeType="clickEffect">
+                                  <p:stCondLst>
+                                    <p:cond delay="0"/>
+                                  </p:stCondLst>
+                                  <p:childTnLst>
+                                    <p:set>
+                                      <p:cBhvr>
+                                        <p:cTn id="16" dur="1" fill="hold">
+                                          <p:stCondLst>
+                                            <p:cond delay="0"/>
+                                          </p:stCondLst>
+                                        </p:cTn>
+                                        <p:tgtEl>
+                                          <p:spTgt spid="3">
+                                            <p:txEl>
+                                              <p:pRg st="4" end="4"/>
+                                            </p:txEl>
+                                          </p:spTgt>
+                                        </p:tgtEl>
+                                        <p:attrNameLst>
+                                          <p:attrName>style.visibility</p:attrName>
+                                        </p:attrNameLst>
+                                      </p:cBhvr>
+                                      <p:to>
+                                        <p:strVal val="visible"/>
+                                      </p:to>
+                                    </p:set>
+                                  </p:childTnLst>
+                                </p:cTn>
+                              </p:par>
+                              <p:par>
+                                <p:cTn id="17" presetID="1" presetClass="entr" presetSubtype="0" fill="hold" grpId="0" nodeType="withEffect">
+                                  <p:stCondLst>
+                                    <p:cond delay="0"/>
+                                  </p:stCondLst>
+                                  <p:childTnLst>
+                                    <p:set>
+                                      <p:cBhvr>
+                                        <p:cTn id="18" dur="1" fill="hold">
+                                          <p:stCondLst>
+                                            <p:cond delay="0"/>
+                                          </p:stCondLst>
+                                        </p:cTn>
+                                        <p:tgtEl>
+                                          <p:spTgt spid="3">
+                                            <p:txEl>
+                                              <p:pRg st="5" end="5"/>
+                                            </p:txEl>
+                                          </p:spTgt>
+                                        </p:tgtEl>
+                                        <p:attrNameLst>
+                                          <p:attrName>style.visibility</p:attrName>
+                                        </p:attrNameLst>
+                                      </p:cBhvr>
+                                      <p:to>
+                                        <p:strVal val="visible"/>
+                                      </p:to>
+                                    </p:set>
+                                  </p:childTnLst>
+                                </p:cTn>
+                              </p:par>
+                              <p:par>
+                                <p:cTn id="19" presetID="1" presetClass="entr" presetSubtype="0" fill="hold" grpId="0" nodeType="withEffect">
+                                  <p:stCondLst>
+                                    <p:cond delay="0"/>
+                                  </p:stCondLst>
+                                  <p:childTnLst>
+                                    <p:set>
+                                      <p:cBhvr>
+                                        <p:cTn id="20" dur="1" fill="hold">
+                                          <p:stCondLst>
+                                            <p:cond delay="0"/>
+                                          </p:stCondLst>
+                                        </p:cTn>
+                                        <p:tgtEl>
+                                          <p:spTgt spid="3">
+                                            <p:txEl>
+                                              <p:pRg st="6" end="6"/>
+                                            </p:txEl>
+                                          </p:spTgt>
+                                        </p:tgtEl>
+                                        <p:attrNameLst>
+                                          <p:attrName>style.visibility</p:attrName>
+                                        </p:attrNameLst>
+                                      </p:cBhvr>
+                                      <p:to>
+                                        <p:strVal val="visible"/>
+                                      </p:to>
+                                    </p:set>
+                                  </p:childTnLst>
+                                </p:cTn>
+                              </p:par>
+                            </p:childTnLst>
+                          </p:cTn>
+                        </p:par>
+                      </p:childTnLst>
+                    </p:cTn>
+                  </p:par>
+                  <p:par>
+                    <p:cTn id="21" fill="hold">
+                      <p:stCondLst>
+                        <p:cond delay="indefinite"/>
+                      </p:stCondLst>
+                      <p:childTnLst>
+                        <p:par>
+                          <p:cTn id="22" fill="hold">
+                            <p:stCondLst>
+                              <p:cond delay="0"/>
+                            </p:stCondLst>
+                            <p:childTnLst>
+                              <p:par>
+                                <p:cTn id="23" presetID="1" presetClass="entr" presetSubtype="0" fill="hold" grpId="0" nodeType="clickEffect">
+                                  <p:stCondLst>
+                                    <p:cond delay="0"/>
+                                  </p:stCondLst>
+                                  <p:childTnLst>
+                                    <p:set>
+                                      <p:cBhvr>
+                                        <p:cTn id="24" dur="1" fill="hold">
+                                          <p:stCondLst>
+                                            <p:cond delay="0"/>
+                                          </p:stCondLst>
+                                        </p:cTn>
+                                        <p:tgtEl>
+                                          <p:spTgt spid="3">
+                                            <p:txEl>
+                                              <p:pRg st="7" end="7"/>
+                                            </p:txEl>
+                                          </p:spTgt>
+                                        </p:tgtEl>
+                                        <p:attrNameLst>
+                                          <p:attrName>style.visibility</p:attrName>
+                                        </p:attrNameLst>
+                                      </p:cBhvr>
+                                      <p:to>
+                                        <p:strVal val="visible"/>
+                                      </p:to>
+                                    </p:set>
+                                  </p:childTnLst>
+                                </p:cTn>
+                              </p:par>
+                              <p:par>
+                                <p:cTn id="25" presetID="1" presetClass="entr" presetSubtype="0" fill="hold" grpId="0" nodeType="withEffect">
+                                  <p:stCondLst>
+                                    <p:cond delay="0"/>
+                                  </p:stCondLst>
+                                  <p:childTnLst>
+                                    <p:set>
+                                      <p:cBhvr>
+                                        <p:cTn id="26" dur="1" fill="hold">
+                                          <p:stCondLst>
+                                            <p:cond delay="0"/>
+                                          </p:stCondLst>
+                                        </p:cTn>
+                                        <p:tgtEl>
+                                          <p:spTgt spid="3">
+                                            <p:txEl>
+                                              <p:pRg st="8" end="8"/>
+                                            </p:txEl>
+                                          </p:spTgt>
+                                        </p:tgtEl>
+                                        <p:attrNameLst>
+                                          <p:attrName>style.visibility</p:attrName>
+                                        </p:attrNameLst>
+                                      </p:cBhvr>
+                                      <p:to>
+                                        <p:strVal val="visible"/>
+                                      </p:to>
+                                    </p:set>
+                                  </p:childTnLst>
+                                </p:cTn>
+                              </p:par>
+                              <p:par>
+                                <p:cTn id="27" presetID="1" presetClass="entr" presetSubtype="0" fill="hold" grpId="0" nodeType="withEffect">
+                                  <p:stCondLst>
+                                    <p:cond delay="0"/>
+                                  </p:stCondLst>
+                                  <p:childTnLst>
+                                    <p:set>
+                                      <p:cBhvr>
+                                        <p:cTn id="28" dur="1" fill="hold">
+                                          <p:stCondLst>
+                                            <p:cond delay="0"/>
+                                          </p:stCondLst>
+                                        </p:cTn>
+                                        <p:tgtEl>
+                                          <p:spTgt spid="3">
+                                            <p:txEl>
+                                              <p:pRg st="9" end="9"/>
+                                            </p:txEl>
+                                          </p:spTgt>
+                                        </p:tgtEl>
+                                        <p:attrNameLst>
+                                          <p:attrName>style.visibility</p:attrName>
+                                        </p:attrNameLst>
+                                      </p:cBhvr>
+                                      <p:to>
+                                        <p:strVal val="visible"/>
+                                      </p:to>
+                                    </p:set>
+                                  </p:childTnLst>
+                                </p:cTn>
+                              </p:par>
+                            </p:childTnLst>
+                          </p:cTn>
+                        </p:par>
+                      </p:childTnLst>
+                    </p:cTn>
+                  </p:par>
+                </p:childTnLst>
+              </p:cTn>
+              <p:prevCondLst>
+                <p:cond evt="onPrev" delay="0">
+                  <p:tgtEl>
+                    <p:sldTgt/>
+                  </p:tgtEl>
+                </p:cond>
+              </p:prevCondLst>
+              <p:nextCondLst>
+                <p:cond evt="onNext" delay="0">
+                  <p:tgtEl>
+                    <p:sldTgt/>
+                  </p:tgtEl>
+                </p:cond>
+              </p:nextCondLst>
+            </p:seq>
+          </p:childTnLst>
+        </p:cTn>
       </p:par>
     </p:tnLst>
+    <p:bldLst>
+      <p:bldP spid="3" grpId="0" uiExpand="1" build="p"/>
+    </p:bldLst>
   </p:timing>
 </p:sld>
 </file>

--- a/tutorial-09-perf_tuning.pptx
+++ b/tutorial-09-perf_tuning.pptx
@@ -209,7 +209,7 @@
           <a:p>
             <a:fld id="{775CE290-E0F5-444C-B849-A8F17CD4104C}" type="datetimeFigureOut">
               <a:rPr lang="en-US" smtClean="0"/>
-              <a:t>9/10/14</a:t>
+              <a:t>9/12/14</a:t>
             </a:fld>
             <a:endParaRPr lang="en-US"/>
           </a:p>
@@ -375,7 +375,7 @@
           <a:p>
             <a:fld id="{AD53A24C-4135-094C-957B-35852E7EDFA4}" type="datetimeFigureOut">
               <a:rPr lang="en-US" smtClean="0"/>
-              <a:t>9/10/14</a:t>
+              <a:t>9/12/14</a:t>
             </a:fld>
             <a:endParaRPr lang="en-US"/>
           </a:p>
@@ -834,9 +834,9 @@
           <a:bodyPr/>
           <a:lstStyle/>
           <a:p>
-            <a:fld id="{B594EA25-E4F4-3746-A0BA-A11E27330E0F}" type="datetime2">
-              <a:rPr lang="en-US" smtClean="0"/>
-              <a:t>Wednesday, September 10, 14</a:t>
+            <a:fld id="{722FE9AA-233B-D242-97B8-16339A4EB3AC}" type="datetime2">
+              <a:rPr lang="en-US" smtClean="0"/>
+              <a:t>Friday, September 12, 14</a:t>
             </a:fld>
             <a:endParaRPr lang="en-US"/>
           </a:p>
@@ -860,7 +860,7 @@
             <a:pPr algn="r"/>
             <a:r>
               <a:rPr lang="en-US" smtClean="0"/>
-              <a:t>Sanjay Kalé and PPL (UIUC) – Parallel Migratable Objects </a:t>
+              <a:t>Laxmikant Kalé and PPL (UIUC) – Parallel Migratable Objects </a:t>
             </a:r>
             <a:endParaRPr lang="en-US" dirty="0"/>
           </a:p>
@@ -1139,7 +1139,7 @@
                 <a:latin typeface="Times New Roman"/>
                 <a:cs typeface="Times New Roman"/>
               </a:rPr>
-              <a:t>September 10, 2014</a:t>
+              <a:t>September 12, 2014</a:t>
             </a:fld>
             <a:endParaRPr lang="en-US" dirty="0">
               <a:latin typeface="Times New Roman"/>
@@ -1413,7 +1413,7 @@
                 <a:latin typeface="Times New Roman"/>
                 <a:cs typeface="Times New Roman"/>
               </a:rPr>
-              <a:t>September 10, 2014</a:t>
+              <a:t>September 12, 2014</a:t>
             </a:fld>
             <a:endParaRPr lang="en-US" dirty="0">
               <a:latin typeface="Times New Roman"/>
@@ -1646,9 +1646,9 @@
           <a:bodyPr/>
           <a:lstStyle/>
           <a:p>
-            <a:fld id="{EA699BF9-66CB-F244-8E74-7B1BE1C77046}" type="datetime2">
-              <a:rPr lang="en-US" smtClean="0"/>
-              <a:t>Wednesday, September 10, 14</a:t>
+            <a:fld id="{EE77B251-8395-6C4B-9D60-8C4B36DEFCD9}" type="datetime2">
+              <a:rPr lang="en-US" smtClean="0"/>
+              <a:t>Friday, September 12, 14</a:t>
             </a:fld>
             <a:endParaRPr lang="en-US"/>
           </a:p>
@@ -1672,7 +1672,7 @@
             <a:pPr algn="r"/>
             <a:r>
               <a:rPr lang="en-US" smtClean="0"/>
-              <a:t>Sanjay Kalé and PPL (UIUC) – Parallel Migratable Objects </a:t>
+              <a:t>Laxmikant Kalé and PPL (UIUC) – Parallel Migratable Objects </a:t>
             </a:r>
             <a:endParaRPr lang="en-US" dirty="0"/>
           </a:p>
@@ -1957,9 +1957,9 @@
           <a:bodyPr/>
           <a:lstStyle/>
           <a:p>
-            <a:fld id="{D300BE84-9843-8B4F-B3C8-647B06AC46C9}" type="datetime2">
-              <a:rPr lang="en-US" smtClean="0"/>
-              <a:t>Wednesday, September 10, 14</a:t>
+            <a:fld id="{67070BD3-4250-6F41-9EAD-A2131544771B}" type="datetime2">
+              <a:rPr lang="en-US" smtClean="0"/>
+              <a:t>Friday, September 12, 14</a:t>
             </a:fld>
             <a:endParaRPr lang="en-US"/>
           </a:p>
@@ -1983,7 +1983,7 @@
             <a:pPr algn="r"/>
             <a:r>
               <a:rPr lang="en-US" smtClean="0"/>
-              <a:t>Sanjay Kalé and PPL (UIUC) – Parallel Migratable Objects </a:t>
+              <a:t>Laxmikant Kalé and PPL (UIUC) – Parallel Migratable Objects </a:t>
             </a:r>
             <a:endParaRPr lang="en-US" dirty="0"/>
           </a:p>
@@ -2128,9 +2128,9 @@
           <a:bodyPr/>
           <a:lstStyle/>
           <a:p>
-            <a:fld id="{C460AE39-2092-A945-8296-F25085B9A0F1}" type="datetime2">
-              <a:rPr lang="en-US" smtClean="0"/>
-              <a:t>Wednesday, September 10, 14</a:t>
+            <a:fld id="{96A5B809-8F11-3744-9260-56A0BEF3A38C}" type="datetime2">
+              <a:rPr lang="en-US" smtClean="0"/>
+              <a:t>Friday, September 12, 14</a:t>
             </a:fld>
             <a:endParaRPr lang="en-US"/>
           </a:p>
@@ -2154,7 +2154,7 @@
             <a:pPr algn="r"/>
             <a:r>
               <a:rPr lang="en-US" smtClean="0"/>
-              <a:t>Sanjay Kalé and PPL (UIUC) – Parallel Migratable Objects </a:t>
+              <a:t>Laxmikant Kalé and PPL (UIUC) – Parallel Migratable Objects </a:t>
             </a:r>
             <a:endParaRPr lang="en-US" dirty="0"/>
           </a:p>
@@ -2309,9 +2309,9 @@
           <a:bodyPr/>
           <a:lstStyle/>
           <a:p>
-            <a:fld id="{63BC7E9D-3218-5E49-A867-E087AB2F4618}" type="datetime2">
-              <a:rPr lang="en-US" smtClean="0"/>
-              <a:t>Wednesday, September 10, 14</a:t>
+            <a:fld id="{0F740D3A-6CF8-0643-ADBD-D37B963671C0}" type="datetime2">
+              <a:rPr lang="en-US" smtClean="0"/>
+              <a:t>Friday, September 12, 14</a:t>
             </a:fld>
             <a:endParaRPr lang="en-US"/>
           </a:p>
@@ -2335,7 +2335,7 @@
             <a:pPr algn="r"/>
             <a:r>
               <a:rPr lang="en-US" smtClean="0"/>
-              <a:t>Sanjay Kalé and PPL (UIUC) – Parallel Migratable Objects </a:t>
+              <a:t>Laxmikant Kalé and PPL (UIUC) – Parallel Migratable Objects </a:t>
             </a:r>
             <a:endParaRPr lang="en-US" dirty="0"/>
           </a:p>
@@ -2563,9 +2563,9 @@
           <a:bodyPr/>
           <a:lstStyle/>
           <a:p>
-            <a:fld id="{B594EA25-E4F4-3746-A0BA-A11E27330E0F}" type="datetime2">
-              <a:rPr lang="en-US" smtClean="0"/>
-              <a:t>Wednesday, September 10, 14</a:t>
+            <a:fld id="{787F9449-54CC-8F4B-8654-A07E975050FA}" type="datetime2">
+              <a:rPr lang="en-US" smtClean="0"/>
+              <a:t>Friday, September 12, 14</a:t>
             </a:fld>
             <a:endParaRPr lang="en-US"/>
           </a:p>
@@ -2589,7 +2589,7 @@
             <a:pPr algn="r"/>
             <a:r>
               <a:rPr lang="en-US" smtClean="0"/>
-              <a:t>Sanjay Kalé and PPL (UIUC) – Parallel Migratable Objects </a:t>
+              <a:t>Laxmikant Kalé and PPL (UIUC) – Parallel Migratable Objects </a:t>
             </a:r>
             <a:endParaRPr lang="en-US" dirty="0"/>
           </a:p>
@@ -2868,7 +2868,7 @@
                 <a:latin typeface="Times New Roman"/>
                 <a:cs typeface="Times New Roman"/>
               </a:rPr>
-              <a:t>September 10, 2014</a:t>
+              <a:t>September 12, 2014</a:t>
             </a:fld>
             <a:endParaRPr lang="en-US" dirty="0">
               <a:latin typeface="Times New Roman"/>
@@ -2992,9 +2992,9 @@
           <a:bodyPr/>
           <a:lstStyle/>
           <a:p>
-            <a:fld id="{BD5AFB16-13FE-DF4A-8CB7-09756A57B2EA}" type="datetime2">
-              <a:rPr lang="en-US" smtClean="0"/>
-              <a:t>Wednesday, September 10, 14</a:t>
+            <a:fld id="{DC4060BC-378E-A84C-B452-7EDB9CCD245C}" type="datetime2">
+              <a:rPr lang="en-US" smtClean="0"/>
+              <a:t>Friday, September 12, 14</a:t>
             </a:fld>
             <a:endParaRPr lang="en-US" dirty="0"/>
           </a:p>
@@ -3018,7 +3018,7 @@
             <a:pPr algn="r"/>
             <a:r>
               <a:rPr lang="en-US" smtClean="0"/>
-              <a:t>Sanjay Kalé and PPL (UIUC) – Parallel Migratable Objects </a:t>
+              <a:t>Laxmikant Kalé and PPL (UIUC) – Parallel Migratable Objects </a:t>
             </a:r>
             <a:endParaRPr lang="en-US" dirty="0"/>
           </a:p>
@@ -3521,9 +3521,9 @@
             </a:lvl1pPr>
           </a:lstStyle>
           <a:p>
-            <a:fld id="{30545249-FD76-6844-B252-CAB05FC2DAA8}" type="datetime2">
-              <a:rPr lang="en-US" smtClean="0"/>
-              <a:t>Wednesday, September 10, 14</a:t>
+            <a:fld id="{1E4E736E-2C6E-3B44-86FD-BCD331CC4538}" type="datetime2">
+              <a:rPr lang="en-US" smtClean="0"/>
+              <a:t>Friday, September 12, 14</a:t>
             </a:fld>
             <a:endParaRPr lang="en-US" dirty="0"/>
           </a:p>
@@ -3554,7 +3554,7 @@
             <a:pPr algn="r"/>
             <a:r>
               <a:rPr lang="en-US" smtClean="0"/>
-              <a:t>Sanjay Kalé and PPL (UIUC) – Parallel Migratable Objects </a:t>
+              <a:t>Laxmikant Kalé and PPL (UIUC) – Parallel Migratable Objects </a:t>
             </a:r>
             <a:endParaRPr lang="en-US" dirty="0"/>
           </a:p>
@@ -3817,9 +3817,9 @@
           <a:bodyPr/>
           <a:lstStyle/>
           <a:p>
-            <a:fld id="{34621E95-60A9-FF44-9869-513D9D7A859F}" type="datetime2">
-              <a:rPr lang="en-US" smtClean="0"/>
-              <a:t>Wednesday, September 10, 14</a:t>
+            <a:fld id="{84D4C779-871D-E44B-9C91-90B0D25A5442}" type="datetime2">
+              <a:rPr lang="en-US" smtClean="0"/>
+              <a:t>Friday, September 12, 14</a:t>
             </a:fld>
             <a:endParaRPr lang="en-US"/>
           </a:p>
@@ -3843,7 +3843,7 @@
             <a:pPr algn="r"/>
             <a:r>
               <a:rPr lang="en-US" smtClean="0"/>
-              <a:t>Sanjay Kalé and PPL (UIUC) – Parallel Migratable Objects </a:t>
+              <a:t>Laxmikant Kalé and PPL (UIUC) – Parallel Migratable Objects </a:t>
             </a:r>
             <a:endParaRPr lang="en-US" dirty="0"/>
           </a:p>
@@ -3936,9 +3936,9 @@
           <a:bodyPr/>
           <a:lstStyle/>
           <a:p>
-            <a:fld id="{BD5AFB16-13FE-DF4A-8CB7-09756A57B2EA}" type="datetime2">
-              <a:rPr lang="en-US" smtClean="0"/>
-              <a:t>Wednesday, September 10, 14</a:t>
+            <a:fld id="{6D043B0B-7C47-C645-8463-C75643093DE3}" type="datetime2">
+              <a:rPr lang="en-US" smtClean="0"/>
+              <a:t>Friday, September 12, 14</a:t>
             </a:fld>
             <a:endParaRPr lang="en-US" dirty="0"/>
           </a:p>
@@ -3962,7 +3962,7 @@
             <a:pPr algn="r"/>
             <a:r>
               <a:rPr lang="en-US" smtClean="0"/>
-              <a:t>Sanjay Kalé and PPL (UIUC) – Parallel Migratable Objects </a:t>
+              <a:t>Laxmikant Kalé and PPL (UIUC) – Parallel Migratable Objects </a:t>
             </a:r>
             <a:endParaRPr lang="en-US" dirty="0"/>
           </a:p>
@@ -4423,9 +4423,9 @@
           <a:bodyPr/>
           <a:lstStyle/>
           <a:p>
-            <a:fld id="{1BDEC705-8EA9-6C46-8E3B-2CAC7E2C0F7D}" type="datetime2">
-              <a:rPr lang="en-US" smtClean="0"/>
-              <a:t>Wednesday, September 10, 14</a:t>
+            <a:fld id="{CAA7EB55-EEA0-5349-AA10-20F4F1A62B0F}" type="datetime2">
+              <a:rPr lang="en-US" smtClean="0"/>
+              <a:t>Friday, September 12, 14</a:t>
             </a:fld>
             <a:endParaRPr lang="en-US"/>
           </a:p>
@@ -4449,7 +4449,7 @@
             <a:pPr algn="r"/>
             <a:r>
               <a:rPr lang="en-US" smtClean="0"/>
-              <a:t>Sanjay Kalé and PPL (UIUC) – Parallel Migratable Objects </a:t>
+              <a:t>Laxmikant Kalé and PPL (UIUC) – Parallel Migratable Objects </a:t>
             </a:r>
             <a:endParaRPr lang="en-US" dirty="0"/>
           </a:p>
@@ -4754,9 +4754,9 @@
             </a:lvl1pPr>
           </a:lstStyle>
           <a:p>
-            <a:fld id="{BF613BD3-C5FD-9543-B738-679BF38D8C83}" type="datetime2">
-              <a:rPr lang="en-US" smtClean="0"/>
-              <a:t>Wednesday, September 10, 14</a:t>
+            <a:fld id="{730A527B-0398-CC43-81C7-C482DF8661A9}" type="datetime2">
+              <a:rPr lang="en-US" smtClean="0"/>
+              <a:t>Friday, September 12, 14</a:t>
             </a:fld>
             <a:endParaRPr lang="en-US" dirty="0"/>
           </a:p>
@@ -4787,7 +4787,7 @@
             <a:pPr algn="r"/>
             <a:r>
               <a:rPr lang="en-US" smtClean="0"/>
-              <a:t>Sanjay Kalé and PPL (UIUC) – Parallel Migratable Objects </a:t>
+              <a:t>Laxmikant Kalé and PPL (UIUC) – Parallel Migratable Objects </a:t>
             </a:r>
             <a:endParaRPr lang="en-US" dirty="0"/>
           </a:p>
@@ -5233,9 +5233,9 @@
           <a:bodyPr/>
           <a:lstStyle/>
           <a:p>
-            <a:fld id="{4B5E4F0C-9A9C-5448-99FD-D30288B385C9}" type="datetime2">
-              <a:rPr lang="en-US" smtClean="0"/>
-              <a:t>Wednesday, September 10, 14</a:t>
+            <a:fld id="{D4F44179-0846-6348-991D-483DF810BDA3}" type="datetime2">
+              <a:rPr lang="en-US" smtClean="0"/>
+              <a:t>Friday, September 12, 14</a:t>
             </a:fld>
             <a:endParaRPr lang="en-US"/>
           </a:p>
@@ -5259,7 +5259,7 @@
             <a:pPr algn="r"/>
             <a:r>
               <a:rPr lang="en-US" smtClean="0"/>
-              <a:t>Sanjay Kalé and PPL (UIUC) – Parallel Migratable Objects </a:t>
+              <a:t>Laxmikant Kalé and PPL (UIUC) – Parallel Migratable Objects </a:t>
             </a:r>
             <a:endParaRPr lang="en-US" dirty="0"/>
           </a:p>
@@ -5529,9 +5529,9 @@
             </a:lvl1pPr>
           </a:lstStyle>
           <a:p>
-            <a:fld id="{30545249-FD76-6844-B252-CAB05FC2DAA8}" type="datetime2">
-              <a:rPr lang="en-US" smtClean="0"/>
-              <a:t>Wednesday, September 10, 14</a:t>
+            <a:fld id="{CBA2A2A2-850E-A547-989F-C7B53694B3E7}" type="datetime2">
+              <a:rPr lang="en-US" smtClean="0"/>
+              <a:t>Friday, September 12, 14</a:t>
             </a:fld>
             <a:endParaRPr lang="en-US" dirty="0"/>
           </a:p>
@@ -5562,7 +5562,7 @@
             <a:pPr algn="r"/>
             <a:r>
               <a:rPr lang="en-US" smtClean="0"/>
-              <a:t>Sanjay Kalé and PPL (UIUC) – Parallel Migratable Objects </a:t>
+              <a:t>Laxmikant Kalé and PPL (UIUC) – Parallel Migratable Objects </a:t>
             </a:r>
             <a:endParaRPr lang="en-US" dirty="0"/>
           </a:p>
@@ -5772,9 +5772,9 @@
           <a:bodyPr/>
           <a:lstStyle/>
           <a:p>
-            <a:fld id="{CC859171-EEDD-0B48-A5C0-E7218AE20EA7}" type="datetime2">
-              <a:rPr lang="en-US" smtClean="0"/>
-              <a:t>Wednesday, September 10, 14</a:t>
+            <a:fld id="{145AFA66-68DA-F54A-8DA5-3ECDEBF9DF7B}" type="datetime2">
+              <a:rPr lang="en-US" smtClean="0"/>
+              <a:t>Friday, September 12, 14</a:t>
             </a:fld>
             <a:endParaRPr lang="en-US"/>
           </a:p>
@@ -5798,7 +5798,7 @@
             <a:pPr algn="r"/>
             <a:r>
               <a:rPr lang="en-US" smtClean="0"/>
-              <a:t>Sanjay Kalé and PPL (UIUC) – Parallel Migratable Objects </a:t>
+              <a:t>Laxmikant Kalé and PPL (UIUC) – Parallel Migratable Objects </a:t>
             </a:r>
             <a:endParaRPr lang="en-US" dirty="0"/>
           </a:p>
@@ -5868,9 +5868,9 @@
           <a:bodyPr/>
           <a:lstStyle/>
           <a:p>
-            <a:fld id="{C32F9216-0342-7440-9504-BD6C1382BF27}" type="datetime2">
-              <a:rPr lang="en-US" smtClean="0"/>
-              <a:t>Wednesday, September 10, 14</a:t>
+            <a:fld id="{D0245D12-019F-6346-838B-436C2C9B1538}" type="datetime2">
+              <a:rPr lang="en-US" smtClean="0"/>
+              <a:t>Friday, September 12, 14</a:t>
             </a:fld>
             <a:endParaRPr lang="en-US"/>
           </a:p>
@@ -5894,7 +5894,7 @@
             <a:pPr algn="r"/>
             <a:r>
               <a:rPr lang="en-US" smtClean="0"/>
-              <a:t>Sanjay Kalé and PPL (UIUC) – Parallel Migratable Objects </a:t>
+              <a:t>Laxmikant Kalé and PPL (UIUC) – Parallel Migratable Objects </a:t>
             </a:r>
             <a:endParaRPr lang="en-US" dirty="0"/>
           </a:p>
@@ -6043,7 +6043,7 @@
           <a:p>
             <a:r>
               <a:rPr lang="en-US" smtClean="0"/>
-              <a:t>Sanjay Kalé and PPL (UIUC) – Parallel Migratable Objects </a:t>
+              <a:t>Laxmikant Kalé and PPL (UIUC) – Parallel Migratable Objects </a:t>
             </a:r>
             <a:endParaRPr lang="en-US" dirty="0"/>
           </a:p>
@@ -6183,9 +6183,9 @@
             </a:lvl1pPr>
           </a:lstStyle>
           <a:p>
-            <a:fld id="{D36DC8F2-AD63-E841-8C23-5DC3A41041BE}" type="datetime2">
-              <a:rPr lang="en-US" smtClean="0"/>
-              <a:t>Wednesday, September 10, 14</a:t>
+            <a:fld id="{DDE5C39F-35D2-CF40-B60A-C7EB9BA257A2}" type="datetime2">
+              <a:rPr lang="en-US" smtClean="0"/>
+              <a:t>Friday, September 12, 14</a:t>
             </a:fld>
             <a:endParaRPr lang="en-US" dirty="0"/>
           </a:p>
@@ -6254,7 +6254,7 @@
     <p:sldLayoutId id="2147483973" r:id="rId15"/>
     <p:sldLayoutId id="2147483972" r:id="rId16"/>
   </p:sldLayoutIdLst>
-  <p:hf hdr="0"/>
+  <p:hf hdr="0" dt="0"/>
   <p:txStyles>
     <p:titleStyle>
       <a:lvl1pPr algn="l" defTabSz="914400" rtl="0" eaLnBrk="1" latinLnBrk="0" hangingPunct="1">
@@ -6653,11 +6653,7 @@
             </a:pPr>
             <a:r>
               <a:rPr lang="en-US" dirty="0" smtClean="0"/>
-              <a:t>Hello </a:t>
-            </a:r>
-            <a:r>
-              <a:rPr lang="en-US" dirty="0" smtClean="0"/>
-              <a:t>World</a:t>
+              <a:t>Hello World</a:t>
             </a:r>
           </a:p>
           <a:p>
@@ -6761,11 +6757,7 @@
             </a:pPr>
             <a:r>
               <a:rPr lang="en-US" dirty="0" smtClean="0"/>
-              <a:t>Structured </a:t>
-            </a:r>
-            <a:r>
-              <a:rPr lang="en-US" dirty="0" smtClean="0"/>
-              <a:t>Dagger</a:t>
+              <a:t>Structured Dagger</a:t>
             </a:r>
           </a:p>
           <a:p>
@@ -6856,12 +6848,12 @@
       </p:sp>
       <p:sp>
         <p:nvSpPr>
-          <p:cNvPr id="4" name="Date Placeholder 3"/>
-          <p:cNvSpPr>
-            <a:spLocks noGrp="1"/>
-          </p:cNvSpPr>
-          <p:nvPr>
-            <p:ph type="dt" sz="half" idx="10"/>
+          <p:cNvPr id="5" name="Footer Placeholder 4"/>
+          <p:cNvSpPr>
+            <a:spLocks noGrp="1"/>
+          </p:cNvSpPr>
+          <p:nvPr>
+            <p:ph type="ftr" sz="quarter" idx="11"/>
           </p:nvPr>
         </p:nvSpPr>
         <p:spPr/>
@@ -6869,33 +6861,10 @@
           <a:bodyPr/>
           <a:lstStyle/>
           <a:p>
-            <a:fld id="{7DCE861A-EA6B-EA43-8AA5-DB216DBB40BC}" type="datetime2">
-              <a:rPr lang="en-US" smtClean="0"/>
-              <a:t>Wednesday, September 10, 14</a:t>
-            </a:fld>
-            <a:endParaRPr lang="en-US"/>
-          </a:p>
-        </p:txBody>
-      </p:sp>
-      <p:sp>
-        <p:nvSpPr>
-          <p:cNvPr id="5" name="Footer Placeholder 4"/>
-          <p:cNvSpPr>
-            <a:spLocks noGrp="1"/>
-          </p:cNvSpPr>
-          <p:nvPr>
-            <p:ph type="ftr" sz="quarter" idx="11"/>
-          </p:nvPr>
-        </p:nvSpPr>
-        <p:spPr/>
-        <p:txBody>
-          <a:bodyPr/>
-          <a:lstStyle/>
-          <a:p>
             <a:pPr algn="r"/>
             <a:r>
               <a:rPr lang="en-US" smtClean="0"/>
-              <a:t>Sanjay Kalé and PPL (UIUC) – Parallel Migratable Objects </a:t>
+              <a:t>Laxmikant Kalé and PPL (UIUC) – Parallel Migratable Objects </a:t>
             </a:r>
             <a:endParaRPr lang="en-US" dirty="0"/>
           </a:p>
@@ -7229,12 +7198,12 @@
       </p:sp>
       <p:sp>
         <p:nvSpPr>
-          <p:cNvPr id="4" name="Date Placeholder 3"/>
-          <p:cNvSpPr>
-            <a:spLocks noGrp="1"/>
-          </p:cNvSpPr>
-          <p:nvPr>
-            <p:ph type="dt" sz="half" idx="10"/>
+          <p:cNvPr id="5" name="Footer Placeholder 4"/>
+          <p:cNvSpPr>
+            <a:spLocks noGrp="1"/>
+          </p:cNvSpPr>
+          <p:nvPr>
+            <p:ph type="ftr" sz="quarter" idx="11"/>
           </p:nvPr>
         </p:nvSpPr>
         <p:spPr/>
@@ -7242,33 +7211,10 @@
           <a:bodyPr/>
           <a:lstStyle/>
           <a:p>
-            <a:fld id="{34621E95-60A9-FF44-9869-513D9D7A859F}" type="datetime2">
-              <a:rPr lang="en-US" smtClean="0"/>
-              <a:t>Wednesday, September 10, 14</a:t>
-            </a:fld>
-            <a:endParaRPr lang="en-US"/>
-          </a:p>
-        </p:txBody>
-      </p:sp>
-      <p:sp>
-        <p:nvSpPr>
-          <p:cNvPr id="5" name="Footer Placeholder 4"/>
-          <p:cNvSpPr>
-            <a:spLocks noGrp="1"/>
-          </p:cNvSpPr>
-          <p:nvPr>
-            <p:ph type="ftr" sz="quarter" idx="11"/>
-          </p:nvPr>
-        </p:nvSpPr>
-        <p:spPr/>
-        <p:txBody>
-          <a:bodyPr/>
-          <a:lstStyle/>
-          <a:p>
             <a:pPr algn="r"/>
             <a:r>
               <a:rPr lang="en-US" smtClean="0"/>
-              <a:t>Sanjay Kalé and PPL (UIUC) – Parallel Migratable Objects </a:t>
+              <a:t>Laxmikant Kalé and PPL (UIUC) – Parallel Migratable Objects </a:t>
             </a:r>
             <a:endParaRPr lang="en-US" dirty="0"/>
           </a:p>
@@ -7779,12 +7725,12 @@
       </p:sp>
       <p:sp>
         <p:nvSpPr>
-          <p:cNvPr id="4" name="Date Placeholder 3"/>
-          <p:cNvSpPr>
-            <a:spLocks noGrp="1"/>
-          </p:cNvSpPr>
-          <p:nvPr>
-            <p:ph type="dt" sz="half" idx="10"/>
+          <p:cNvPr id="5" name="Footer Placeholder 4"/>
+          <p:cNvSpPr>
+            <a:spLocks noGrp="1"/>
+          </p:cNvSpPr>
+          <p:nvPr>
+            <p:ph type="ftr" sz="quarter" idx="11"/>
           </p:nvPr>
         </p:nvSpPr>
         <p:spPr/>
@@ -7792,33 +7738,10 @@
           <a:bodyPr/>
           <a:lstStyle/>
           <a:p>
-            <a:fld id="{34621E95-60A9-FF44-9869-513D9D7A859F}" type="datetime2">
-              <a:rPr lang="en-US" smtClean="0"/>
-              <a:t>Wednesday, September 10, 14</a:t>
-            </a:fld>
-            <a:endParaRPr lang="en-US"/>
-          </a:p>
-        </p:txBody>
-      </p:sp>
-      <p:sp>
-        <p:nvSpPr>
-          <p:cNvPr id="5" name="Footer Placeholder 4"/>
-          <p:cNvSpPr>
-            <a:spLocks noGrp="1"/>
-          </p:cNvSpPr>
-          <p:nvPr>
-            <p:ph type="ftr" sz="quarter" idx="11"/>
-          </p:nvPr>
-        </p:nvSpPr>
-        <p:spPr/>
-        <p:txBody>
-          <a:bodyPr/>
-          <a:lstStyle/>
-          <a:p>
             <a:pPr algn="r"/>
             <a:r>
               <a:rPr lang="en-US" smtClean="0"/>
-              <a:t>Sanjay Kalé and PPL (UIUC) – Parallel Migratable Objects </a:t>
+              <a:t>Laxmikant Kalé and PPL (UIUC) – Parallel Migratable Objects </a:t>
             </a:r>
             <a:endParaRPr lang="en-US" dirty="0"/>
           </a:p>
@@ -8387,12 +8310,12 @@
       </p:sp>
       <p:sp>
         <p:nvSpPr>
-          <p:cNvPr id="4" name="Date Placeholder 3"/>
-          <p:cNvSpPr>
-            <a:spLocks noGrp="1"/>
-          </p:cNvSpPr>
-          <p:nvPr>
-            <p:ph type="dt" sz="half" idx="10"/>
+          <p:cNvPr id="5" name="Footer Placeholder 4"/>
+          <p:cNvSpPr>
+            <a:spLocks noGrp="1"/>
+          </p:cNvSpPr>
+          <p:nvPr>
+            <p:ph type="ftr" sz="quarter" idx="11"/>
           </p:nvPr>
         </p:nvSpPr>
         <p:spPr/>
@@ -8400,33 +8323,10 @@
           <a:bodyPr/>
           <a:lstStyle/>
           <a:p>
-            <a:fld id="{34621E95-60A9-FF44-9869-513D9D7A859F}" type="datetime2">
-              <a:rPr lang="en-US" smtClean="0"/>
-              <a:t>Wednesday, September 10, 14</a:t>
-            </a:fld>
-            <a:endParaRPr lang="en-US"/>
-          </a:p>
-        </p:txBody>
-      </p:sp>
-      <p:sp>
-        <p:nvSpPr>
-          <p:cNvPr id="5" name="Footer Placeholder 4"/>
-          <p:cNvSpPr>
-            <a:spLocks noGrp="1"/>
-          </p:cNvSpPr>
-          <p:nvPr>
-            <p:ph type="ftr" sz="quarter" idx="11"/>
-          </p:nvPr>
-        </p:nvSpPr>
-        <p:spPr/>
-        <p:txBody>
-          <a:bodyPr/>
-          <a:lstStyle/>
-          <a:p>
             <a:pPr algn="r"/>
             <a:r>
               <a:rPr lang="en-US" smtClean="0"/>
-              <a:t>Sanjay Kalé and PPL (UIUC) – Parallel Migratable Objects </a:t>
+              <a:t>Laxmikant Kalé and PPL (UIUC) – Parallel Migratable Objects </a:t>
             </a:r>
             <a:endParaRPr lang="en-US" dirty="0"/>
           </a:p>
@@ -8586,12 +8486,12 @@
       </p:sp>
       <p:sp>
         <p:nvSpPr>
-          <p:cNvPr id="4" name="Date Placeholder 3"/>
-          <p:cNvSpPr>
-            <a:spLocks noGrp="1"/>
-          </p:cNvSpPr>
-          <p:nvPr>
-            <p:ph type="dt" sz="half" idx="10"/>
+          <p:cNvPr id="5" name="Footer Placeholder 4"/>
+          <p:cNvSpPr>
+            <a:spLocks noGrp="1"/>
+          </p:cNvSpPr>
+          <p:nvPr>
+            <p:ph type="ftr" sz="quarter" idx="11"/>
           </p:nvPr>
         </p:nvSpPr>
         <p:spPr/>
@@ -8599,33 +8499,10 @@
           <a:bodyPr/>
           <a:lstStyle/>
           <a:p>
-            <a:fld id="{34621E95-60A9-FF44-9869-513D9D7A859F}" type="datetime2">
-              <a:rPr lang="en-US" smtClean="0"/>
-              <a:t>Wednesday, September 10, 14</a:t>
-            </a:fld>
-            <a:endParaRPr lang="en-US"/>
-          </a:p>
-        </p:txBody>
-      </p:sp>
-      <p:sp>
-        <p:nvSpPr>
-          <p:cNvPr id="5" name="Footer Placeholder 4"/>
-          <p:cNvSpPr>
-            <a:spLocks noGrp="1"/>
-          </p:cNvSpPr>
-          <p:nvPr>
-            <p:ph type="ftr" sz="quarter" idx="11"/>
-          </p:nvPr>
-        </p:nvSpPr>
-        <p:spPr/>
-        <p:txBody>
-          <a:bodyPr/>
-          <a:lstStyle/>
-          <a:p>
             <a:pPr algn="r"/>
             <a:r>
               <a:rPr lang="en-US" smtClean="0"/>
-              <a:t>Sanjay Kalé and PPL (UIUC) – Parallel Migratable Objects </a:t>
+              <a:t>Laxmikant Kalé and PPL (UIUC) – Parallel Migratable Objects </a:t>
             </a:r>
             <a:endParaRPr lang="en-US" dirty="0"/>
           </a:p>
@@ -8743,12 +8620,12 @@
       </p:pic>
       <p:sp>
         <p:nvSpPr>
-          <p:cNvPr id="4" name="Date Placeholder 3"/>
-          <p:cNvSpPr>
-            <a:spLocks noGrp="1"/>
-          </p:cNvSpPr>
-          <p:nvPr>
-            <p:ph type="dt" sz="half" idx="10"/>
+          <p:cNvPr id="5" name="Footer Placeholder 4"/>
+          <p:cNvSpPr>
+            <a:spLocks noGrp="1"/>
+          </p:cNvSpPr>
+          <p:nvPr>
+            <p:ph type="ftr" sz="quarter" idx="11"/>
           </p:nvPr>
         </p:nvSpPr>
         <p:spPr/>
@@ -8756,33 +8633,10 @@
           <a:bodyPr/>
           <a:lstStyle/>
           <a:p>
-            <a:fld id="{34621E95-60A9-FF44-9869-513D9D7A859F}" type="datetime2">
-              <a:rPr lang="en-US" smtClean="0"/>
-              <a:t>Wednesday, September 10, 14</a:t>
-            </a:fld>
-            <a:endParaRPr lang="en-US"/>
-          </a:p>
-        </p:txBody>
-      </p:sp>
-      <p:sp>
-        <p:nvSpPr>
-          <p:cNvPr id="5" name="Footer Placeholder 4"/>
-          <p:cNvSpPr>
-            <a:spLocks noGrp="1"/>
-          </p:cNvSpPr>
-          <p:nvPr>
-            <p:ph type="ftr" sz="quarter" idx="11"/>
-          </p:nvPr>
-        </p:nvSpPr>
-        <p:spPr/>
-        <p:txBody>
-          <a:bodyPr/>
-          <a:lstStyle/>
-          <a:p>
             <a:pPr algn="r"/>
             <a:r>
               <a:rPr lang="en-US" smtClean="0"/>
-              <a:t>Sanjay Kalé and PPL (UIUC) – Parallel Migratable Objects </a:t>
+              <a:t>Laxmikant Kalé and PPL (UIUC) – Parallel Migratable Objects </a:t>
             </a:r>
             <a:endParaRPr lang="en-US" dirty="0"/>
           </a:p>
@@ -8904,12 +8758,12 @@
       </p:pic>
       <p:sp>
         <p:nvSpPr>
-          <p:cNvPr id="4" name="Date Placeholder 3"/>
-          <p:cNvSpPr>
-            <a:spLocks noGrp="1"/>
-          </p:cNvSpPr>
-          <p:nvPr>
-            <p:ph type="dt" sz="half" idx="10"/>
+          <p:cNvPr id="5" name="Footer Placeholder 4"/>
+          <p:cNvSpPr>
+            <a:spLocks noGrp="1"/>
+          </p:cNvSpPr>
+          <p:nvPr>
+            <p:ph type="ftr" sz="quarter" idx="11"/>
           </p:nvPr>
         </p:nvSpPr>
         <p:spPr/>
@@ -8917,33 +8771,10 @@
           <a:bodyPr/>
           <a:lstStyle/>
           <a:p>
-            <a:fld id="{34621E95-60A9-FF44-9869-513D9D7A859F}" type="datetime2">
-              <a:rPr lang="en-US" smtClean="0"/>
-              <a:t>Wednesday, September 10, 14</a:t>
-            </a:fld>
-            <a:endParaRPr lang="en-US"/>
-          </a:p>
-        </p:txBody>
-      </p:sp>
-      <p:sp>
-        <p:nvSpPr>
-          <p:cNvPr id="5" name="Footer Placeholder 4"/>
-          <p:cNvSpPr>
-            <a:spLocks noGrp="1"/>
-          </p:cNvSpPr>
-          <p:nvPr>
-            <p:ph type="ftr" sz="quarter" idx="11"/>
-          </p:nvPr>
-        </p:nvSpPr>
-        <p:spPr/>
-        <p:txBody>
-          <a:bodyPr/>
-          <a:lstStyle/>
-          <a:p>
             <a:pPr algn="r"/>
             <a:r>
               <a:rPr lang="en-US" smtClean="0"/>
-              <a:t>Sanjay Kalé and PPL (UIUC) – Parallel Migratable Objects </a:t>
+              <a:t>Laxmikant Kalé and PPL (UIUC) – Parallel Migratable Objects </a:t>
             </a:r>
             <a:endParaRPr lang="en-US" dirty="0"/>
           </a:p>
@@ -9061,12 +8892,12 @@
       </p:pic>
       <p:sp>
         <p:nvSpPr>
-          <p:cNvPr id="4" name="Date Placeholder 3"/>
-          <p:cNvSpPr>
-            <a:spLocks noGrp="1"/>
-          </p:cNvSpPr>
-          <p:nvPr>
-            <p:ph type="dt" sz="half" idx="10"/>
+          <p:cNvPr id="5" name="Footer Placeholder 4"/>
+          <p:cNvSpPr>
+            <a:spLocks noGrp="1"/>
+          </p:cNvSpPr>
+          <p:nvPr>
+            <p:ph type="ftr" sz="quarter" idx="11"/>
           </p:nvPr>
         </p:nvSpPr>
         <p:spPr/>
@@ -9074,33 +8905,10 @@
           <a:bodyPr/>
           <a:lstStyle/>
           <a:p>
-            <a:fld id="{34621E95-60A9-FF44-9869-513D9D7A859F}" type="datetime2">
-              <a:rPr lang="en-US" smtClean="0"/>
-              <a:t>Wednesday, September 10, 14</a:t>
-            </a:fld>
-            <a:endParaRPr lang="en-US"/>
-          </a:p>
-        </p:txBody>
-      </p:sp>
-      <p:sp>
-        <p:nvSpPr>
-          <p:cNvPr id="5" name="Footer Placeholder 4"/>
-          <p:cNvSpPr>
-            <a:spLocks noGrp="1"/>
-          </p:cNvSpPr>
-          <p:nvPr>
-            <p:ph type="ftr" sz="quarter" idx="11"/>
-          </p:nvPr>
-        </p:nvSpPr>
-        <p:spPr/>
-        <p:txBody>
-          <a:bodyPr/>
-          <a:lstStyle/>
-          <a:p>
             <a:pPr algn="r"/>
             <a:r>
               <a:rPr lang="en-US" smtClean="0"/>
-              <a:t>Sanjay Kalé and PPL (UIUC) – Parallel Migratable Objects </a:t>
+              <a:t>Laxmikant Kalé and PPL (UIUC) – Parallel Migratable Objects </a:t>
             </a:r>
             <a:endParaRPr lang="en-US" dirty="0"/>
           </a:p>
@@ -9218,12 +9026,12 @@
       </p:pic>
       <p:sp>
         <p:nvSpPr>
-          <p:cNvPr id="4" name="Date Placeholder 3"/>
-          <p:cNvSpPr>
-            <a:spLocks noGrp="1"/>
-          </p:cNvSpPr>
-          <p:nvPr>
-            <p:ph type="dt" sz="half" idx="10"/>
+          <p:cNvPr id="5" name="Footer Placeholder 4"/>
+          <p:cNvSpPr>
+            <a:spLocks noGrp="1"/>
+          </p:cNvSpPr>
+          <p:nvPr>
+            <p:ph type="ftr" sz="quarter" idx="11"/>
           </p:nvPr>
         </p:nvSpPr>
         <p:spPr/>
@@ -9231,33 +9039,10 @@
           <a:bodyPr/>
           <a:lstStyle/>
           <a:p>
-            <a:fld id="{34621E95-60A9-FF44-9869-513D9D7A859F}" type="datetime2">
-              <a:rPr lang="en-US" smtClean="0"/>
-              <a:t>Wednesday, September 10, 14</a:t>
-            </a:fld>
-            <a:endParaRPr lang="en-US"/>
-          </a:p>
-        </p:txBody>
-      </p:sp>
-      <p:sp>
-        <p:nvSpPr>
-          <p:cNvPr id="5" name="Footer Placeholder 4"/>
-          <p:cNvSpPr>
-            <a:spLocks noGrp="1"/>
-          </p:cNvSpPr>
-          <p:nvPr>
-            <p:ph type="ftr" sz="quarter" idx="11"/>
-          </p:nvPr>
-        </p:nvSpPr>
-        <p:spPr/>
-        <p:txBody>
-          <a:bodyPr/>
-          <a:lstStyle/>
-          <a:p>
             <a:pPr algn="r"/>
             <a:r>
               <a:rPr lang="en-US" smtClean="0"/>
-              <a:t>Sanjay Kalé and PPL (UIUC) – Parallel Migratable Objects </a:t>
+              <a:t>Laxmikant Kalé and PPL (UIUC) – Parallel Migratable Objects </a:t>
             </a:r>
             <a:endParaRPr lang="en-US" dirty="0"/>
           </a:p>

--- a/tutorial-09-perf_tuning.pptx
+++ b/tutorial-09-perf_tuning.pptx
@@ -209,7 +209,7 @@
           <a:p>
             <a:fld id="{775CE290-E0F5-444C-B849-A8F17CD4104C}" type="datetimeFigureOut">
               <a:rPr lang="en-US" smtClean="0"/>
-              <a:t>9/12/14</a:t>
+              <a:t>11/16/14</a:t>
             </a:fld>
             <a:endParaRPr lang="en-US"/>
           </a:p>
@@ -375,7 +375,7 @@
           <a:p>
             <a:fld id="{AD53A24C-4135-094C-957B-35852E7EDFA4}" type="datetimeFigureOut">
               <a:rPr lang="en-US" smtClean="0"/>
-              <a:t>9/12/14</a:t>
+              <a:t>11/16/14</a:t>
             </a:fld>
             <a:endParaRPr lang="en-US"/>
           </a:p>
@@ -836,7 +836,7 @@
           <a:p>
             <a:fld id="{722FE9AA-233B-D242-97B8-16339A4EB3AC}" type="datetime2">
               <a:rPr lang="en-US" smtClean="0"/>
-              <a:t>Friday, September 12, 14</a:t>
+              <a:t>Sunday, November 16, 14</a:t>
             </a:fld>
             <a:endParaRPr lang="en-US"/>
           </a:p>
@@ -1139,7 +1139,7 @@
                 <a:latin typeface="Times New Roman"/>
                 <a:cs typeface="Times New Roman"/>
               </a:rPr>
-              <a:t>September 12, 2014</a:t>
+              <a:t>November 16, 2014</a:t>
             </a:fld>
             <a:endParaRPr lang="en-US" dirty="0">
               <a:latin typeface="Times New Roman"/>
@@ -1413,7 +1413,7 @@
                 <a:latin typeface="Times New Roman"/>
                 <a:cs typeface="Times New Roman"/>
               </a:rPr>
-              <a:t>September 12, 2014</a:t>
+              <a:t>November 16, 2014</a:t>
             </a:fld>
             <a:endParaRPr lang="en-US" dirty="0">
               <a:latin typeface="Times New Roman"/>
@@ -1648,7 +1648,7 @@
           <a:p>
             <a:fld id="{EE77B251-8395-6C4B-9D60-8C4B36DEFCD9}" type="datetime2">
               <a:rPr lang="en-US" smtClean="0"/>
-              <a:t>Friday, September 12, 14</a:t>
+              <a:t>Sunday, November 16, 14</a:t>
             </a:fld>
             <a:endParaRPr lang="en-US"/>
           </a:p>
@@ -1959,7 +1959,7 @@
           <a:p>
             <a:fld id="{67070BD3-4250-6F41-9EAD-A2131544771B}" type="datetime2">
               <a:rPr lang="en-US" smtClean="0"/>
-              <a:t>Friday, September 12, 14</a:t>
+              <a:t>Sunday, November 16, 14</a:t>
             </a:fld>
             <a:endParaRPr lang="en-US"/>
           </a:p>
@@ -2130,7 +2130,7 @@
           <a:p>
             <a:fld id="{96A5B809-8F11-3744-9260-56A0BEF3A38C}" type="datetime2">
               <a:rPr lang="en-US" smtClean="0"/>
-              <a:t>Friday, September 12, 14</a:t>
+              <a:t>Sunday, November 16, 14</a:t>
             </a:fld>
             <a:endParaRPr lang="en-US"/>
           </a:p>
@@ -2311,7 +2311,7 @@
           <a:p>
             <a:fld id="{0F740D3A-6CF8-0643-ADBD-D37B963671C0}" type="datetime2">
               <a:rPr lang="en-US" smtClean="0"/>
-              <a:t>Friday, September 12, 14</a:t>
+              <a:t>Sunday, November 16, 14</a:t>
             </a:fld>
             <a:endParaRPr lang="en-US"/>
           </a:p>
@@ -2565,7 +2565,7 @@
           <a:p>
             <a:fld id="{787F9449-54CC-8F4B-8654-A07E975050FA}" type="datetime2">
               <a:rPr lang="en-US" smtClean="0"/>
-              <a:t>Friday, September 12, 14</a:t>
+              <a:t>Sunday, November 16, 14</a:t>
             </a:fld>
             <a:endParaRPr lang="en-US"/>
           </a:p>
@@ -2868,7 +2868,7 @@
                 <a:latin typeface="Times New Roman"/>
                 <a:cs typeface="Times New Roman"/>
               </a:rPr>
-              <a:t>September 12, 2014</a:t>
+              <a:t>November 16, 2014</a:t>
             </a:fld>
             <a:endParaRPr lang="en-US" dirty="0">
               <a:latin typeface="Times New Roman"/>
@@ -2994,7 +2994,7 @@
           <a:p>
             <a:fld id="{DC4060BC-378E-A84C-B452-7EDB9CCD245C}" type="datetime2">
               <a:rPr lang="en-US" smtClean="0"/>
-              <a:t>Friday, September 12, 14</a:t>
+              <a:t>Sunday, November 16, 14</a:t>
             </a:fld>
             <a:endParaRPr lang="en-US" dirty="0"/>
           </a:p>
@@ -3523,7 +3523,7 @@
           <a:p>
             <a:fld id="{1E4E736E-2C6E-3B44-86FD-BCD331CC4538}" type="datetime2">
               <a:rPr lang="en-US" smtClean="0"/>
-              <a:t>Friday, September 12, 14</a:t>
+              <a:t>Sunday, November 16, 14</a:t>
             </a:fld>
             <a:endParaRPr lang="en-US" dirty="0"/>
           </a:p>
@@ -3819,7 +3819,7 @@
           <a:p>
             <a:fld id="{84D4C779-871D-E44B-9C91-90B0D25A5442}" type="datetime2">
               <a:rPr lang="en-US" smtClean="0"/>
-              <a:t>Friday, September 12, 14</a:t>
+              <a:t>Sunday, November 16, 14</a:t>
             </a:fld>
             <a:endParaRPr lang="en-US"/>
           </a:p>
@@ -3938,7 +3938,7 @@
           <a:p>
             <a:fld id="{6D043B0B-7C47-C645-8463-C75643093DE3}" type="datetime2">
               <a:rPr lang="en-US" smtClean="0"/>
-              <a:t>Friday, September 12, 14</a:t>
+              <a:t>Sunday, November 16, 14</a:t>
             </a:fld>
             <a:endParaRPr lang="en-US" dirty="0"/>
           </a:p>
@@ -4425,7 +4425,7 @@
           <a:p>
             <a:fld id="{CAA7EB55-EEA0-5349-AA10-20F4F1A62B0F}" type="datetime2">
               <a:rPr lang="en-US" smtClean="0"/>
-              <a:t>Friday, September 12, 14</a:t>
+              <a:t>Sunday, November 16, 14</a:t>
             </a:fld>
             <a:endParaRPr lang="en-US"/>
           </a:p>
@@ -4756,7 +4756,7 @@
           <a:p>
             <a:fld id="{730A527B-0398-CC43-81C7-C482DF8661A9}" type="datetime2">
               <a:rPr lang="en-US" smtClean="0"/>
-              <a:t>Friday, September 12, 14</a:t>
+              <a:t>Sunday, November 16, 14</a:t>
             </a:fld>
             <a:endParaRPr lang="en-US" dirty="0"/>
           </a:p>
@@ -5235,7 +5235,7 @@
           <a:p>
             <a:fld id="{D4F44179-0846-6348-991D-483DF810BDA3}" type="datetime2">
               <a:rPr lang="en-US" smtClean="0"/>
-              <a:t>Friday, September 12, 14</a:t>
+              <a:t>Sunday, November 16, 14</a:t>
             </a:fld>
             <a:endParaRPr lang="en-US"/>
           </a:p>
@@ -5531,7 +5531,7 @@
           <a:p>
             <a:fld id="{CBA2A2A2-850E-A547-989F-C7B53694B3E7}" type="datetime2">
               <a:rPr lang="en-US" smtClean="0"/>
-              <a:t>Friday, September 12, 14</a:t>
+              <a:t>Sunday, November 16, 14</a:t>
             </a:fld>
             <a:endParaRPr lang="en-US" dirty="0"/>
           </a:p>
@@ -5774,7 +5774,7 @@
           <a:p>
             <a:fld id="{145AFA66-68DA-F54A-8DA5-3ECDEBF9DF7B}" type="datetime2">
               <a:rPr lang="en-US" smtClean="0"/>
-              <a:t>Friday, September 12, 14</a:t>
+              <a:t>Sunday, November 16, 14</a:t>
             </a:fld>
             <a:endParaRPr lang="en-US"/>
           </a:p>
@@ -5870,7 +5870,7 @@
           <a:p>
             <a:fld id="{D0245D12-019F-6346-838B-436C2C9B1538}" type="datetime2">
               <a:rPr lang="en-US" smtClean="0"/>
-              <a:t>Friday, September 12, 14</a:t>
+              <a:t>Sunday, November 16, 14</a:t>
             </a:fld>
             <a:endParaRPr lang="en-US"/>
           </a:p>
@@ -6185,7 +6185,7 @@
           <a:p>
             <a:fld id="{DDE5C39F-35D2-CF40-B60A-C7EB9BA257A2}" type="datetime2">
               <a:rPr lang="en-US" smtClean="0"/>
-              <a:t>Friday, September 12, 14</a:t>
+              <a:t>Sunday, November 16, 14</a:t>
             </a:fld>
             <a:endParaRPr lang="en-US" dirty="0"/>
           </a:p>
@@ -7635,8 +7635,21 @@
           <a:p>
             <a:r>
               <a:rPr lang="en-US" dirty="0"/>
-              <a:t>Tools of aggregated performance viewing</a:t>
-            </a:r>
+              <a:t>A</a:t>
+            </a:r>
+            <a:r>
+              <a:rPr lang="en-US" dirty="0" smtClean="0"/>
+              <a:t>ggregated </a:t>
+            </a:r>
+            <a:r>
+              <a:rPr lang="en-US" dirty="0"/>
+              <a:t>performance </a:t>
+            </a:r>
+            <a:r>
+              <a:rPr lang="en-US" dirty="0" smtClean="0"/>
+              <a:t>viewing tools</a:t>
+            </a:r>
+            <a:endParaRPr lang="en-US" dirty="0"/>
           </a:p>
           <a:p>
             <a:pPr lvl="1"/>
@@ -7670,9 +7683,18 @@
           </a:p>
           <a:p>
             <a:r>
+              <a:rPr lang="en-US" dirty="0" smtClean="0"/>
+              <a:t>Processor </a:t>
+            </a:r>
+            <a:r>
               <a:rPr lang="en-US" dirty="0"/>
-              <a:t>Tools of processor level granularity</a:t>
-            </a:r>
+              <a:t>level </a:t>
+            </a:r>
+            <a:r>
+              <a:rPr lang="en-US" dirty="0" smtClean="0"/>
+              <a:t>granularity tools</a:t>
+            </a:r>
+            <a:endParaRPr lang="en-US" dirty="0"/>
           </a:p>
           <a:p>
             <a:pPr lvl="1"/>
@@ -7692,8 +7714,21 @@
           <a:p>
             <a:r>
               <a:rPr lang="en-US" dirty="0"/>
-              <a:t>Tools of derived/processed data</a:t>
-            </a:r>
+              <a:t>D</a:t>
+            </a:r>
+            <a:r>
+              <a:rPr lang="en-US" dirty="0" smtClean="0"/>
+              <a:t>erived</a:t>
+            </a:r>
+            <a:r>
+              <a:rPr lang="en-US" dirty="0"/>
+              <a:t>/processed </a:t>
+            </a:r>
+            <a:r>
+              <a:rPr lang="en-US" dirty="0" smtClean="0"/>
+              <a:t>data tools</a:t>
+            </a:r>
+            <a:endParaRPr lang="en-US" dirty="0"/>
           </a:p>
           <a:p>
             <a:pPr lvl="1"/>
@@ -8859,8 +8894,12 @@
           <a:lstStyle/>
           <a:p>
             <a:r>
+              <a:rPr lang="en-US" dirty="0" smtClean="0"/>
+              <a:t>Timeline </a:t>
+            </a:r>
+            <a:r>
               <a:rPr lang="en-US" dirty="0"/>
-              <a:t>Time Lines with Message Back Tracing</a:t>
+              <a:t>with Message Back Tracing</a:t>
             </a:r>
           </a:p>
         </p:txBody>
